--- a/public/pptx/goodness_of_god.pptx
+++ b/public/pptx/goodness_of_god.pptx
@@ -2,27 +2,27 @@
 <file path=ppt/presentation.xml><?xml version="1.0" encoding="utf-8"?>
 <p:presentation xmlns:a="http://schemas.openxmlformats.org/drawingml/2006/main" xmlns:r="http://schemas.openxmlformats.org/officeDocument/2006/relationships" xmlns:p="http://schemas.openxmlformats.org/presentationml/2006/main" saveSubsetFonts="1" autoCompressPictures="0">
   <p:sldMasterIdLst>
-    <p:sldMasterId id="2147483670" r:id="rId1"/>
-    <p:sldMasterId id="2147483672" r:id="rId2"/>
+    <p:sldMasterId id="2147483660" r:id="rId1"/>
+    <p:sldMasterId id="2147483670" r:id="rId2"/>
   </p:sldMasterIdLst>
   <p:notesMasterIdLst>
     <p:notesMasterId r:id="rId18"/>
   </p:notesMasterIdLst>
   <p:sldIdLst>
-    <p:sldId id="483" r:id="rId3"/>
+    <p:sldId id="2995" r:id="rId3"/>
     <p:sldId id="1231" r:id="rId4"/>
-    <p:sldId id="1241" r:id="rId5"/>
+    <p:sldId id="2996" r:id="rId5"/>
     <p:sldId id="1233" r:id="rId6"/>
-    <p:sldId id="1242" r:id="rId7"/>
+    <p:sldId id="2997" r:id="rId7"/>
     <p:sldId id="1234" r:id="rId8"/>
     <p:sldId id="1235" r:id="rId9"/>
     <p:sldId id="1236" r:id="rId10"/>
-    <p:sldId id="1243" r:id="rId11"/>
+    <p:sldId id="2998" r:id="rId11"/>
     <p:sldId id="1237" r:id="rId12"/>
-    <p:sldId id="1244" r:id="rId13"/>
+    <p:sldId id="2999" r:id="rId13"/>
     <p:sldId id="1238" r:id="rId14"/>
     <p:sldId id="1239" r:id="rId15"/>
-    <p:sldId id="1245" r:id="rId16"/>
+    <p:sldId id="3000" r:id="rId16"/>
     <p:sldId id="1240" r:id="rId17"/>
   </p:sldIdLst>
   <p:sldSz cx="12192000" cy="6858000"/>
@@ -205,7 +205,7 @@
             </a:lvl1pPr>
           </a:lstStyle>
           <a:p>
-            <a:fld id="{1D12FA94-86ED-354D-A8CF-0726642E3FE2}" type="datetimeFigureOut">
+            <a:fld id="{E1189EDB-EBE4-1041-9673-B43C7F1755EF}" type="datetimeFigureOut">
               <a:rPr lang="en-US" smtClean="0"/>
               <a:t>10/19/25</a:t>
             </a:fld>
@@ -363,7 +363,7 @@
             </a:lvl1pPr>
           </a:lstStyle>
           <a:p>
-            <a:fld id="{B99DFAE0-3370-824F-B48A-97F67D57C5F4}" type="slidenum">
+            <a:fld id="{0127193B-DA53-B746-BC45-79283BC8CADD}" type="slidenum">
               <a:rPr lang="en-US" smtClean="0"/>
               <a:t>‹#›</a:t>
             </a:fld>
@@ -374,7 +374,7 @@
     </p:spTree>
     <p:extLst>
       <p:ext uri="{BB962C8B-B14F-4D97-AF65-F5344CB8AC3E}">
-        <p14:creationId xmlns:p14="http://schemas.microsoft.com/office/powerpoint/2010/main" val="3978445500"/>
+        <p14:creationId xmlns:p14="http://schemas.microsoft.com/office/powerpoint/2010/main" val="670405789"/>
       </p:ext>
     </p:extLst>
   </p:cSld>
@@ -479,155 +479,6 @@
   <p:cSld>
     <p:spTree>
       <p:nvGrpSpPr>
-        <p:cNvPr id="1" name=""/>
-        <p:cNvGrpSpPr/>
-        <p:nvPr/>
-      </p:nvGrpSpPr>
-      <p:grpSpPr>
-        <a:xfrm>
-          <a:off x="0" y="0"/>
-          <a:ext cx="0" cy="0"/>
-          <a:chOff x="0" y="0"/>
-          <a:chExt cx="0" cy="0"/>
-        </a:xfrm>
-      </p:grpSpPr>
-      <p:sp>
-        <p:nvSpPr>
-          <p:cNvPr id="2" name="슬라이드 이미지 개체 틀 1"/>
-          <p:cNvSpPr>
-            <a:spLocks noGrp="1" noRot="1" noChangeAspect="1"/>
-          </p:cNvSpPr>
-          <p:nvPr>
-            <p:ph type="sldImg"/>
-          </p:nvPr>
-        </p:nvSpPr>
-        <p:spPr>
-          <a:xfrm>
-            <a:off x="381000" y="685800"/>
-            <a:ext cx="6096000" cy="3429000"/>
-          </a:xfrm>
-        </p:spPr>
-      </p:sp>
-      <p:sp>
-        <p:nvSpPr>
-          <p:cNvPr id="3" name="슬라이드 노트 개체 틀 2"/>
-          <p:cNvSpPr>
-            <a:spLocks noGrp="1"/>
-          </p:cNvSpPr>
-          <p:nvPr>
-            <p:ph type="body" idx="1"/>
-          </p:nvPr>
-        </p:nvSpPr>
-        <p:spPr/>
-        <p:txBody>
-          <a:bodyPr/>
-          <a:lstStyle/>
-          <a:p>
-            <a:endParaRPr lang="ko-KR" altLang="en-US"/>
-          </a:p>
-        </p:txBody>
-      </p:sp>
-      <p:sp>
-        <p:nvSpPr>
-          <p:cNvPr id="4" name="슬라이드 번호 개체 틀 3"/>
-          <p:cNvSpPr>
-            <a:spLocks noGrp="1"/>
-          </p:cNvSpPr>
-          <p:nvPr>
-            <p:ph type="sldNum" sz="quarter" idx="10"/>
-          </p:nvPr>
-        </p:nvSpPr>
-        <p:spPr/>
-        <p:txBody>
-          <a:bodyPr/>
-          <a:lstStyle/>
-          <a:p>
-            <a:pPr marL="0" marR="0" lvl="0" indent="0" algn="r" defTabSz="914400" rtl="0" eaLnBrk="1" fontAlgn="auto" latinLnBrk="1" hangingPunct="1">
-              <a:lnSpc>
-                <a:spcPct val="100000"/>
-              </a:lnSpc>
-              <a:spcBef>
-                <a:spcPts val="0"/>
-              </a:spcBef>
-              <a:spcAft>
-                <a:spcPts val="0"/>
-              </a:spcAft>
-              <a:buClrTx/>
-              <a:buSzTx/>
-              <a:buFontTx/>
-              <a:buNone/>
-              <a:tabLst/>
-              <a:defRPr/>
-            </a:pPr>
-            <a:fld id="{39383D8A-D4D2-4086-97F9-697CE8084469}" type="slidenum">
-              <a:rPr kumimoji="0" lang="ko-KR" altLang="en-US" sz="1200" b="0" i="0" u="none" strike="noStrike" kern="1200" cap="none" spc="0" normalizeH="0" baseline="0" noProof="0" smtClean="0">
-                <a:ln>
-                  <a:noFill/>
-                </a:ln>
-                <a:solidFill>
-                  <a:prstClr val="black"/>
-                </a:solidFill>
-                <a:effectLst/>
-                <a:uLnTx/>
-                <a:uFillTx/>
-                <a:latin typeface="맑은 고딕"/>
-                <a:ea typeface="맑은 고딕" panose="020B0503020000020004" pitchFamily="50" charset="-127"/>
-                <a:cs typeface="+mn-cs"/>
-              </a:rPr>
-              <a:pPr marL="0" marR="0" lvl="0" indent="0" algn="r" defTabSz="914400" rtl="0" eaLnBrk="1" fontAlgn="auto" latinLnBrk="1" hangingPunct="1">
-                <a:lnSpc>
-                  <a:spcPct val="100000"/>
-                </a:lnSpc>
-                <a:spcBef>
-                  <a:spcPts val="0"/>
-                </a:spcBef>
-                <a:spcAft>
-                  <a:spcPts val="0"/>
-                </a:spcAft>
-                <a:buClrTx/>
-                <a:buSzTx/>
-                <a:buFontTx/>
-                <a:buNone/>
-                <a:tabLst/>
-                <a:defRPr/>
-              </a:pPr>
-              <a:t>1</a:t>
-            </a:fld>
-            <a:endParaRPr kumimoji="0" lang="ko-KR" altLang="en-US" sz="1200" b="0" i="0" u="none" strike="noStrike" kern="1200" cap="none" spc="0" normalizeH="0" baseline="0" noProof="0">
-              <a:ln>
-                <a:noFill/>
-              </a:ln>
-              <a:solidFill>
-                <a:prstClr val="black"/>
-              </a:solidFill>
-              <a:effectLst/>
-              <a:uLnTx/>
-              <a:uFillTx/>
-              <a:latin typeface="맑은 고딕"/>
-              <a:ea typeface="맑은 고딕" panose="020B0503020000020004" pitchFamily="50" charset="-127"/>
-              <a:cs typeface="+mn-cs"/>
-            </a:endParaRPr>
-          </a:p>
-        </p:txBody>
-      </p:sp>
-    </p:spTree>
-    <p:extLst>
-      <p:ext uri="{BB962C8B-B14F-4D97-AF65-F5344CB8AC3E}">
-        <p14:creationId xmlns:p14="http://schemas.microsoft.com/office/powerpoint/2010/main" val="1482231001"/>
-      </p:ext>
-    </p:extLst>
-  </p:cSld>
-  <p:clrMapOvr>
-    <a:masterClrMapping/>
-  </p:clrMapOvr>
-</p:notes>
-</file>
-
-<file path=ppt/notesSlides/notesSlide2.xml><?xml version="1.0" encoding="utf-8"?>
-<p:notes xmlns:a="http://schemas.openxmlformats.org/drawingml/2006/main" xmlns:r="http://schemas.openxmlformats.org/officeDocument/2006/relationships" xmlns:p="http://schemas.openxmlformats.org/presentationml/2006/main">
-  <p:cSld>
-    <p:spTree>
-      <p:nvGrpSpPr>
         <p:cNvPr id="1" name="">
           <a:extLst>
             <a:ext uri="{FF2B5EF4-FFF2-40B4-BE49-F238E27FC236}">
@@ -820,6 +671,3089 @@
 </file>
 
 <file path=ppt/slideLayouts/slideLayout1.xml><?xml version="1.0" encoding="utf-8"?>
+<p:sldLayout xmlns:a="http://schemas.openxmlformats.org/drawingml/2006/main" xmlns:r="http://schemas.openxmlformats.org/officeDocument/2006/relationships" xmlns:p="http://schemas.openxmlformats.org/presentationml/2006/main" type="title" preserve="1">
+  <p:cSld name="Title Slide">
+    <p:spTree>
+      <p:nvGrpSpPr>
+        <p:cNvPr id="1" name=""/>
+        <p:cNvGrpSpPr/>
+        <p:nvPr/>
+      </p:nvGrpSpPr>
+      <p:grpSpPr>
+        <a:xfrm>
+          <a:off x="0" y="0"/>
+          <a:ext cx="0" cy="0"/>
+          <a:chOff x="0" y="0"/>
+          <a:chExt cx="0" cy="0"/>
+        </a:xfrm>
+      </p:grpSpPr>
+      <p:sp>
+        <p:nvSpPr>
+          <p:cNvPr id="2" name="Title 1">
+            <a:extLst>
+              <a:ext uri="{FF2B5EF4-FFF2-40B4-BE49-F238E27FC236}">
+                <a16:creationId xmlns:a16="http://schemas.microsoft.com/office/drawing/2014/main" id="{92ACB2A6-3A14-6084-13DA-F2A3654521AE}"/>
+              </a:ext>
+            </a:extLst>
+          </p:cNvPr>
+          <p:cNvSpPr>
+            <a:spLocks noGrp="1"/>
+          </p:cNvSpPr>
+          <p:nvPr>
+            <p:ph type="ctrTitle"/>
+          </p:nvPr>
+        </p:nvSpPr>
+        <p:spPr>
+          <a:xfrm>
+            <a:off x="1524000" y="1122363"/>
+            <a:ext cx="9144000" cy="2387600"/>
+          </a:xfrm>
+        </p:spPr>
+        <p:txBody>
+          <a:bodyPr anchor="b">
+            <a:normAutofit/>
+          </a:bodyPr>
+          <a:lstStyle>
+            <a:lvl1pPr algn="ctr">
+              <a:defRPr sz="7200"/>
+            </a:lvl1pPr>
+          </a:lstStyle>
+          <a:p>
+            <a:r>
+              <a:rPr lang="en-US"/>
+              <a:t>Click to edit Master title style</a:t>
+            </a:r>
+            <a:endParaRPr lang="en-US" dirty="0"/>
+          </a:p>
+        </p:txBody>
+      </p:sp>
+      <p:sp>
+        <p:nvSpPr>
+          <p:cNvPr id="3" name="Subtitle 2">
+            <a:extLst>
+              <a:ext uri="{FF2B5EF4-FFF2-40B4-BE49-F238E27FC236}">
+                <a16:creationId xmlns:a16="http://schemas.microsoft.com/office/drawing/2014/main" id="{75A843D5-418F-7032-8560-CC6E5561878F}"/>
+              </a:ext>
+            </a:extLst>
+          </p:cNvPr>
+          <p:cNvSpPr>
+            <a:spLocks noGrp="1"/>
+          </p:cNvSpPr>
+          <p:nvPr>
+            <p:ph type="subTitle" idx="1"/>
+          </p:nvPr>
+        </p:nvSpPr>
+        <p:spPr>
+          <a:xfrm>
+            <a:off x="1524000" y="3602038"/>
+            <a:ext cx="9144000" cy="1655762"/>
+          </a:xfrm>
+        </p:spPr>
+        <p:txBody>
+          <a:bodyPr>
+            <a:normAutofit/>
+          </a:bodyPr>
+          <a:lstStyle>
+            <a:lvl1pPr marL="0" indent="0" algn="ctr">
+              <a:buNone/>
+              <a:defRPr sz="3200"/>
+            </a:lvl1pPr>
+            <a:lvl2pPr marL="457200" indent="0" algn="ctr">
+              <a:buNone/>
+              <a:defRPr sz="2000"/>
+            </a:lvl2pPr>
+            <a:lvl3pPr marL="914400" indent="0" algn="ctr">
+              <a:buNone/>
+              <a:defRPr sz="1800"/>
+            </a:lvl3pPr>
+            <a:lvl4pPr marL="1371600" indent="0" algn="ctr">
+              <a:buNone/>
+              <a:defRPr sz="1600"/>
+            </a:lvl4pPr>
+            <a:lvl5pPr marL="1828800" indent="0" algn="ctr">
+              <a:buNone/>
+              <a:defRPr sz="1600"/>
+            </a:lvl5pPr>
+            <a:lvl6pPr marL="2286000" indent="0" algn="ctr">
+              <a:buNone/>
+              <a:defRPr sz="1600"/>
+            </a:lvl6pPr>
+            <a:lvl7pPr marL="2743200" indent="0" algn="ctr">
+              <a:buNone/>
+              <a:defRPr sz="1600"/>
+            </a:lvl7pPr>
+            <a:lvl8pPr marL="3200400" indent="0" algn="ctr">
+              <a:buNone/>
+              <a:defRPr sz="1600"/>
+            </a:lvl8pPr>
+            <a:lvl9pPr marL="3657600" indent="0" algn="ctr">
+              <a:buNone/>
+              <a:defRPr sz="1600"/>
+            </a:lvl9pPr>
+          </a:lstStyle>
+          <a:p>
+            <a:r>
+              <a:rPr lang="en-US"/>
+              <a:t>Click to edit Master subtitle style</a:t>
+            </a:r>
+            <a:endParaRPr lang="en-US" dirty="0"/>
+          </a:p>
+        </p:txBody>
+      </p:sp>
+      <p:sp>
+        <p:nvSpPr>
+          <p:cNvPr id="4" name="Date Placeholder 3">
+            <a:extLst>
+              <a:ext uri="{FF2B5EF4-FFF2-40B4-BE49-F238E27FC236}">
+                <a16:creationId xmlns:a16="http://schemas.microsoft.com/office/drawing/2014/main" id="{AA7448B2-12F6-2346-82F6-981465492E7B}"/>
+              </a:ext>
+            </a:extLst>
+          </p:cNvPr>
+          <p:cNvSpPr>
+            <a:spLocks noGrp="1"/>
+          </p:cNvSpPr>
+          <p:nvPr>
+            <p:ph type="dt" sz="half" idx="10"/>
+          </p:nvPr>
+        </p:nvSpPr>
+        <p:spPr/>
+        <p:txBody>
+          <a:bodyPr/>
+          <a:lstStyle/>
+          <a:p>
+            <a:fld id="{7696AA18-7D70-BD4D-B213-B24785A38CE8}" type="datetimeFigureOut">
+              <a:rPr lang="en-US" smtClean="0"/>
+              <a:t>10/19/25</a:t>
+            </a:fld>
+            <a:endParaRPr lang="en-US"/>
+          </a:p>
+        </p:txBody>
+      </p:sp>
+      <p:sp>
+        <p:nvSpPr>
+          <p:cNvPr id="5" name="Footer Placeholder 4">
+            <a:extLst>
+              <a:ext uri="{FF2B5EF4-FFF2-40B4-BE49-F238E27FC236}">
+                <a16:creationId xmlns:a16="http://schemas.microsoft.com/office/drawing/2014/main" id="{13D8A13C-1CE1-A08D-8946-6734EA845C3F}"/>
+              </a:ext>
+            </a:extLst>
+          </p:cNvPr>
+          <p:cNvSpPr>
+            <a:spLocks noGrp="1"/>
+          </p:cNvSpPr>
+          <p:nvPr>
+            <p:ph type="ftr" sz="quarter" idx="11"/>
+          </p:nvPr>
+        </p:nvSpPr>
+        <p:spPr/>
+        <p:txBody>
+          <a:bodyPr/>
+          <a:lstStyle/>
+          <a:p>
+            <a:endParaRPr lang="en-US"/>
+          </a:p>
+        </p:txBody>
+      </p:sp>
+      <p:sp>
+        <p:nvSpPr>
+          <p:cNvPr id="6" name="Slide Number Placeholder 5">
+            <a:extLst>
+              <a:ext uri="{FF2B5EF4-FFF2-40B4-BE49-F238E27FC236}">
+                <a16:creationId xmlns:a16="http://schemas.microsoft.com/office/drawing/2014/main" id="{FF1F603F-CAE1-58BE-D426-6B79D694A976}"/>
+              </a:ext>
+            </a:extLst>
+          </p:cNvPr>
+          <p:cNvSpPr>
+            <a:spLocks noGrp="1"/>
+          </p:cNvSpPr>
+          <p:nvPr>
+            <p:ph type="sldNum" sz="quarter" idx="12"/>
+          </p:nvPr>
+        </p:nvSpPr>
+        <p:spPr/>
+        <p:txBody>
+          <a:bodyPr/>
+          <a:lstStyle/>
+          <a:p>
+            <a:fld id="{FE9F33D6-B010-AA4D-AC56-DEB52284276D}" type="slidenum">
+              <a:rPr lang="en-US" smtClean="0"/>
+              <a:t>‹#›</a:t>
+            </a:fld>
+            <a:endParaRPr lang="en-US"/>
+          </a:p>
+        </p:txBody>
+      </p:sp>
+    </p:spTree>
+    <p:extLst>
+      <p:ext uri="{BB962C8B-B14F-4D97-AF65-F5344CB8AC3E}">
+        <p14:creationId xmlns:p14="http://schemas.microsoft.com/office/powerpoint/2010/main" val="2176119606"/>
+      </p:ext>
+    </p:extLst>
+  </p:cSld>
+  <p:clrMapOvr>
+    <a:masterClrMapping/>
+  </p:clrMapOvr>
+</p:sldLayout>
+</file>
+
+<file path=ppt/slideLayouts/slideLayout10.xml><?xml version="1.0" encoding="utf-8"?>
+<p:sldLayout xmlns:a="http://schemas.openxmlformats.org/drawingml/2006/main" xmlns:r="http://schemas.openxmlformats.org/officeDocument/2006/relationships" xmlns:p="http://schemas.openxmlformats.org/presentationml/2006/main" type="title" preserve="1">
+  <p:cSld name="Title Slide">
+    <p:spTree>
+      <p:nvGrpSpPr>
+        <p:cNvPr id="1" name=""/>
+        <p:cNvGrpSpPr/>
+        <p:nvPr/>
+      </p:nvGrpSpPr>
+      <p:grpSpPr>
+        <a:xfrm>
+          <a:off x="0" y="0"/>
+          <a:ext cx="0" cy="0"/>
+          <a:chOff x="0" y="0"/>
+          <a:chExt cx="0" cy="0"/>
+        </a:xfrm>
+      </p:grpSpPr>
+      <p:sp>
+        <p:nvSpPr>
+          <p:cNvPr id="2" name="Title 1">
+            <a:extLst>
+              <a:ext uri="{FF2B5EF4-FFF2-40B4-BE49-F238E27FC236}">
+                <a16:creationId xmlns:a16="http://schemas.microsoft.com/office/drawing/2014/main" id="{B2F6BBAC-EC8F-6810-1B69-DCF019367BE3}"/>
+              </a:ext>
+            </a:extLst>
+          </p:cNvPr>
+          <p:cNvSpPr>
+            <a:spLocks noGrp="1"/>
+          </p:cNvSpPr>
+          <p:nvPr>
+            <p:ph type="ctrTitle"/>
+          </p:nvPr>
+        </p:nvSpPr>
+        <p:spPr>
+          <a:xfrm>
+            <a:off x="1524000" y="1122363"/>
+            <a:ext cx="9144000" cy="2387600"/>
+          </a:xfrm>
+        </p:spPr>
+        <p:txBody>
+          <a:bodyPr anchor="b"/>
+          <a:lstStyle>
+            <a:lvl1pPr algn="ctr">
+              <a:defRPr sz="6000"/>
+            </a:lvl1pPr>
+          </a:lstStyle>
+          <a:p>
+            <a:r>
+              <a:rPr lang="en-US"/>
+              <a:t>Click to edit Master title style</a:t>
+            </a:r>
+          </a:p>
+        </p:txBody>
+      </p:sp>
+      <p:sp>
+        <p:nvSpPr>
+          <p:cNvPr id="3" name="Subtitle 2">
+            <a:extLst>
+              <a:ext uri="{FF2B5EF4-FFF2-40B4-BE49-F238E27FC236}">
+                <a16:creationId xmlns:a16="http://schemas.microsoft.com/office/drawing/2014/main" id="{F22F4C9D-5B06-94B5-40DD-6BA707953790}"/>
+              </a:ext>
+            </a:extLst>
+          </p:cNvPr>
+          <p:cNvSpPr>
+            <a:spLocks noGrp="1"/>
+          </p:cNvSpPr>
+          <p:nvPr>
+            <p:ph type="subTitle" idx="1"/>
+          </p:nvPr>
+        </p:nvSpPr>
+        <p:spPr>
+          <a:xfrm>
+            <a:off x="1524000" y="3602037"/>
+            <a:ext cx="9144000" cy="1655763"/>
+          </a:xfrm>
+        </p:spPr>
+        <p:txBody>
+          <a:bodyPr/>
+          <a:lstStyle>
+            <a:lvl1pPr marL="0" indent="0" algn="ctr">
+              <a:buNone/>
+              <a:defRPr sz="2400"/>
+            </a:lvl1pPr>
+            <a:lvl2pPr marL="457189" indent="0" algn="ctr">
+              <a:buNone/>
+              <a:defRPr sz="2000"/>
+            </a:lvl2pPr>
+            <a:lvl3pPr marL="914377" indent="0" algn="ctr">
+              <a:buNone/>
+              <a:defRPr sz="1800"/>
+            </a:lvl3pPr>
+            <a:lvl4pPr marL="1371566" indent="0" algn="ctr">
+              <a:buNone/>
+              <a:defRPr sz="1600"/>
+            </a:lvl4pPr>
+            <a:lvl5pPr marL="1828754" indent="0" algn="ctr">
+              <a:buNone/>
+              <a:defRPr sz="1600"/>
+            </a:lvl5pPr>
+            <a:lvl6pPr marL="2285943" indent="0" algn="ctr">
+              <a:buNone/>
+              <a:defRPr sz="1600"/>
+            </a:lvl6pPr>
+            <a:lvl7pPr marL="2743131" indent="0" algn="ctr">
+              <a:buNone/>
+              <a:defRPr sz="1600"/>
+            </a:lvl7pPr>
+            <a:lvl8pPr marL="3200320" indent="0" algn="ctr">
+              <a:buNone/>
+              <a:defRPr sz="1600"/>
+            </a:lvl8pPr>
+            <a:lvl9pPr marL="3657509" indent="0" algn="ctr">
+              <a:buNone/>
+              <a:defRPr sz="1600"/>
+            </a:lvl9pPr>
+          </a:lstStyle>
+          <a:p>
+            <a:r>
+              <a:rPr lang="en-US"/>
+              <a:t>Click to edit Master subtitle style</a:t>
+            </a:r>
+          </a:p>
+        </p:txBody>
+      </p:sp>
+      <p:sp>
+        <p:nvSpPr>
+          <p:cNvPr id="4" name="Date Placeholder 3">
+            <a:extLst>
+              <a:ext uri="{FF2B5EF4-FFF2-40B4-BE49-F238E27FC236}">
+                <a16:creationId xmlns:a16="http://schemas.microsoft.com/office/drawing/2014/main" id="{AB0C95AB-B316-DEC6-12E9-3A220DF8BD12}"/>
+              </a:ext>
+            </a:extLst>
+          </p:cNvPr>
+          <p:cNvSpPr>
+            <a:spLocks noGrp="1"/>
+          </p:cNvSpPr>
+          <p:nvPr>
+            <p:ph type="dt" sz="half" idx="10"/>
+          </p:nvPr>
+        </p:nvSpPr>
+        <p:spPr/>
+        <p:txBody>
+          <a:bodyPr/>
+          <a:lstStyle/>
+          <a:p>
+            <a:fld id="{5B263D6C-6F96-47EC-92FE-711AC68B088E}" type="datetimeFigureOut">
+              <a:rPr lang="en-US" smtClean="0"/>
+              <a:pPr/>
+              <a:t>10/19/25</a:t>
+            </a:fld>
+            <a:endParaRPr lang="en-US"/>
+          </a:p>
+        </p:txBody>
+      </p:sp>
+      <p:sp>
+        <p:nvSpPr>
+          <p:cNvPr id="5" name="Footer Placeholder 4">
+            <a:extLst>
+              <a:ext uri="{FF2B5EF4-FFF2-40B4-BE49-F238E27FC236}">
+                <a16:creationId xmlns:a16="http://schemas.microsoft.com/office/drawing/2014/main" id="{6814517A-C656-5B4E-32A6-40D211A9BD01}"/>
+              </a:ext>
+            </a:extLst>
+          </p:cNvPr>
+          <p:cNvSpPr>
+            <a:spLocks noGrp="1"/>
+          </p:cNvSpPr>
+          <p:nvPr>
+            <p:ph type="ftr" sz="quarter" idx="11"/>
+          </p:nvPr>
+        </p:nvSpPr>
+        <p:spPr/>
+        <p:txBody>
+          <a:bodyPr/>
+          <a:lstStyle/>
+          <a:p>
+            <a:endParaRPr lang="en-US"/>
+          </a:p>
+        </p:txBody>
+      </p:sp>
+      <p:sp>
+        <p:nvSpPr>
+          <p:cNvPr id="6" name="Slide Number Placeholder 5">
+            <a:extLst>
+              <a:ext uri="{FF2B5EF4-FFF2-40B4-BE49-F238E27FC236}">
+                <a16:creationId xmlns:a16="http://schemas.microsoft.com/office/drawing/2014/main" id="{046829DC-22CE-7228-C523-F8E6D96A0604}"/>
+              </a:ext>
+            </a:extLst>
+          </p:cNvPr>
+          <p:cNvSpPr>
+            <a:spLocks noGrp="1"/>
+          </p:cNvSpPr>
+          <p:nvPr>
+            <p:ph type="sldNum" sz="quarter" idx="12"/>
+          </p:nvPr>
+        </p:nvSpPr>
+        <p:spPr/>
+        <p:txBody>
+          <a:bodyPr/>
+          <a:lstStyle/>
+          <a:p>
+            <a:fld id="{EEAEBAC6-E855-432F-8D78-47178C07C20E}" type="slidenum">
+              <a:rPr lang="en-US" smtClean="0"/>
+              <a:pPr/>
+              <a:t>‹#›</a:t>
+            </a:fld>
+            <a:endParaRPr lang="en-US"/>
+          </a:p>
+        </p:txBody>
+      </p:sp>
+    </p:spTree>
+    <p:extLst>
+      <p:ext uri="{BB962C8B-B14F-4D97-AF65-F5344CB8AC3E}">
+        <p14:creationId xmlns:p14="http://schemas.microsoft.com/office/powerpoint/2010/main" val="1382924633"/>
+      </p:ext>
+    </p:extLst>
+  </p:cSld>
+  <p:clrMapOvr>
+    <a:masterClrMapping/>
+  </p:clrMapOvr>
+</p:sldLayout>
+</file>
+
+<file path=ppt/slideLayouts/slideLayout11.xml><?xml version="1.0" encoding="utf-8"?>
+<p:sldLayout xmlns:a="http://schemas.openxmlformats.org/drawingml/2006/main" xmlns:r="http://schemas.openxmlformats.org/officeDocument/2006/relationships" xmlns:p="http://schemas.openxmlformats.org/presentationml/2006/main" type="obj" preserve="1">
+  <p:cSld name="Title and Content">
+    <p:spTree>
+      <p:nvGrpSpPr>
+        <p:cNvPr id="1" name=""/>
+        <p:cNvGrpSpPr/>
+        <p:nvPr/>
+      </p:nvGrpSpPr>
+      <p:grpSpPr>
+        <a:xfrm>
+          <a:off x="0" y="0"/>
+          <a:ext cx="0" cy="0"/>
+          <a:chOff x="0" y="0"/>
+          <a:chExt cx="0" cy="0"/>
+        </a:xfrm>
+      </p:grpSpPr>
+      <p:sp>
+        <p:nvSpPr>
+          <p:cNvPr id="2" name="Title 1">
+            <a:extLst>
+              <a:ext uri="{FF2B5EF4-FFF2-40B4-BE49-F238E27FC236}">
+                <a16:creationId xmlns:a16="http://schemas.microsoft.com/office/drawing/2014/main" id="{0C70C6AB-D00D-FEE5-9043-8212A1927A66}"/>
+              </a:ext>
+            </a:extLst>
+          </p:cNvPr>
+          <p:cNvSpPr>
+            <a:spLocks noGrp="1"/>
+          </p:cNvSpPr>
+          <p:nvPr>
+            <p:ph type="title"/>
+          </p:nvPr>
+        </p:nvSpPr>
+        <p:spPr/>
+        <p:txBody>
+          <a:bodyPr/>
+          <a:lstStyle/>
+          <a:p>
+            <a:r>
+              <a:rPr lang="en-US"/>
+              <a:t>Click to edit Master title style</a:t>
+            </a:r>
+          </a:p>
+        </p:txBody>
+      </p:sp>
+      <p:sp>
+        <p:nvSpPr>
+          <p:cNvPr id="3" name="Content Placeholder 2">
+            <a:extLst>
+              <a:ext uri="{FF2B5EF4-FFF2-40B4-BE49-F238E27FC236}">
+                <a16:creationId xmlns:a16="http://schemas.microsoft.com/office/drawing/2014/main" id="{6C8A7F85-3A24-9B12-8E54-2CC0D36430DC}"/>
+              </a:ext>
+            </a:extLst>
+          </p:cNvPr>
+          <p:cNvSpPr>
+            <a:spLocks noGrp="1"/>
+          </p:cNvSpPr>
+          <p:nvPr>
+            <p:ph idx="1"/>
+          </p:nvPr>
+        </p:nvSpPr>
+        <p:spPr/>
+        <p:txBody>
+          <a:bodyPr/>
+          <a:lstStyle/>
+          <a:p>
+            <a:pPr lvl="0"/>
+            <a:r>
+              <a:rPr lang="en-US"/>
+              <a:t>Click to edit Master text styles</a:t>
+            </a:r>
+          </a:p>
+          <a:p>
+            <a:pPr lvl="1"/>
+            <a:r>
+              <a:rPr lang="en-US"/>
+              <a:t>Second level</a:t>
+            </a:r>
+          </a:p>
+          <a:p>
+            <a:pPr lvl="2"/>
+            <a:r>
+              <a:rPr lang="en-US"/>
+              <a:t>Third level</a:t>
+            </a:r>
+          </a:p>
+          <a:p>
+            <a:pPr lvl="3"/>
+            <a:r>
+              <a:rPr lang="en-US"/>
+              <a:t>Fourth level</a:t>
+            </a:r>
+          </a:p>
+          <a:p>
+            <a:pPr lvl="4"/>
+            <a:r>
+              <a:rPr lang="en-US"/>
+              <a:t>Fifth level</a:t>
+            </a:r>
+          </a:p>
+        </p:txBody>
+      </p:sp>
+      <p:sp>
+        <p:nvSpPr>
+          <p:cNvPr id="4" name="Date Placeholder 3">
+            <a:extLst>
+              <a:ext uri="{FF2B5EF4-FFF2-40B4-BE49-F238E27FC236}">
+                <a16:creationId xmlns:a16="http://schemas.microsoft.com/office/drawing/2014/main" id="{F3F49DED-B3A5-6D6D-E201-427159912BFA}"/>
+              </a:ext>
+            </a:extLst>
+          </p:cNvPr>
+          <p:cNvSpPr>
+            <a:spLocks noGrp="1"/>
+          </p:cNvSpPr>
+          <p:nvPr>
+            <p:ph type="dt" sz="half" idx="10"/>
+          </p:nvPr>
+        </p:nvSpPr>
+        <p:spPr/>
+        <p:txBody>
+          <a:bodyPr/>
+          <a:lstStyle/>
+          <a:p>
+            <a:fld id="{5B263D6C-6F96-47EC-92FE-711AC68B088E}" type="datetimeFigureOut">
+              <a:rPr lang="en-US" smtClean="0"/>
+              <a:pPr/>
+              <a:t>10/19/25</a:t>
+            </a:fld>
+            <a:endParaRPr lang="en-US"/>
+          </a:p>
+        </p:txBody>
+      </p:sp>
+      <p:sp>
+        <p:nvSpPr>
+          <p:cNvPr id="5" name="Footer Placeholder 4">
+            <a:extLst>
+              <a:ext uri="{FF2B5EF4-FFF2-40B4-BE49-F238E27FC236}">
+                <a16:creationId xmlns:a16="http://schemas.microsoft.com/office/drawing/2014/main" id="{393E0299-93BA-9FDA-C9FA-352C81B97958}"/>
+              </a:ext>
+            </a:extLst>
+          </p:cNvPr>
+          <p:cNvSpPr>
+            <a:spLocks noGrp="1"/>
+          </p:cNvSpPr>
+          <p:nvPr>
+            <p:ph type="ftr" sz="quarter" idx="11"/>
+          </p:nvPr>
+        </p:nvSpPr>
+        <p:spPr/>
+        <p:txBody>
+          <a:bodyPr/>
+          <a:lstStyle/>
+          <a:p>
+            <a:endParaRPr lang="en-US"/>
+          </a:p>
+        </p:txBody>
+      </p:sp>
+      <p:sp>
+        <p:nvSpPr>
+          <p:cNvPr id="6" name="Slide Number Placeholder 5">
+            <a:extLst>
+              <a:ext uri="{FF2B5EF4-FFF2-40B4-BE49-F238E27FC236}">
+                <a16:creationId xmlns:a16="http://schemas.microsoft.com/office/drawing/2014/main" id="{E4A6BC92-9B08-EE87-F5B2-D66274890AE7}"/>
+              </a:ext>
+            </a:extLst>
+          </p:cNvPr>
+          <p:cNvSpPr>
+            <a:spLocks noGrp="1"/>
+          </p:cNvSpPr>
+          <p:nvPr>
+            <p:ph type="sldNum" sz="quarter" idx="12"/>
+          </p:nvPr>
+        </p:nvSpPr>
+        <p:spPr/>
+        <p:txBody>
+          <a:bodyPr/>
+          <a:lstStyle/>
+          <a:p>
+            <a:fld id="{EEAEBAC6-E855-432F-8D78-47178C07C20E}" type="slidenum">
+              <a:rPr lang="en-US" smtClean="0"/>
+              <a:pPr/>
+              <a:t>‹#›</a:t>
+            </a:fld>
+            <a:endParaRPr lang="en-US"/>
+          </a:p>
+        </p:txBody>
+      </p:sp>
+    </p:spTree>
+    <p:extLst>
+      <p:ext uri="{BB962C8B-B14F-4D97-AF65-F5344CB8AC3E}">
+        <p14:creationId xmlns:p14="http://schemas.microsoft.com/office/powerpoint/2010/main" val="2312533590"/>
+      </p:ext>
+    </p:extLst>
+  </p:cSld>
+  <p:clrMapOvr>
+    <a:masterClrMapping/>
+  </p:clrMapOvr>
+</p:sldLayout>
+</file>
+
+<file path=ppt/slideLayouts/slideLayout12.xml><?xml version="1.0" encoding="utf-8"?>
+<p:sldLayout xmlns:a="http://schemas.openxmlformats.org/drawingml/2006/main" xmlns:r="http://schemas.openxmlformats.org/officeDocument/2006/relationships" xmlns:p="http://schemas.openxmlformats.org/presentationml/2006/main" type="secHead" preserve="1">
+  <p:cSld name="Section Header">
+    <p:spTree>
+      <p:nvGrpSpPr>
+        <p:cNvPr id="1" name=""/>
+        <p:cNvGrpSpPr/>
+        <p:nvPr/>
+      </p:nvGrpSpPr>
+      <p:grpSpPr>
+        <a:xfrm>
+          <a:off x="0" y="0"/>
+          <a:ext cx="0" cy="0"/>
+          <a:chOff x="0" y="0"/>
+          <a:chExt cx="0" cy="0"/>
+        </a:xfrm>
+      </p:grpSpPr>
+      <p:sp>
+        <p:nvSpPr>
+          <p:cNvPr id="2" name="Title 1">
+            <a:extLst>
+              <a:ext uri="{FF2B5EF4-FFF2-40B4-BE49-F238E27FC236}">
+                <a16:creationId xmlns:a16="http://schemas.microsoft.com/office/drawing/2014/main" id="{A786F969-908A-A2A9-BC07-CB20C075B073}"/>
+              </a:ext>
+            </a:extLst>
+          </p:cNvPr>
+          <p:cNvSpPr>
+            <a:spLocks noGrp="1"/>
+          </p:cNvSpPr>
+          <p:nvPr>
+            <p:ph type="title"/>
+          </p:nvPr>
+        </p:nvSpPr>
+        <p:spPr>
+          <a:xfrm>
+            <a:off x="831849" y="1709740"/>
+            <a:ext cx="10515600" cy="2852737"/>
+          </a:xfrm>
+        </p:spPr>
+        <p:txBody>
+          <a:bodyPr anchor="b"/>
+          <a:lstStyle>
+            <a:lvl1pPr>
+              <a:defRPr sz="6000"/>
+            </a:lvl1pPr>
+          </a:lstStyle>
+          <a:p>
+            <a:r>
+              <a:rPr lang="en-US"/>
+              <a:t>Click to edit Master title style</a:t>
+            </a:r>
+          </a:p>
+        </p:txBody>
+      </p:sp>
+      <p:sp>
+        <p:nvSpPr>
+          <p:cNvPr id="3" name="Text Placeholder 2">
+            <a:extLst>
+              <a:ext uri="{FF2B5EF4-FFF2-40B4-BE49-F238E27FC236}">
+                <a16:creationId xmlns:a16="http://schemas.microsoft.com/office/drawing/2014/main" id="{350DEA6A-C73F-35E2-E337-C7510AF4F472}"/>
+              </a:ext>
+            </a:extLst>
+          </p:cNvPr>
+          <p:cNvSpPr>
+            <a:spLocks noGrp="1"/>
+          </p:cNvSpPr>
+          <p:nvPr>
+            <p:ph type="body" idx="1"/>
+          </p:nvPr>
+        </p:nvSpPr>
+        <p:spPr>
+          <a:xfrm>
+            <a:off x="831849" y="4589464"/>
+            <a:ext cx="10515600" cy="1500187"/>
+          </a:xfrm>
+        </p:spPr>
+        <p:txBody>
+          <a:bodyPr/>
+          <a:lstStyle>
+            <a:lvl1pPr marL="0" indent="0">
+              <a:buNone/>
+              <a:defRPr sz="2400">
+                <a:solidFill>
+                  <a:schemeClr val="tx1">
+                    <a:tint val="82000"/>
+                  </a:schemeClr>
+                </a:solidFill>
+              </a:defRPr>
+            </a:lvl1pPr>
+            <a:lvl2pPr marL="457189" indent="0">
+              <a:buNone/>
+              <a:defRPr sz="2000">
+                <a:solidFill>
+                  <a:schemeClr val="tx1">
+                    <a:tint val="82000"/>
+                  </a:schemeClr>
+                </a:solidFill>
+              </a:defRPr>
+            </a:lvl2pPr>
+            <a:lvl3pPr marL="914377" indent="0">
+              <a:buNone/>
+              <a:defRPr sz="1800">
+                <a:solidFill>
+                  <a:schemeClr val="tx1">
+                    <a:tint val="82000"/>
+                  </a:schemeClr>
+                </a:solidFill>
+              </a:defRPr>
+            </a:lvl3pPr>
+            <a:lvl4pPr marL="1371566" indent="0">
+              <a:buNone/>
+              <a:defRPr sz="1600">
+                <a:solidFill>
+                  <a:schemeClr val="tx1">
+                    <a:tint val="82000"/>
+                  </a:schemeClr>
+                </a:solidFill>
+              </a:defRPr>
+            </a:lvl4pPr>
+            <a:lvl5pPr marL="1828754" indent="0">
+              <a:buNone/>
+              <a:defRPr sz="1600">
+                <a:solidFill>
+                  <a:schemeClr val="tx1">
+                    <a:tint val="82000"/>
+                  </a:schemeClr>
+                </a:solidFill>
+              </a:defRPr>
+            </a:lvl5pPr>
+            <a:lvl6pPr marL="2285943" indent="0">
+              <a:buNone/>
+              <a:defRPr sz="1600">
+                <a:solidFill>
+                  <a:schemeClr val="tx1">
+                    <a:tint val="82000"/>
+                  </a:schemeClr>
+                </a:solidFill>
+              </a:defRPr>
+            </a:lvl6pPr>
+            <a:lvl7pPr marL="2743131" indent="0">
+              <a:buNone/>
+              <a:defRPr sz="1600">
+                <a:solidFill>
+                  <a:schemeClr val="tx1">
+                    <a:tint val="82000"/>
+                  </a:schemeClr>
+                </a:solidFill>
+              </a:defRPr>
+            </a:lvl7pPr>
+            <a:lvl8pPr marL="3200320" indent="0">
+              <a:buNone/>
+              <a:defRPr sz="1600">
+                <a:solidFill>
+                  <a:schemeClr val="tx1">
+                    <a:tint val="82000"/>
+                  </a:schemeClr>
+                </a:solidFill>
+              </a:defRPr>
+            </a:lvl8pPr>
+            <a:lvl9pPr marL="3657509" indent="0">
+              <a:buNone/>
+              <a:defRPr sz="1600">
+                <a:solidFill>
+                  <a:schemeClr val="tx1">
+                    <a:tint val="82000"/>
+                  </a:schemeClr>
+                </a:solidFill>
+              </a:defRPr>
+            </a:lvl9pPr>
+          </a:lstStyle>
+          <a:p>
+            <a:pPr lvl="0"/>
+            <a:r>
+              <a:rPr lang="en-US"/>
+              <a:t>Click to edit Master text styles</a:t>
+            </a:r>
+          </a:p>
+        </p:txBody>
+      </p:sp>
+      <p:sp>
+        <p:nvSpPr>
+          <p:cNvPr id="4" name="Date Placeholder 3">
+            <a:extLst>
+              <a:ext uri="{FF2B5EF4-FFF2-40B4-BE49-F238E27FC236}">
+                <a16:creationId xmlns:a16="http://schemas.microsoft.com/office/drawing/2014/main" id="{33BC98D6-85B4-A9D5-F928-D29A121694A7}"/>
+              </a:ext>
+            </a:extLst>
+          </p:cNvPr>
+          <p:cNvSpPr>
+            <a:spLocks noGrp="1"/>
+          </p:cNvSpPr>
+          <p:nvPr>
+            <p:ph type="dt" sz="half" idx="10"/>
+          </p:nvPr>
+        </p:nvSpPr>
+        <p:spPr/>
+        <p:txBody>
+          <a:bodyPr/>
+          <a:lstStyle/>
+          <a:p>
+            <a:fld id="{5B263D6C-6F96-47EC-92FE-711AC68B088E}" type="datetimeFigureOut">
+              <a:rPr lang="en-US" smtClean="0"/>
+              <a:pPr/>
+              <a:t>10/19/25</a:t>
+            </a:fld>
+            <a:endParaRPr lang="en-US"/>
+          </a:p>
+        </p:txBody>
+      </p:sp>
+      <p:sp>
+        <p:nvSpPr>
+          <p:cNvPr id="5" name="Footer Placeholder 4">
+            <a:extLst>
+              <a:ext uri="{FF2B5EF4-FFF2-40B4-BE49-F238E27FC236}">
+                <a16:creationId xmlns:a16="http://schemas.microsoft.com/office/drawing/2014/main" id="{BED416FC-A698-66B8-8159-5D7F49413A0C}"/>
+              </a:ext>
+            </a:extLst>
+          </p:cNvPr>
+          <p:cNvSpPr>
+            <a:spLocks noGrp="1"/>
+          </p:cNvSpPr>
+          <p:nvPr>
+            <p:ph type="ftr" sz="quarter" idx="11"/>
+          </p:nvPr>
+        </p:nvSpPr>
+        <p:spPr/>
+        <p:txBody>
+          <a:bodyPr/>
+          <a:lstStyle/>
+          <a:p>
+            <a:endParaRPr lang="en-US"/>
+          </a:p>
+        </p:txBody>
+      </p:sp>
+      <p:sp>
+        <p:nvSpPr>
+          <p:cNvPr id="6" name="Slide Number Placeholder 5">
+            <a:extLst>
+              <a:ext uri="{FF2B5EF4-FFF2-40B4-BE49-F238E27FC236}">
+                <a16:creationId xmlns:a16="http://schemas.microsoft.com/office/drawing/2014/main" id="{32B44F9B-47FD-F2FE-D905-063325510AD4}"/>
+              </a:ext>
+            </a:extLst>
+          </p:cNvPr>
+          <p:cNvSpPr>
+            <a:spLocks noGrp="1"/>
+          </p:cNvSpPr>
+          <p:nvPr>
+            <p:ph type="sldNum" sz="quarter" idx="12"/>
+          </p:nvPr>
+        </p:nvSpPr>
+        <p:spPr/>
+        <p:txBody>
+          <a:bodyPr/>
+          <a:lstStyle/>
+          <a:p>
+            <a:fld id="{EEAEBAC6-E855-432F-8D78-47178C07C20E}" type="slidenum">
+              <a:rPr lang="en-US" smtClean="0"/>
+              <a:pPr/>
+              <a:t>‹#›</a:t>
+            </a:fld>
+            <a:endParaRPr lang="en-US"/>
+          </a:p>
+        </p:txBody>
+      </p:sp>
+    </p:spTree>
+    <p:extLst>
+      <p:ext uri="{BB962C8B-B14F-4D97-AF65-F5344CB8AC3E}">
+        <p14:creationId xmlns:p14="http://schemas.microsoft.com/office/powerpoint/2010/main" val="3877355967"/>
+      </p:ext>
+    </p:extLst>
+  </p:cSld>
+  <p:clrMapOvr>
+    <a:masterClrMapping/>
+  </p:clrMapOvr>
+</p:sldLayout>
+</file>
+
+<file path=ppt/slideLayouts/slideLayout13.xml><?xml version="1.0" encoding="utf-8"?>
+<p:sldLayout xmlns:a="http://schemas.openxmlformats.org/drawingml/2006/main" xmlns:r="http://schemas.openxmlformats.org/officeDocument/2006/relationships" xmlns:p="http://schemas.openxmlformats.org/presentationml/2006/main" type="twoObj" preserve="1">
+  <p:cSld name="Two Content">
+    <p:spTree>
+      <p:nvGrpSpPr>
+        <p:cNvPr id="1" name=""/>
+        <p:cNvGrpSpPr/>
+        <p:nvPr/>
+      </p:nvGrpSpPr>
+      <p:grpSpPr>
+        <a:xfrm>
+          <a:off x="0" y="0"/>
+          <a:ext cx="0" cy="0"/>
+          <a:chOff x="0" y="0"/>
+          <a:chExt cx="0" cy="0"/>
+        </a:xfrm>
+      </p:grpSpPr>
+      <p:sp>
+        <p:nvSpPr>
+          <p:cNvPr id="2" name="Title 1">
+            <a:extLst>
+              <a:ext uri="{FF2B5EF4-FFF2-40B4-BE49-F238E27FC236}">
+                <a16:creationId xmlns:a16="http://schemas.microsoft.com/office/drawing/2014/main" id="{DA96B5AC-29E4-7830-728A-6FE19CF22EE2}"/>
+              </a:ext>
+            </a:extLst>
+          </p:cNvPr>
+          <p:cNvSpPr>
+            <a:spLocks noGrp="1"/>
+          </p:cNvSpPr>
+          <p:nvPr>
+            <p:ph type="title"/>
+          </p:nvPr>
+        </p:nvSpPr>
+        <p:spPr/>
+        <p:txBody>
+          <a:bodyPr/>
+          <a:lstStyle/>
+          <a:p>
+            <a:r>
+              <a:rPr lang="en-US"/>
+              <a:t>Click to edit Master title style</a:t>
+            </a:r>
+          </a:p>
+        </p:txBody>
+      </p:sp>
+      <p:sp>
+        <p:nvSpPr>
+          <p:cNvPr id="3" name="Content Placeholder 2">
+            <a:extLst>
+              <a:ext uri="{FF2B5EF4-FFF2-40B4-BE49-F238E27FC236}">
+                <a16:creationId xmlns:a16="http://schemas.microsoft.com/office/drawing/2014/main" id="{C382B028-97BA-CFDA-4A00-A5C2FEE09EC4}"/>
+              </a:ext>
+            </a:extLst>
+          </p:cNvPr>
+          <p:cNvSpPr>
+            <a:spLocks noGrp="1"/>
+          </p:cNvSpPr>
+          <p:nvPr>
+            <p:ph sz="half" idx="1"/>
+          </p:nvPr>
+        </p:nvSpPr>
+        <p:spPr>
+          <a:xfrm>
+            <a:off x="838200" y="1825624"/>
+            <a:ext cx="5181600" cy="4351339"/>
+          </a:xfrm>
+        </p:spPr>
+        <p:txBody>
+          <a:bodyPr/>
+          <a:lstStyle/>
+          <a:p>
+            <a:pPr lvl="0"/>
+            <a:r>
+              <a:rPr lang="en-US"/>
+              <a:t>Click to edit Master text styles</a:t>
+            </a:r>
+          </a:p>
+          <a:p>
+            <a:pPr lvl="1"/>
+            <a:r>
+              <a:rPr lang="en-US"/>
+              <a:t>Second level</a:t>
+            </a:r>
+          </a:p>
+          <a:p>
+            <a:pPr lvl="2"/>
+            <a:r>
+              <a:rPr lang="en-US"/>
+              <a:t>Third level</a:t>
+            </a:r>
+          </a:p>
+          <a:p>
+            <a:pPr lvl="3"/>
+            <a:r>
+              <a:rPr lang="en-US"/>
+              <a:t>Fourth level</a:t>
+            </a:r>
+          </a:p>
+          <a:p>
+            <a:pPr lvl="4"/>
+            <a:r>
+              <a:rPr lang="en-US"/>
+              <a:t>Fifth level</a:t>
+            </a:r>
+          </a:p>
+        </p:txBody>
+      </p:sp>
+      <p:sp>
+        <p:nvSpPr>
+          <p:cNvPr id="4" name="Content Placeholder 3">
+            <a:extLst>
+              <a:ext uri="{FF2B5EF4-FFF2-40B4-BE49-F238E27FC236}">
+                <a16:creationId xmlns:a16="http://schemas.microsoft.com/office/drawing/2014/main" id="{2ED4E2A6-8F3D-D342-EC41-6E1DBF8D5008}"/>
+              </a:ext>
+            </a:extLst>
+          </p:cNvPr>
+          <p:cNvSpPr>
+            <a:spLocks noGrp="1"/>
+          </p:cNvSpPr>
+          <p:nvPr>
+            <p:ph sz="half" idx="2"/>
+          </p:nvPr>
+        </p:nvSpPr>
+        <p:spPr>
+          <a:xfrm>
+            <a:off x="6172200" y="1825624"/>
+            <a:ext cx="5181600" cy="4351339"/>
+          </a:xfrm>
+        </p:spPr>
+        <p:txBody>
+          <a:bodyPr/>
+          <a:lstStyle/>
+          <a:p>
+            <a:pPr lvl="0"/>
+            <a:r>
+              <a:rPr lang="en-US"/>
+              <a:t>Click to edit Master text styles</a:t>
+            </a:r>
+          </a:p>
+          <a:p>
+            <a:pPr lvl="1"/>
+            <a:r>
+              <a:rPr lang="en-US"/>
+              <a:t>Second level</a:t>
+            </a:r>
+          </a:p>
+          <a:p>
+            <a:pPr lvl="2"/>
+            <a:r>
+              <a:rPr lang="en-US"/>
+              <a:t>Third level</a:t>
+            </a:r>
+          </a:p>
+          <a:p>
+            <a:pPr lvl="3"/>
+            <a:r>
+              <a:rPr lang="en-US"/>
+              <a:t>Fourth level</a:t>
+            </a:r>
+          </a:p>
+          <a:p>
+            <a:pPr lvl="4"/>
+            <a:r>
+              <a:rPr lang="en-US"/>
+              <a:t>Fifth level</a:t>
+            </a:r>
+          </a:p>
+        </p:txBody>
+      </p:sp>
+      <p:sp>
+        <p:nvSpPr>
+          <p:cNvPr id="5" name="Date Placeholder 4">
+            <a:extLst>
+              <a:ext uri="{FF2B5EF4-FFF2-40B4-BE49-F238E27FC236}">
+                <a16:creationId xmlns:a16="http://schemas.microsoft.com/office/drawing/2014/main" id="{3E5DD992-E2A9-8601-A3D1-87D8031A68B4}"/>
+              </a:ext>
+            </a:extLst>
+          </p:cNvPr>
+          <p:cNvSpPr>
+            <a:spLocks noGrp="1"/>
+          </p:cNvSpPr>
+          <p:nvPr>
+            <p:ph type="dt" sz="half" idx="10"/>
+          </p:nvPr>
+        </p:nvSpPr>
+        <p:spPr/>
+        <p:txBody>
+          <a:bodyPr/>
+          <a:lstStyle/>
+          <a:p>
+            <a:fld id="{5B263D6C-6F96-47EC-92FE-711AC68B088E}" type="datetimeFigureOut">
+              <a:rPr lang="en-US" smtClean="0"/>
+              <a:pPr/>
+              <a:t>10/19/25</a:t>
+            </a:fld>
+            <a:endParaRPr lang="en-US"/>
+          </a:p>
+        </p:txBody>
+      </p:sp>
+      <p:sp>
+        <p:nvSpPr>
+          <p:cNvPr id="6" name="Footer Placeholder 5">
+            <a:extLst>
+              <a:ext uri="{FF2B5EF4-FFF2-40B4-BE49-F238E27FC236}">
+                <a16:creationId xmlns:a16="http://schemas.microsoft.com/office/drawing/2014/main" id="{9AA74CD2-BF2A-B465-5A5B-08C97DDEBBB4}"/>
+              </a:ext>
+            </a:extLst>
+          </p:cNvPr>
+          <p:cNvSpPr>
+            <a:spLocks noGrp="1"/>
+          </p:cNvSpPr>
+          <p:nvPr>
+            <p:ph type="ftr" sz="quarter" idx="11"/>
+          </p:nvPr>
+        </p:nvSpPr>
+        <p:spPr/>
+        <p:txBody>
+          <a:bodyPr/>
+          <a:lstStyle/>
+          <a:p>
+            <a:endParaRPr lang="en-US"/>
+          </a:p>
+        </p:txBody>
+      </p:sp>
+      <p:sp>
+        <p:nvSpPr>
+          <p:cNvPr id="7" name="Slide Number Placeholder 6">
+            <a:extLst>
+              <a:ext uri="{FF2B5EF4-FFF2-40B4-BE49-F238E27FC236}">
+                <a16:creationId xmlns:a16="http://schemas.microsoft.com/office/drawing/2014/main" id="{01072FDE-CFCD-0699-1764-A39737D283EB}"/>
+              </a:ext>
+            </a:extLst>
+          </p:cNvPr>
+          <p:cNvSpPr>
+            <a:spLocks noGrp="1"/>
+          </p:cNvSpPr>
+          <p:nvPr>
+            <p:ph type="sldNum" sz="quarter" idx="12"/>
+          </p:nvPr>
+        </p:nvSpPr>
+        <p:spPr/>
+        <p:txBody>
+          <a:bodyPr/>
+          <a:lstStyle/>
+          <a:p>
+            <a:fld id="{EEAEBAC6-E855-432F-8D78-47178C07C20E}" type="slidenum">
+              <a:rPr lang="en-US" smtClean="0"/>
+              <a:pPr/>
+              <a:t>‹#›</a:t>
+            </a:fld>
+            <a:endParaRPr lang="en-US"/>
+          </a:p>
+        </p:txBody>
+      </p:sp>
+    </p:spTree>
+    <p:extLst>
+      <p:ext uri="{BB962C8B-B14F-4D97-AF65-F5344CB8AC3E}">
+        <p14:creationId xmlns:p14="http://schemas.microsoft.com/office/powerpoint/2010/main" val="1882977971"/>
+      </p:ext>
+    </p:extLst>
+  </p:cSld>
+  <p:clrMapOvr>
+    <a:masterClrMapping/>
+  </p:clrMapOvr>
+</p:sldLayout>
+</file>
+
+<file path=ppt/slideLayouts/slideLayout14.xml><?xml version="1.0" encoding="utf-8"?>
+<p:sldLayout xmlns:a="http://schemas.openxmlformats.org/drawingml/2006/main" xmlns:r="http://schemas.openxmlformats.org/officeDocument/2006/relationships" xmlns:p="http://schemas.openxmlformats.org/presentationml/2006/main" type="twoTxTwoObj" preserve="1">
+  <p:cSld name="Comparison">
+    <p:spTree>
+      <p:nvGrpSpPr>
+        <p:cNvPr id="1" name=""/>
+        <p:cNvGrpSpPr/>
+        <p:nvPr/>
+      </p:nvGrpSpPr>
+      <p:grpSpPr>
+        <a:xfrm>
+          <a:off x="0" y="0"/>
+          <a:ext cx="0" cy="0"/>
+          <a:chOff x="0" y="0"/>
+          <a:chExt cx="0" cy="0"/>
+        </a:xfrm>
+      </p:grpSpPr>
+      <p:sp>
+        <p:nvSpPr>
+          <p:cNvPr id="2" name="Title 1">
+            <a:extLst>
+              <a:ext uri="{FF2B5EF4-FFF2-40B4-BE49-F238E27FC236}">
+                <a16:creationId xmlns:a16="http://schemas.microsoft.com/office/drawing/2014/main" id="{5EC3DD1D-8005-273A-B73A-1136352CBCA5}"/>
+              </a:ext>
+            </a:extLst>
+          </p:cNvPr>
+          <p:cNvSpPr>
+            <a:spLocks noGrp="1"/>
+          </p:cNvSpPr>
+          <p:nvPr>
+            <p:ph type="title"/>
+          </p:nvPr>
+        </p:nvSpPr>
+        <p:spPr>
+          <a:xfrm>
+            <a:off x="839788" y="365125"/>
+            <a:ext cx="10515600" cy="1325563"/>
+          </a:xfrm>
+        </p:spPr>
+        <p:txBody>
+          <a:bodyPr/>
+          <a:lstStyle/>
+          <a:p>
+            <a:r>
+              <a:rPr lang="en-US"/>
+              <a:t>Click to edit Master title style</a:t>
+            </a:r>
+          </a:p>
+        </p:txBody>
+      </p:sp>
+      <p:sp>
+        <p:nvSpPr>
+          <p:cNvPr id="3" name="Text Placeholder 2">
+            <a:extLst>
+              <a:ext uri="{FF2B5EF4-FFF2-40B4-BE49-F238E27FC236}">
+                <a16:creationId xmlns:a16="http://schemas.microsoft.com/office/drawing/2014/main" id="{FDA96E61-E84D-C643-7480-FB3B9B1A253B}"/>
+              </a:ext>
+            </a:extLst>
+          </p:cNvPr>
+          <p:cNvSpPr>
+            <a:spLocks noGrp="1"/>
+          </p:cNvSpPr>
+          <p:nvPr>
+            <p:ph type="body" idx="1"/>
+          </p:nvPr>
+        </p:nvSpPr>
+        <p:spPr>
+          <a:xfrm>
+            <a:off x="839789" y="1681163"/>
+            <a:ext cx="5157787" cy="823912"/>
+          </a:xfrm>
+        </p:spPr>
+        <p:txBody>
+          <a:bodyPr anchor="b"/>
+          <a:lstStyle>
+            <a:lvl1pPr marL="0" indent="0">
+              <a:buNone/>
+              <a:defRPr sz="2400" b="1"/>
+            </a:lvl1pPr>
+            <a:lvl2pPr marL="457189" indent="0">
+              <a:buNone/>
+              <a:defRPr sz="2000" b="1"/>
+            </a:lvl2pPr>
+            <a:lvl3pPr marL="914377" indent="0">
+              <a:buNone/>
+              <a:defRPr sz="1800" b="1"/>
+            </a:lvl3pPr>
+            <a:lvl4pPr marL="1371566" indent="0">
+              <a:buNone/>
+              <a:defRPr sz="1600" b="1"/>
+            </a:lvl4pPr>
+            <a:lvl5pPr marL="1828754" indent="0">
+              <a:buNone/>
+              <a:defRPr sz="1600" b="1"/>
+            </a:lvl5pPr>
+            <a:lvl6pPr marL="2285943" indent="0">
+              <a:buNone/>
+              <a:defRPr sz="1600" b="1"/>
+            </a:lvl6pPr>
+            <a:lvl7pPr marL="2743131" indent="0">
+              <a:buNone/>
+              <a:defRPr sz="1600" b="1"/>
+            </a:lvl7pPr>
+            <a:lvl8pPr marL="3200320" indent="0">
+              <a:buNone/>
+              <a:defRPr sz="1600" b="1"/>
+            </a:lvl8pPr>
+            <a:lvl9pPr marL="3657509" indent="0">
+              <a:buNone/>
+              <a:defRPr sz="1600" b="1"/>
+            </a:lvl9pPr>
+          </a:lstStyle>
+          <a:p>
+            <a:pPr lvl="0"/>
+            <a:r>
+              <a:rPr lang="en-US"/>
+              <a:t>Click to edit Master text styles</a:t>
+            </a:r>
+          </a:p>
+        </p:txBody>
+      </p:sp>
+      <p:sp>
+        <p:nvSpPr>
+          <p:cNvPr id="4" name="Content Placeholder 3">
+            <a:extLst>
+              <a:ext uri="{FF2B5EF4-FFF2-40B4-BE49-F238E27FC236}">
+                <a16:creationId xmlns:a16="http://schemas.microsoft.com/office/drawing/2014/main" id="{DAD33774-AA6D-3FFC-34DA-E368CE02F177}"/>
+              </a:ext>
+            </a:extLst>
+          </p:cNvPr>
+          <p:cNvSpPr>
+            <a:spLocks noGrp="1"/>
+          </p:cNvSpPr>
+          <p:nvPr>
+            <p:ph sz="half" idx="2"/>
+          </p:nvPr>
+        </p:nvSpPr>
+        <p:spPr>
+          <a:xfrm>
+            <a:off x="839789" y="2505075"/>
+            <a:ext cx="5157787" cy="3684588"/>
+          </a:xfrm>
+        </p:spPr>
+        <p:txBody>
+          <a:bodyPr/>
+          <a:lstStyle/>
+          <a:p>
+            <a:pPr lvl="0"/>
+            <a:r>
+              <a:rPr lang="en-US"/>
+              <a:t>Click to edit Master text styles</a:t>
+            </a:r>
+          </a:p>
+          <a:p>
+            <a:pPr lvl="1"/>
+            <a:r>
+              <a:rPr lang="en-US"/>
+              <a:t>Second level</a:t>
+            </a:r>
+          </a:p>
+          <a:p>
+            <a:pPr lvl="2"/>
+            <a:r>
+              <a:rPr lang="en-US"/>
+              <a:t>Third level</a:t>
+            </a:r>
+          </a:p>
+          <a:p>
+            <a:pPr lvl="3"/>
+            <a:r>
+              <a:rPr lang="en-US"/>
+              <a:t>Fourth level</a:t>
+            </a:r>
+          </a:p>
+          <a:p>
+            <a:pPr lvl="4"/>
+            <a:r>
+              <a:rPr lang="en-US"/>
+              <a:t>Fifth level</a:t>
+            </a:r>
+          </a:p>
+        </p:txBody>
+      </p:sp>
+      <p:sp>
+        <p:nvSpPr>
+          <p:cNvPr id="5" name="Text Placeholder 4">
+            <a:extLst>
+              <a:ext uri="{FF2B5EF4-FFF2-40B4-BE49-F238E27FC236}">
+                <a16:creationId xmlns:a16="http://schemas.microsoft.com/office/drawing/2014/main" id="{D7AA5BDB-CA71-24B2-8172-B536AF6D5CC8}"/>
+              </a:ext>
+            </a:extLst>
+          </p:cNvPr>
+          <p:cNvSpPr>
+            <a:spLocks noGrp="1"/>
+          </p:cNvSpPr>
+          <p:nvPr>
+            <p:ph type="body" sz="quarter" idx="3"/>
+          </p:nvPr>
+        </p:nvSpPr>
+        <p:spPr>
+          <a:xfrm>
+            <a:off x="6172201" y="1681163"/>
+            <a:ext cx="5183188" cy="823912"/>
+          </a:xfrm>
+        </p:spPr>
+        <p:txBody>
+          <a:bodyPr anchor="b"/>
+          <a:lstStyle>
+            <a:lvl1pPr marL="0" indent="0">
+              <a:buNone/>
+              <a:defRPr sz="2400" b="1"/>
+            </a:lvl1pPr>
+            <a:lvl2pPr marL="457189" indent="0">
+              <a:buNone/>
+              <a:defRPr sz="2000" b="1"/>
+            </a:lvl2pPr>
+            <a:lvl3pPr marL="914377" indent="0">
+              <a:buNone/>
+              <a:defRPr sz="1800" b="1"/>
+            </a:lvl3pPr>
+            <a:lvl4pPr marL="1371566" indent="0">
+              <a:buNone/>
+              <a:defRPr sz="1600" b="1"/>
+            </a:lvl4pPr>
+            <a:lvl5pPr marL="1828754" indent="0">
+              <a:buNone/>
+              <a:defRPr sz="1600" b="1"/>
+            </a:lvl5pPr>
+            <a:lvl6pPr marL="2285943" indent="0">
+              <a:buNone/>
+              <a:defRPr sz="1600" b="1"/>
+            </a:lvl6pPr>
+            <a:lvl7pPr marL="2743131" indent="0">
+              <a:buNone/>
+              <a:defRPr sz="1600" b="1"/>
+            </a:lvl7pPr>
+            <a:lvl8pPr marL="3200320" indent="0">
+              <a:buNone/>
+              <a:defRPr sz="1600" b="1"/>
+            </a:lvl8pPr>
+            <a:lvl9pPr marL="3657509" indent="0">
+              <a:buNone/>
+              <a:defRPr sz="1600" b="1"/>
+            </a:lvl9pPr>
+          </a:lstStyle>
+          <a:p>
+            <a:pPr lvl="0"/>
+            <a:r>
+              <a:rPr lang="en-US"/>
+              <a:t>Click to edit Master text styles</a:t>
+            </a:r>
+          </a:p>
+        </p:txBody>
+      </p:sp>
+      <p:sp>
+        <p:nvSpPr>
+          <p:cNvPr id="6" name="Content Placeholder 5">
+            <a:extLst>
+              <a:ext uri="{FF2B5EF4-FFF2-40B4-BE49-F238E27FC236}">
+                <a16:creationId xmlns:a16="http://schemas.microsoft.com/office/drawing/2014/main" id="{BD23DD64-52AA-FA1C-0C6E-70A379E6BEDE}"/>
+              </a:ext>
+            </a:extLst>
+          </p:cNvPr>
+          <p:cNvSpPr>
+            <a:spLocks noGrp="1"/>
+          </p:cNvSpPr>
+          <p:nvPr>
+            <p:ph sz="quarter" idx="4"/>
+          </p:nvPr>
+        </p:nvSpPr>
+        <p:spPr>
+          <a:xfrm>
+            <a:off x="6172201" y="2505075"/>
+            <a:ext cx="5183188" cy="3684588"/>
+          </a:xfrm>
+        </p:spPr>
+        <p:txBody>
+          <a:bodyPr/>
+          <a:lstStyle/>
+          <a:p>
+            <a:pPr lvl="0"/>
+            <a:r>
+              <a:rPr lang="en-US"/>
+              <a:t>Click to edit Master text styles</a:t>
+            </a:r>
+          </a:p>
+          <a:p>
+            <a:pPr lvl="1"/>
+            <a:r>
+              <a:rPr lang="en-US"/>
+              <a:t>Second level</a:t>
+            </a:r>
+          </a:p>
+          <a:p>
+            <a:pPr lvl="2"/>
+            <a:r>
+              <a:rPr lang="en-US"/>
+              <a:t>Third level</a:t>
+            </a:r>
+          </a:p>
+          <a:p>
+            <a:pPr lvl="3"/>
+            <a:r>
+              <a:rPr lang="en-US"/>
+              <a:t>Fourth level</a:t>
+            </a:r>
+          </a:p>
+          <a:p>
+            <a:pPr lvl="4"/>
+            <a:r>
+              <a:rPr lang="en-US"/>
+              <a:t>Fifth level</a:t>
+            </a:r>
+          </a:p>
+        </p:txBody>
+      </p:sp>
+      <p:sp>
+        <p:nvSpPr>
+          <p:cNvPr id="7" name="Date Placeholder 6">
+            <a:extLst>
+              <a:ext uri="{FF2B5EF4-FFF2-40B4-BE49-F238E27FC236}">
+                <a16:creationId xmlns:a16="http://schemas.microsoft.com/office/drawing/2014/main" id="{9E1072B8-15C7-C65E-7A8F-9D2B3630C26E}"/>
+              </a:ext>
+            </a:extLst>
+          </p:cNvPr>
+          <p:cNvSpPr>
+            <a:spLocks noGrp="1"/>
+          </p:cNvSpPr>
+          <p:nvPr>
+            <p:ph type="dt" sz="half" idx="10"/>
+          </p:nvPr>
+        </p:nvSpPr>
+        <p:spPr/>
+        <p:txBody>
+          <a:bodyPr/>
+          <a:lstStyle/>
+          <a:p>
+            <a:fld id="{5B263D6C-6F96-47EC-92FE-711AC68B088E}" type="datetimeFigureOut">
+              <a:rPr lang="en-US" smtClean="0"/>
+              <a:pPr/>
+              <a:t>10/19/25</a:t>
+            </a:fld>
+            <a:endParaRPr lang="en-US"/>
+          </a:p>
+        </p:txBody>
+      </p:sp>
+      <p:sp>
+        <p:nvSpPr>
+          <p:cNvPr id="8" name="Footer Placeholder 7">
+            <a:extLst>
+              <a:ext uri="{FF2B5EF4-FFF2-40B4-BE49-F238E27FC236}">
+                <a16:creationId xmlns:a16="http://schemas.microsoft.com/office/drawing/2014/main" id="{0BFBCF97-69BC-26BE-FA7A-4837A4B075F3}"/>
+              </a:ext>
+            </a:extLst>
+          </p:cNvPr>
+          <p:cNvSpPr>
+            <a:spLocks noGrp="1"/>
+          </p:cNvSpPr>
+          <p:nvPr>
+            <p:ph type="ftr" sz="quarter" idx="11"/>
+          </p:nvPr>
+        </p:nvSpPr>
+        <p:spPr/>
+        <p:txBody>
+          <a:bodyPr/>
+          <a:lstStyle/>
+          <a:p>
+            <a:endParaRPr lang="en-US"/>
+          </a:p>
+        </p:txBody>
+      </p:sp>
+      <p:sp>
+        <p:nvSpPr>
+          <p:cNvPr id="9" name="Slide Number Placeholder 8">
+            <a:extLst>
+              <a:ext uri="{FF2B5EF4-FFF2-40B4-BE49-F238E27FC236}">
+                <a16:creationId xmlns:a16="http://schemas.microsoft.com/office/drawing/2014/main" id="{AA4ABB83-9035-659B-BD9F-ABFB643B6BAE}"/>
+              </a:ext>
+            </a:extLst>
+          </p:cNvPr>
+          <p:cNvSpPr>
+            <a:spLocks noGrp="1"/>
+          </p:cNvSpPr>
+          <p:nvPr>
+            <p:ph type="sldNum" sz="quarter" idx="12"/>
+          </p:nvPr>
+        </p:nvSpPr>
+        <p:spPr/>
+        <p:txBody>
+          <a:bodyPr/>
+          <a:lstStyle/>
+          <a:p>
+            <a:fld id="{EEAEBAC6-E855-432F-8D78-47178C07C20E}" type="slidenum">
+              <a:rPr lang="en-US" smtClean="0"/>
+              <a:pPr/>
+              <a:t>‹#›</a:t>
+            </a:fld>
+            <a:endParaRPr lang="en-US"/>
+          </a:p>
+        </p:txBody>
+      </p:sp>
+    </p:spTree>
+    <p:extLst>
+      <p:ext uri="{BB962C8B-B14F-4D97-AF65-F5344CB8AC3E}">
+        <p14:creationId xmlns:p14="http://schemas.microsoft.com/office/powerpoint/2010/main" val="69372679"/>
+      </p:ext>
+    </p:extLst>
+  </p:cSld>
+  <p:clrMapOvr>
+    <a:masterClrMapping/>
+  </p:clrMapOvr>
+</p:sldLayout>
+</file>
+
+<file path=ppt/slideLayouts/slideLayout15.xml><?xml version="1.0" encoding="utf-8"?>
+<p:sldLayout xmlns:a="http://schemas.openxmlformats.org/drawingml/2006/main" xmlns:r="http://schemas.openxmlformats.org/officeDocument/2006/relationships" xmlns:p="http://schemas.openxmlformats.org/presentationml/2006/main" type="titleOnly" preserve="1">
+  <p:cSld name="Title Only">
+    <p:spTree>
+      <p:nvGrpSpPr>
+        <p:cNvPr id="1" name=""/>
+        <p:cNvGrpSpPr/>
+        <p:nvPr/>
+      </p:nvGrpSpPr>
+      <p:grpSpPr>
+        <a:xfrm>
+          <a:off x="0" y="0"/>
+          <a:ext cx="0" cy="0"/>
+          <a:chOff x="0" y="0"/>
+          <a:chExt cx="0" cy="0"/>
+        </a:xfrm>
+      </p:grpSpPr>
+      <p:sp>
+        <p:nvSpPr>
+          <p:cNvPr id="2" name="Title 1">
+            <a:extLst>
+              <a:ext uri="{FF2B5EF4-FFF2-40B4-BE49-F238E27FC236}">
+                <a16:creationId xmlns:a16="http://schemas.microsoft.com/office/drawing/2014/main" id="{DC6AEAE0-BD18-6168-E6E8-471BC6A0B5D3}"/>
+              </a:ext>
+            </a:extLst>
+          </p:cNvPr>
+          <p:cNvSpPr>
+            <a:spLocks noGrp="1"/>
+          </p:cNvSpPr>
+          <p:nvPr>
+            <p:ph type="title"/>
+          </p:nvPr>
+        </p:nvSpPr>
+        <p:spPr/>
+        <p:txBody>
+          <a:bodyPr/>
+          <a:lstStyle/>
+          <a:p>
+            <a:r>
+              <a:rPr lang="en-US"/>
+              <a:t>Click to edit Master title style</a:t>
+            </a:r>
+          </a:p>
+        </p:txBody>
+      </p:sp>
+      <p:sp>
+        <p:nvSpPr>
+          <p:cNvPr id="3" name="Date Placeholder 2">
+            <a:extLst>
+              <a:ext uri="{FF2B5EF4-FFF2-40B4-BE49-F238E27FC236}">
+                <a16:creationId xmlns:a16="http://schemas.microsoft.com/office/drawing/2014/main" id="{752C62DB-5014-5F5A-971A-6885D6DD53F3}"/>
+              </a:ext>
+            </a:extLst>
+          </p:cNvPr>
+          <p:cNvSpPr>
+            <a:spLocks noGrp="1"/>
+          </p:cNvSpPr>
+          <p:nvPr>
+            <p:ph type="dt" sz="half" idx="10"/>
+          </p:nvPr>
+        </p:nvSpPr>
+        <p:spPr/>
+        <p:txBody>
+          <a:bodyPr/>
+          <a:lstStyle/>
+          <a:p>
+            <a:fld id="{5B263D6C-6F96-47EC-92FE-711AC68B088E}" type="datetimeFigureOut">
+              <a:rPr lang="en-US" smtClean="0"/>
+              <a:pPr/>
+              <a:t>10/19/25</a:t>
+            </a:fld>
+            <a:endParaRPr lang="en-US"/>
+          </a:p>
+        </p:txBody>
+      </p:sp>
+      <p:sp>
+        <p:nvSpPr>
+          <p:cNvPr id="4" name="Footer Placeholder 3">
+            <a:extLst>
+              <a:ext uri="{FF2B5EF4-FFF2-40B4-BE49-F238E27FC236}">
+                <a16:creationId xmlns:a16="http://schemas.microsoft.com/office/drawing/2014/main" id="{3749F6BC-13CF-4802-66F4-985D9F9C885B}"/>
+              </a:ext>
+            </a:extLst>
+          </p:cNvPr>
+          <p:cNvSpPr>
+            <a:spLocks noGrp="1"/>
+          </p:cNvSpPr>
+          <p:nvPr>
+            <p:ph type="ftr" sz="quarter" idx="11"/>
+          </p:nvPr>
+        </p:nvSpPr>
+        <p:spPr/>
+        <p:txBody>
+          <a:bodyPr/>
+          <a:lstStyle/>
+          <a:p>
+            <a:endParaRPr lang="en-US"/>
+          </a:p>
+        </p:txBody>
+      </p:sp>
+      <p:sp>
+        <p:nvSpPr>
+          <p:cNvPr id="5" name="Slide Number Placeholder 4">
+            <a:extLst>
+              <a:ext uri="{FF2B5EF4-FFF2-40B4-BE49-F238E27FC236}">
+                <a16:creationId xmlns:a16="http://schemas.microsoft.com/office/drawing/2014/main" id="{125E3321-6E7E-4E14-4A9F-8E2049ED2DEB}"/>
+              </a:ext>
+            </a:extLst>
+          </p:cNvPr>
+          <p:cNvSpPr>
+            <a:spLocks noGrp="1"/>
+          </p:cNvSpPr>
+          <p:nvPr>
+            <p:ph type="sldNum" sz="quarter" idx="12"/>
+          </p:nvPr>
+        </p:nvSpPr>
+        <p:spPr/>
+        <p:txBody>
+          <a:bodyPr/>
+          <a:lstStyle/>
+          <a:p>
+            <a:fld id="{EEAEBAC6-E855-432F-8D78-47178C07C20E}" type="slidenum">
+              <a:rPr lang="en-US" smtClean="0"/>
+              <a:pPr/>
+              <a:t>‹#›</a:t>
+            </a:fld>
+            <a:endParaRPr lang="en-US"/>
+          </a:p>
+        </p:txBody>
+      </p:sp>
+    </p:spTree>
+    <p:extLst>
+      <p:ext uri="{BB962C8B-B14F-4D97-AF65-F5344CB8AC3E}">
+        <p14:creationId xmlns:p14="http://schemas.microsoft.com/office/powerpoint/2010/main" val="3093903772"/>
+      </p:ext>
+    </p:extLst>
+  </p:cSld>
+  <p:clrMapOvr>
+    <a:masterClrMapping/>
+  </p:clrMapOvr>
+</p:sldLayout>
+</file>
+
+<file path=ppt/slideLayouts/slideLayout16.xml><?xml version="1.0" encoding="utf-8"?>
+<p:sldLayout xmlns:a="http://schemas.openxmlformats.org/drawingml/2006/main" xmlns:r="http://schemas.openxmlformats.org/officeDocument/2006/relationships" xmlns:p="http://schemas.openxmlformats.org/presentationml/2006/main" type="blank" preserve="1">
+  <p:cSld name="Blank">
+    <p:spTree>
+      <p:nvGrpSpPr>
+        <p:cNvPr id="1" name=""/>
+        <p:cNvGrpSpPr/>
+        <p:nvPr/>
+      </p:nvGrpSpPr>
+      <p:grpSpPr>
+        <a:xfrm>
+          <a:off x="0" y="0"/>
+          <a:ext cx="0" cy="0"/>
+          <a:chOff x="0" y="0"/>
+          <a:chExt cx="0" cy="0"/>
+        </a:xfrm>
+      </p:grpSpPr>
+      <p:sp>
+        <p:nvSpPr>
+          <p:cNvPr id="2" name="Date Placeholder 1">
+            <a:extLst>
+              <a:ext uri="{FF2B5EF4-FFF2-40B4-BE49-F238E27FC236}">
+                <a16:creationId xmlns:a16="http://schemas.microsoft.com/office/drawing/2014/main" id="{528E7D94-0903-13FC-CAD3-93DF8FAAE263}"/>
+              </a:ext>
+            </a:extLst>
+          </p:cNvPr>
+          <p:cNvSpPr>
+            <a:spLocks noGrp="1"/>
+          </p:cNvSpPr>
+          <p:nvPr>
+            <p:ph type="dt" sz="half" idx="10"/>
+          </p:nvPr>
+        </p:nvSpPr>
+        <p:spPr/>
+        <p:txBody>
+          <a:bodyPr/>
+          <a:lstStyle/>
+          <a:p>
+            <a:fld id="{5B263D6C-6F96-47EC-92FE-711AC68B088E}" type="datetimeFigureOut">
+              <a:rPr lang="en-US" smtClean="0"/>
+              <a:pPr/>
+              <a:t>10/19/25</a:t>
+            </a:fld>
+            <a:endParaRPr lang="en-US"/>
+          </a:p>
+        </p:txBody>
+      </p:sp>
+      <p:sp>
+        <p:nvSpPr>
+          <p:cNvPr id="3" name="Footer Placeholder 2">
+            <a:extLst>
+              <a:ext uri="{FF2B5EF4-FFF2-40B4-BE49-F238E27FC236}">
+                <a16:creationId xmlns:a16="http://schemas.microsoft.com/office/drawing/2014/main" id="{C9501833-F475-C6DE-8E59-1B095449476F}"/>
+              </a:ext>
+            </a:extLst>
+          </p:cNvPr>
+          <p:cNvSpPr>
+            <a:spLocks noGrp="1"/>
+          </p:cNvSpPr>
+          <p:nvPr>
+            <p:ph type="ftr" sz="quarter" idx="11"/>
+          </p:nvPr>
+        </p:nvSpPr>
+        <p:spPr/>
+        <p:txBody>
+          <a:bodyPr/>
+          <a:lstStyle/>
+          <a:p>
+            <a:endParaRPr lang="en-US"/>
+          </a:p>
+        </p:txBody>
+      </p:sp>
+      <p:sp>
+        <p:nvSpPr>
+          <p:cNvPr id="4" name="Slide Number Placeholder 3">
+            <a:extLst>
+              <a:ext uri="{FF2B5EF4-FFF2-40B4-BE49-F238E27FC236}">
+                <a16:creationId xmlns:a16="http://schemas.microsoft.com/office/drawing/2014/main" id="{263B24D2-85E3-8431-5EA3-37347FB2B955}"/>
+              </a:ext>
+            </a:extLst>
+          </p:cNvPr>
+          <p:cNvSpPr>
+            <a:spLocks noGrp="1"/>
+          </p:cNvSpPr>
+          <p:nvPr>
+            <p:ph type="sldNum" sz="quarter" idx="12"/>
+          </p:nvPr>
+        </p:nvSpPr>
+        <p:spPr/>
+        <p:txBody>
+          <a:bodyPr/>
+          <a:lstStyle/>
+          <a:p>
+            <a:fld id="{EEAEBAC6-E855-432F-8D78-47178C07C20E}" type="slidenum">
+              <a:rPr lang="en-US" smtClean="0"/>
+              <a:pPr/>
+              <a:t>‹#›</a:t>
+            </a:fld>
+            <a:endParaRPr lang="en-US"/>
+          </a:p>
+        </p:txBody>
+      </p:sp>
+    </p:spTree>
+    <p:extLst>
+      <p:ext uri="{BB962C8B-B14F-4D97-AF65-F5344CB8AC3E}">
+        <p14:creationId xmlns:p14="http://schemas.microsoft.com/office/powerpoint/2010/main" val="2370006988"/>
+      </p:ext>
+    </p:extLst>
+  </p:cSld>
+  <p:clrMapOvr>
+    <a:masterClrMapping/>
+  </p:clrMapOvr>
+</p:sldLayout>
+</file>
+
+<file path=ppt/slideLayouts/slideLayout17.xml><?xml version="1.0" encoding="utf-8"?>
+<p:sldLayout xmlns:a="http://schemas.openxmlformats.org/drawingml/2006/main" xmlns:r="http://schemas.openxmlformats.org/officeDocument/2006/relationships" xmlns:p="http://schemas.openxmlformats.org/presentationml/2006/main" type="objTx" preserve="1">
+  <p:cSld name="Content with Caption">
+    <p:spTree>
+      <p:nvGrpSpPr>
+        <p:cNvPr id="1" name=""/>
+        <p:cNvGrpSpPr/>
+        <p:nvPr/>
+      </p:nvGrpSpPr>
+      <p:grpSpPr>
+        <a:xfrm>
+          <a:off x="0" y="0"/>
+          <a:ext cx="0" cy="0"/>
+          <a:chOff x="0" y="0"/>
+          <a:chExt cx="0" cy="0"/>
+        </a:xfrm>
+      </p:grpSpPr>
+      <p:sp>
+        <p:nvSpPr>
+          <p:cNvPr id="2" name="Title 1">
+            <a:extLst>
+              <a:ext uri="{FF2B5EF4-FFF2-40B4-BE49-F238E27FC236}">
+                <a16:creationId xmlns:a16="http://schemas.microsoft.com/office/drawing/2014/main" id="{16CFC6E4-4B0E-90BA-40EB-A17099FCD185}"/>
+              </a:ext>
+            </a:extLst>
+          </p:cNvPr>
+          <p:cNvSpPr>
+            <a:spLocks noGrp="1"/>
+          </p:cNvSpPr>
+          <p:nvPr>
+            <p:ph type="title"/>
+          </p:nvPr>
+        </p:nvSpPr>
+        <p:spPr>
+          <a:xfrm>
+            <a:off x="839788" y="457200"/>
+            <a:ext cx="3932237" cy="1600200"/>
+          </a:xfrm>
+        </p:spPr>
+        <p:txBody>
+          <a:bodyPr anchor="b"/>
+          <a:lstStyle>
+            <a:lvl1pPr>
+              <a:defRPr sz="3200"/>
+            </a:lvl1pPr>
+          </a:lstStyle>
+          <a:p>
+            <a:r>
+              <a:rPr lang="en-US"/>
+              <a:t>Click to edit Master title style</a:t>
+            </a:r>
+          </a:p>
+        </p:txBody>
+      </p:sp>
+      <p:sp>
+        <p:nvSpPr>
+          <p:cNvPr id="3" name="Content Placeholder 2">
+            <a:extLst>
+              <a:ext uri="{FF2B5EF4-FFF2-40B4-BE49-F238E27FC236}">
+                <a16:creationId xmlns:a16="http://schemas.microsoft.com/office/drawing/2014/main" id="{71FD0CB8-AD2D-E367-64F2-320FB7469B28}"/>
+              </a:ext>
+            </a:extLst>
+          </p:cNvPr>
+          <p:cNvSpPr>
+            <a:spLocks noGrp="1"/>
+          </p:cNvSpPr>
+          <p:nvPr>
+            <p:ph idx="1"/>
+          </p:nvPr>
+        </p:nvSpPr>
+        <p:spPr>
+          <a:xfrm>
+            <a:off x="5183188" y="987426"/>
+            <a:ext cx="6172200" cy="4873625"/>
+          </a:xfrm>
+        </p:spPr>
+        <p:txBody>
+          <a:bodyPr/>
+          <a:lstStyle>
+            <a:lvl1pPr>
+              <a:defRPr sz="3200"/>
+            </a:lvl1pPr>
+            <a:lvl2pPr>
+              <a:defRPr sz="2800"/>
+            </a:lvl2pPr>
+            <a:lvl3pPr>
+              <a:defRPr sz="2400"/>
+            </a:lvl3pPr>
+            <a:lvl4pPr>
+              <a:defRPr sz="2000"/>
+            </a:lvl4pPr>
+            <a:lvl5pPr>
+              <a:defRPr sz="2000"/>
+            </a:lvl5pPr>
+            <a:lvl6pPr>
+              <a:defRPr sz="2000"/>
+            </a:lvl6pPr>
+            <a:lvl7pPr>
+              <a:defRPr sz="2000"/>
+            </a:lvl7pPr>
+            <a:lvl8pPr>
+              <a:defRPr sz="2000"/>
+            </a:lvl8pPr>
+            <a:lvl9pPr>
+              <a:defRPr sz="2000"/>
+            </a:lvl9pPr>
+          </a:lstStyle>
+          <a:p>
+            <a:pPr lvl="0"/>
+            <a:r>
+              <a:rPr lang="en-US"/>
+              <a:t>Click to edit Master text styles</a:t>
+            </a:r>
+          </a:p>
+          <a:p>
+            <a:pPr lvl="1"/>
+            <a:r>
+              <a:rPr lang="en-US"/>
+              <a:t>Second level</a:t>
+            </a:r>
+          </a:p>
+          <a:p>
+            <a:pPr lvl="2"/>
+            <a:r>
+              <a:rPr lang="en-US"/>
+              <a:t>Third level</a:t>
+            </a:r>
+          </a:p>
+          <a:p>
+            <a:pPr lvl="3"/>
+            <a:r>
+              <a:rPr lang="en-US"/>
+              <a:t>Fourth level</a:t>
+            </a:r>
+          </a:p>
+          <a:p>
+            <a:pPr lvl="4"/>
+            <a:r>
+              <a:rPr lang="en-US"/>
+              <a:t>Fifth level</a:t>
+            </a:r>
+          </a:p>
+        </p:txBody>
+      </p:sp>
+      <p:sp>
+        <p:nvSpPr>
+          <p:cNvPr id="4" name="Text Placeholder 3">
+            <a:extLst>
+              <a:ext uri="{FF2B5EF4-FFF2-40B4-BE49-F238E27FC236}">
+                <a16:creationId xmlns:a16="http://schemas.microsoft.com/office/drawing/2014/main" id="{8D60C978-83F7-D122-FF9B-383F75CB6BF6}"/>
+              </a:ext>
+            </a:extLst>
+          </p:cNvPr>
+          <p:cNvSpPr>
+            <a:spLocks noGrp="1"/>
+          </p:cNvSpPr>
+          <p:nvPr>
+            <p:ph type="body" sz="half" idx="2"/>
+          </p:nvPr>
+        </p:nvSpPr>
+        <p:spPr>
+          <a:xfrm>
+            <a:off x="839788" y="2057401"/>
+            <a:ext cx="3932237" cy="3811588"/>
+          </a:xfrm>
+        </p:spPr>
+        <p:txBody>
+          <a:bodyPr/>
+          <a:lstStyle>
+            <a:lvl1pPr marL="0" indent="0">
+              <a:buNone/>
+              <a:defRPr sz="1600"/>
+            </a:lvl1pPr>
+            <a:lvl2pPr marL="457189" indent="0">
+              <a:buNone/>
+              <a:defRPr sz="1400"/>
+            </a:lvl2pPr>
+            <a:lvl3pPr marL="914377" indent="0">
+              <a:buNone/>
+              <a:defRPr sz="1200"/>
+            </a:lvl3pPr>
+            <a:lvl4pPr marL="1371566" indent="0">
+              <a:buNone/>
+              <a:defRPr sz="1000"/>
+            </a:lvl4pPr>
+            <a:lvl5pPr marL="1828754" indent="0">
+              <a:buNone/>
+              <a:defRPr sz="1000"/>
+            </a:lvl5pPr>
+            <a:lvl6pPr marL="2285943" indent="0">
+              <a:buNone/>
+              <a:defRPr sz="1000"/>
+            </a:lvl6pPr>
+            <a:lvl7pPr marL="2743131" indent="0">
+              <a:buNone/>
+              <a:defRPr sz="1000"/>
+            </a:lvl7pPr>
+            <a:lvl8pPr marL="3200320" indent="0">
+              <a:buNone/>
+              <a:defRPr sz="1000"/>
+            </a:lvl8pPr>
+            <a:lvl9pPr marL="3657509" indent="0">
+              <a:buNone/>
+              <a:defRPr sz="1000"/>
+            </a:lvl9pPr>
+          </a:lstStyle>
+          <a:p>
+            <a:pPr lvl="0"/>
+            <a:r>
+              <a:rPr lang="en-US"/>
+              <a:t>Click to edit Master text styles</a:t>
+            </a:r>
+          </a:p>
+        </p:txBody>
+      </p:sp>
+      <p:sp>
+        <p:nvSpPr>
+          <p:cNvPr id="5" name="Date Placeholder 4">
+            <a:extLst>
+              <a:ext uri="{FF2B5EF4-FFF2-40B4-BE49-F238E27FC236}">
+                <a16:creationId xmlns:a16="http://schemas.microsoft.com/office/drawing/2014/main" id="{53E9086C-7F0F-0116-2858-5F1D7C2188E0}"/>
+              </a:ext>
+            </a:extLst>
+          </p:cNvPr>
+          <p:cNvSpPr>
+            <a:spLocks noGrp="1"/>
+          </p:cNvSpPr>
+          <p:nvPr>
+            <p:ph type="dt" sz="half" idx="10"/>
+          </p:nvPr>
+        </p:nvSpPr>
+        <p:spPr/>
+        <p:txBody>
+          <a:bodyPr/>
+          <a:lstStyle/>
+          <a:p>
+            <a:fld id="{5B263D6C-6F96-47EC-92FE-711AC68B088E}" type="datetimeFigureOut">
+              <a:rPr lang="en-US" smtClean="0"/>
+              <a:pPr/>
+              <a:t>10/19/25</a:t>
+            </a:fld>
+            <a:endParaRPr lang="en-US"/>
+          </a:p>
+        </p:txBody>
+      </p:sp>
+      <p:sp>
+        <p:nvSpPr>
+          <p:cNvPr id="6" name="Footer Placeholder 5">
+            <a:extLst>
+              <a:ext uri="{FF2B5EF4-FFF2-40B4-BE49-F238E27FC236}">
+                <a16:creationId xmlns:a16="http://schemas.microsoft.com/office/drawing/2014/main" id="{35B57318-DF9E-2B71-CBD4-6217C81DB86F}"/>
+              </a:ext>
+            </a:extLst>
+          </p:cNvPr>
+          <p:cNvSpPr>
+            <a:spLocks noGrp="1"/>
+          </p:cNvSpPr>
+          <p:nvPr>
+            <p:ph type="ftr" sz="quarter" idx="11"/>
+          </p:nvPr>
+        </p:nvSpPr>
+        <p:spPr/>
+        <p:txBody>
+          <a:bodyPr/>
+          <a:lstStyle/>
+          <a:p>
+            <a:endParaRPr lang="en-US"/>
+          </a:p>
+        </p:txBody>
+      </p:sp>
+      <p:sp>
+        <p:nvSpPr>
+          <p:cNvPr id="7" name="Slide Number Placeholder 6">
+            <a:extLst>
+              <a:ext uri="{FF2B5EF4-FFF2-40B4-BE49-F238E27FC236}">
+                <a16:creationId xmlns:a16="http://schemas.microsoft.com/office/drawing/2014/main" id="{0771B8E8-3A33-66F3-4747-FFDBD82F2B5F}"/>
+              </a:ext>
+            </a:extLst>
+          </p:cNvPr>
+          <p:cNvSpPr>
+            <a:spLocks noGrp="1"/>
+          </p:cNvSpPr>
+          <p:nvPr>
+            <p:ph type="sldNum" sz="quarter" idx="12"/>
+          </p:nvPr>
+        </p:nvSpPr>
+        <p:spPr/>
+        <p:txBody>
+          <a:bodyPr/>
+          <a:lstStyle/>
+          <a:p>
+            <a:fld id="{EEAEBAC6-E855-432F-8D78-47178C07C20E}" type="slidenum">
+              <a:rPr lang="en-US" smtClean="0"/>
+              <a:pPr/>
+              <a:t>‹#›</a:t>
+            </a:fld>
+            <a:endParaRPr lang="en-US"/>
+          </a:p>
+        </p:txBody>
+      </p:sp>
+    </p:spTree>
+    <p:extLst>
+      <p:ext uri="{BB962C8B-B14F-4D97-AF65-F5344CB8AC3E}">
+        <p14:creationId xmlns:p14="http://schemas.microsoft.com/office/powerpoint/2010/main" val="3724707617"/>
+      </p:ext>
+    </p:extLst>
+  </p:cSld>
+  <p:clrMapOvr>
+    <a:masterClrMapping/>
+  </p:clrMapOvr>
+</p:sldLayout>
+</file>
+
+<file path=ppt/slideLayouts/slideLayout18.xml><?xml version="1.0" encoding="utf-8"?>
+<p:sldLayout xmlns:a="http://schemas.openxmlformats.org/drawingml/2006/main" xmlns:r="http://schemas.openxmlformats.org/officeDocument/2006/relationships" xmlns:p="http://schemas.openxmlformats.org/presentationml/2006/main" type="picTx" preserve="1">
+  <p:cSld name="Picture with Caption">
+    <p:spTree>
+      <p:nvGrpSpPr>
+        <p:cNvPr id="1" name=""/>
+        <p:cNvGrpSpPr/>
+        <p:nvPr/>
+      </p:nvGrpSpPr>
+      <p:grpSpPr>
+        <a:xfrm>
+          <a:off x="0" y="0"/>
+          <a:ext cx="0" cy="0"/>
+          <a:chOff x="0" y="0"/>
+          <a:chExt cx="0" cy="0"/>
+        </a:xfrm>
+      </p:grpSpPr>
+      <p:sp>
+        <p:nvSpPr>
+          <p:cNvPr id="2" name="Title 1">
+            <a:extLst>
+              <a:ext uri="{FF2B5EF4-FFF2-40B4-BE49-F238E27FC236}">
+                <a16:creationId xmlns:a16="http://schemas.microsoft.com/office/drawing/2014/main" id="{4A2D7A8A-F64D-4656-3ED9-60A280855B54}"/>
+              </a:ext>
+            </a:extLst>
+          </p:cNvPr>
+          <p:cNvSpPr>
+            <a:spLocks noGrp="1"/>
+          </p:cNvSpPr>
+          <p:nvPr>
+            <p:ph type="title"/>
+          </p:nvPr>
+        </p:nvSpPr>
+        <p:spPr>
+          <a:xfrm>
+            <a:off x="839788" y="457200"/>
+            <a:ext cx="3932237" cy="1600200"/>
+          </a:xfrm>
+        </p:spPr>
+        <p:txBody>
+          <a:bodyPr anchor="b"/>
+          <a:lstStyle>
+            <a:lvl1pPr>
+              <a:defRPr sz="3200"/>
+            </a:lvl1pPr>
+          </a:lstStyle>
+          <a:p>
+            <a:r>
+              <a:rPr lang="en-US"/>
+              <a:t>Click to edit Master title style</a:t>
+            </a:r>
+          </a:p>
+        </p:txBody>
+      </p:sp>
+      <p:sp>
+        <p:nvSpPr>
+          <p:cNvPr id="3" name="Picture Placeholder 2">
+            <a:extLst>
+              <a:ext uri="{FF2B5EF4-FFF2-40B4-BE49-F238E27FC236}">
+                <a16:creationId xmlns:a16="http://schemas.microsoft.com/office/drawing/2014/main" id="{3428DFAC-0976-0E69-DBA7-B1D4F865F56B}"/>
+              </a:ext>
+            </a:extLst>
+          </p:cNvPr>
+          <p:cNvSpPr>
+            <a:spLocks noGrp="1"/>
+          </p:cNvSpPr>
+          <p:nvPr>
+            <p:ph type="pic" idx="1"/>
+          </p:nvPr>
+        </p:nvSpPr>
+        <p:spPr>
+          <a:xfrm>
+            <a:off x="5183188" y="987426"/>
+            <a:ext cx="6172200" cy="4873625"/>
+          </a:xfrm>
+        </p:spPr>
+        <p:txBody>
+          <a:bodyPr/>
+          <a:lstStyle>
+            <a:lvl1pPr marL="0" indent="0">
+              <a:buNone/>
+              <a:defRPr sz="3200"/>
+            </a:lvl1pPr>
+            <a:lvl2pPr marL="457189" indent="0">
+              <a:buNone/>
+              <a:defRPr sz="2800"/>
+            </a:lvl2pPr>
+            <a:lvl3pPr marL="914377" indent="0">
+              <a:buNone/>
+              <a:defRPr sz="2400"/>
+            </a:lvl3pPr>
+            <a:lvl4pPr marL="1371566" indent="0">
+              <a:buNone/>
+              <a:defRPr sz="2000"/>
+            </a:lvl4pPr>
+            <a:lvl5pPr marL="1828754" indent="0">
+              <a:buNone/>
+              <a:defRPr sz="2000"/>
+            </a:lvl5pPr>
+            <a:lvl6pPr marL="2285943" indent="0">
+              <a:buNone/>
+              <a:defRPr sz="2000"/>
+            </a:lvl6pPr>
+            <a:lvl7pPr marL="2743131" indent="0">
+              <a:buNone/>
+              <a:defRPr sz="2000"/>
+            </a:lvl7pPr>
+            <a:lvl8pPr marL="3200320" indent="0">
+              <a:buNone/>
+              <a:defRPr sz="2000"/>
+            </a:lvl8pPr>
+            <a:lvl9pPr marL="3657509" indent="0">
+              <a:buNone/>
+              <a:defRPr sz="2000"/>
+            </a:lvl9pPr>
+          </a:lstStyle>
+          <a:p>
+            <a:endParaRPr lang="en-US"/>
+          </a:p>
+        </p:txBody>
+      </p:sp>
+      <p:sp>
+        <p:nvSpPr>
+          <p:cNvPr id="4" name="Text Placeholder 3">
+            <a:extLst>
+              <a:ext uri="{FF2B5EF4-FFF2-40B4-BE49-F238E27FC236}">
+                <a16:creationId xmlns:a16="http://schemas.microsoft.com/office/drawing/2014/main" id="{25B28020-AB89-9976-1437-CC678B63B895}"/>
+              </a:ext>
+            </a:extLst>
+          </p:cNvPr>
+          <p:cNvSpPr>
+            <a:spLocks noGrp="1"/>
+          </p:cNvSpPr>
+          <p:nvPr>
+            <p:ph type="body" sz="half" idx="2"/>
+          </p:nvPr>
+        </p:nvSpPr>
+        <p:spPr>
+          <a:xfrm>
+            <a:off x="839788" y="2057401"/>
+            <a:ext cx="3932237" cy="3811588"/>
+          </a:xfrm>
+        </p:spPr>
+        <p:txBody>
+          <a:bodyPr/>
+          <a:lstStyle>
+            <a:lvl1pPr marL="0" indent="0">
+              <a:buNone/>
+              <a:defRPr sz="1600"/>
+            </a:lvl1pPr>
+            <a:lvl2pPr marL="457189" indent="0">
+              <a:buNone/>
+              <a:defRPr sz="1400"/>
+            </a:lvl2pPr>
+            <a:lvl3pPr marL="914377" indent="0">
+              <a:buNone/>
+              <a:defRPr sz="1200"/>
+            </a:lvl3pPr>
+            <a:lvl4pPr marL="1371566" indent="0">
+              <a:buNone/>
+              <a:defRPr sz="1000"/>
+            </a:lvl4pPr>
+            <a:lvl5pPr marL="1828754" indent="0">
+              <a:buNone/>
+              <a:defRPr sz="1000"/>
+            </a:lvl5pPr>
+            <a:lvl6pPr marL="2285943" indent="0">
+              <a:buNone/>
+              <a:defRPr sz="1000"/>
+            </a:lvl6pPr>
+            <a:lvl7pPr marL="2743131" indent="0">
+              <a:buNone/>
+              <a:defRPr sz="1000"/>
+            </a:lvl7pPr>
+            <a:lvl8pPr marL="3200320" indent="0">
+              <a:buNone/>
+              <a:defRPr sz="1000"/>
+            </a:lvl8pPr>
+            <a:lvl9pPr marL="3657509" indent="0">
+              <a:buNone/>
+              <a:defRPr sz="1000"/>
+            </a:lvl9pPr>
+          </a:lstStyle>
+          <a:p>
+            <a:pPr lvl="0"/>
+            <a:r>
+              <a:rPr lang="en-US"/>
+              <a:t>Click to edit Master text styles</a:t>
+            </a:r>
+          </a:p>
+        </p:txBody>
+      </p:sp>
+      <p:sp>
+        <p:nvSpPr>
+          <p:cNvPr id="5" name="Date Placeholder 4">
+            <a:extLst>
+              <a:ext uri="{FF2B5EF4-FFF2-40B4-BE49-F238E27FC236}">
+                <a16:creationId xmlns:a16="http://schemas.microsoft.com/office/drawing/2014/main" id="{B9016BD1-F4B8-52A4-CBBD-8583177F2280}"/>
+              </a:ext>
+            </a:extLst>
+          </p:cNvPr>
+          <p:cNvSpPr>
+            <a:spLocks noGrp="1"/>
+          </p:cNvSpPr>
+          <p:nvPr>
+            <p:ph type="dt" sz="half" idx="10"/>
+          </p:nvPr>
+        </p:nvSpPr>
+        <p:spPr/>
+        <p:txBody>
+          <a:bodyPr/>
+          <a:lstStyle/>
+          <a:p>
+            <a:fld id="{5B263D6C-6F96-47EC-92FE-711AC68B088E}" type="datetimeFigureOut">
+              <a:rPr lang="en-US" smtClean="0"/>
+              <a:pPr/>
+              <a:t>10/19/25</a:t>
+            </a:fld>
+            <a:endParaRPr lang="en-US"/>
+          </a:p>
+        </p:txBody>
+      </p:sp>
+      <p:sp>
+        <p:nvSpPr>
+          <p:cNvPr id="6" name="Footer Placeholder 5">
+            <a:extLst>
+              <a:ext uri="{FF2B5EF4-FFF2-40B4-BE49-F238E27FC236}">
+                <a16:creationId xmlns:a16="http://schemas.microsoft.com/office/drawing/2014/main" id="{0B680EE9-7A5E-973B-946D-E4889C8F7729}"/>
+              </a:ext>
+            </a:extLst>
+          </p:cNvPr>
+          <p:cNvSpPr>
+            <a:spLocks noGrp="1"/>
+          </p:cNvSpPr>
+          <p:nvPr>
+            <p:ph type="ftr" sz="quarter" idx="11"/>
+          </p:nvPr>
+        </p:nvSpPr>
+        <p:spPr/>
+        <p:txBody>
+          <a:bodyPr/>
+          <a:lstStyle/>
+          <a:p>
+            <a:endParaRPr lang="en-US"/>
+          </a:p>
+        </p:txBody>
+      </p:sp>
+      <p:sp>
+        <p:nvSpPr>
+          <p:cNvPr id="7" name="Slide Number Placeholder 6">
+            <a:extLst>
+              <a:ext uri="{FF2B5EF4-FFF2-40B4-BE49-F238E27FC236}">
+                <a16:creationId xmlns:a16="http://schemas.microsoft.com/office/drawing/2014/main" id="{615C6842-DC1A-8050-8183-D08FB6AFB0EE}"/>
+              </a:ext>
+            </a:extLst>
+          </p:cNvPr>
+          <p:cNvSpPr>
+            <a:spLocks noGrp="1"/>
+          </p:cNvSpPr>
+          <p:nvPr>
+            <p:ph type="sldNum" sz="quarter" idx="12"/>
+          </p:nvPr>
+        </p:nvSpPr>
+        <p:spPr/>
+        <p:txBody>
+          <a:bodyPr/>
+          <a:lstStyle/>
+          <a:p>
+            <a:fld id="{EEAEBAC6-E855-432F-8D78-47178C07C20E}" type="slidenum">
+              <a:rPr lang="en-US" smtClean="0"/>
+              <a:pPr/>
+              <a:t>‹#›</a:t>
+            </a:fld>
+            <a:endParaRPr lang="en-US"/>
+          </a:p>
+        </p:txBody>
+      </p:sp>
+    </p:spTree>
+    <p:extLst>
+      <p:ext uri="{BB962C8B-B14F-4D97-AF65-F5344CB8AC3E}">
+        <p14:creationId xmlns:p14="http://schemas.microsoft.com/office/powerpoint/2010/main" val="1347131595"/>
+      </p:ext>
+    </p:extLst>
+  </p:cSld>
+  <p:clrMapOvr>
+    <a:masterClrMapping/>
+  </p:clrMapOvr>
+</p:sldLayout>
+</file>
+
+<file path=ppt/slideLayouts/slideLayout19.xml><?xml version="1.0" encoding="utf-8"?>
+<p:sldLayout xmlns:a="http://schemas.openxmlformats.org/drawingml/2006/main" xmlns:r="http://schemas.openxmlformats.org/officeDocument/2006/relationships" xmlns:p="http://schemas.openxmlformats.org/presentationml/2006/main" type="vertTx" preserve="1">
+  <p:cSld name="Title and Vertical Text">
+    <p:spTree>
+      <p:nvGrpSpPr>
+        <p:cNvPr id="1" name=""/>
+        <p:cNvGrpSpPr/>
+        <p:nvPr/>
+      </p:nvGrpSpPr>
+      <p:grpSpPr>
+        <a:xfrm>
+          <a:off x="0" y="0"/>
+          <a:ext cx="0" cy="0"/>
+          <a:chOff x="0" y="0"/>
+          <a:chExt cx="0" cy="0"/>
+        </a:xfrm>
+      </p:grpSpPr>
+      <p:sp>
+        <p:nvSpPr>
+          <p:cNvPr id="2" name="Title 1">
+            <a:extLst>
+              <a:ext uri="{FF2B5EF4-FFF2-40B4-BE49-F238E27FC236}">
+                <a16:creationId xmlns:a16="http://schemas.microsoft.com/office/drawing/2014/main" id="{E594D884-C6A4-EF56-2AAB-A2FCB3023D64}"/>
+              </a:ext>
+            </a:extLst>
+          </p:cNvPr>
+          <p:cNvSpPr>
+            <a:spLocks noGrp="1"/>
+          </p:cNvSpPr>
+          <p:nvPr>
+            <p:ph type="title"/>
+          </p:nvPr>
+        </p:nvSpPr>
+        <p:spPr/>
+        <p:txBody>
+          <a:bodyPr/>
+          <a:lstStyle/>
+          <a:p>
+            <a:r>
+              <a:rPr lang="en-US"/>
+              <a:t>Click to edit Master title style</a:t>
+            </a:r>
+          </a:p>
+        </p:txBody>
+      </p:sp>
+      <p:sp>
+        <p:nvSpPr>
+          <p:cNvPr id="3" name="Vertical Text Placeholder 2">
+            <a:extLst>
+              <a:ext uri="{FF2B5EF4-FFF2-40B4-BE49-F238E27FC236}">
+                <a16:creationId xmlns:a16="http://schemas.microsoft.com/office/drawing/2014/main" id="{0926BADA-2A92-73DC-3BC6-B447B46911E2}"/>
+              </a:ext>
+            </a:extLst>
+          </p:cNvPr>
+          <p:cNvSpPr>
+            <a:spLocks noGrp="1"/>
+          </p:cNvSpPr>
+          <p:nvPr>
+            <p:ph type="body" orient="vert" idx="1"/>
+          </p:nvPr>
+        </p:nvSpPr>
+        <p:spPr/>
+        <p:txBody>
+          <a:bodyPr vert="eaVert"/>
+          <a:lstStyle/>
+          <a:p>
+            <a:pPr lvl="0"/>
+            <a:r>
+              <a:rPr lang="en-US"/>
+              <a:t>Click to edit Master text styles</a:t>
+            </a:r>
+          </a:p>
+          <a:p>
+            <a:pPr lvl="1"/>
+            <a:r>
+              <a:rPr lang="en-US"/>
+              <a:t>Second level</a:t>
+            </a:r>
+          </a:p>
+          <a:p>
+            <a:pPr lvl="2"/>
+            <a:r>
+              <a:rPr lang="en-US"/>
+              <a:t>Third level</a:t>
+            </a:r>
+          </a:p>
+          <a:p>
+            <a:pPr lvl="3"/>
+            <a:r>
+              <a:rPr lang="en-US"/>
+              <a:t>Fourth level</a:t>
+            </a:r>
+          </a:p>
+          <a:p>
+            <a:pPr lvl="4"/>
+            <a:r>
+              <a:rPr lang="en-US"/>
+              <a:t>Fifth level</a:t>
+            </a:r>
+          </a:p>
+        </p:txBody>
+      </p:sp>
+      <p:sp>
+        <p:nvSpPr>
+          <p:cNvPr id="4" name="Date Placeholder 3">
+            <a:extLst>
+              <a:ext uri="{FF2B5EF4-FFF2-40B4-BE49-F238E27FC236}">
+                <a16:creationId xmlns:a16="http://schemas.microsoft.com/office/drawing/2014/main" id="{D35774FB-05DD-D876-1CD7-BA28498F7481}"/>
+              </a:ext>
+            </a:extLst>
+          </p:cNvPr>
+          <p:cNvSpPr>
+            <a:spLocks noGrp="1"/>
+          </p:cNvSpPr>
+          <p:nvPr>
+            <p:ph type="dt" sz="half" idx="10"/>
+          </p:nvPr>
+        </p:nvSpPr>
+        <p:spPr/>
+        <p:txBody>
+          <a:bodyPr/>
+          <a:lstStyle/>
+          <a:p>
+            <a:fld id="{5B263D6C-6F96-47EC-92FE-711AC68B088E}" type="datetimeFigureOut">
+              <a:rPr lang="en-US" smtClean="0"/>
+              <a:pPr/>
+              <a:t>10/19/25</a:t>
+            </a:fld>
+            <a:endParaRPr lang="en-US"/>
+          </a:p>
+        </p:txBody>
+      </p:sp>
+      <p:sp>
+        <p:nvSpPr>
+          <p:cNvPr id="5" name="Footer Placeholder 4">
+            <a:extLst>
+              <a:ext uri="{FF2B5EF4-FFF2-40B4-BE49-F238E27FC236}">
+                <a16:creationId xmlns:a16="http://schemas.microsoft.com/office/drawing/2014/main" id="{7A010EDC-A85E-01B7-3972-1B141F1FEF56}"/>
+              </a:ext>
+            </a:extLst>
+          </p:cNvPr>
+          <p:cNvSpPr>
+            <a:spLocks noGrp="1"/>
+          </p:cNvSpPr>
+          <p:nvPr>
+            <p:ph type="ftr" sz="quarter" idx="11"/>
+          </p:nvPr>
+        </p:nvSpPr>
+        <p:spPr/>
+        <p:txBody>
+          <a:bodyPr/>
+          <a:lstStyle/>
+          <a:p>
+            <a:endParaRPr lang="en-US"/>
+          </a:p>
+        </p:txBody>
+      </p:sp>
+      <p:sp>
+        <p:nvSpPr>
+          <p:cNvPr id="6" name="Slide Number Placeholder 5">
+            <a:extLst>
+              <a:ext uri="{FF2B5EF4-FFF2-40B4-BE49-F238E27FC236}">
+                <a16:creationId xmlns:a16="http://schemas.microsoft.com/office/drawing/2014/main" id="{3F128555-301F-2305-428F-57BD6C19D3B5}"/>
+              </a:ext>
+            </a:extLst>
+          </p:cNvPr>
+          <p:cNvSpPr>
+            <a:spLocks noGrp="1"/>
+          </p:cNvSpPr>
+          <p:nvPr>
+            <p:ph type="sldNum" sz="quarter" idx="12"/>
+          </p:nvPr>
+        </p:nvSpPr>
+        <p:spPr/>
+        <p:txBody>
+          <a:bodyPr/>
+          <a:lstStyle/>
+          <a:p>
+            <a:fld id="{EEAEBAC6-E855-432F-8D78-47178C07C20E}" type="slidenum">
+              <a:rPr lang="en-US" smtClean="0"/>
+              <a:pPr/>
+              <a:t>‹#›</a:t>
+            </a:fld>
+            <a:endParaRPr lang="en-US"/>
+          </a:p>
+        </p:txBody>
+      </p:sp>
+    </p:spTree>
+    <p:extLst>
+      <p:ext uri="{BB962C8B-B14F-4D97-AF65-F5344CB8AC3E}">
+        <p14:creationId xmlns:p14="http://schemas.microsoft.com/office/powerpoint/2010/main" val="1613627263"/>
+      </p:ext>
+    </p:extLst>
+  </p:cSld>
+  <p:clrMapOvr>
+    <a:masterClrMapping/>
+  </p:clrMapOvr>
+</p:sldLayout>
+</file>
+
+<file path=ppt/slideLayouts/slideLayout2.xml><?xml version="1.0" encoding="utf-8"?>
+<p:sldLayout xmlns:a="http://schemas.openxmlformats.org/drawingml/2006/main" xmlns:r="http://schemas.openxmlformats.org/officeDocument/2006/relationships" xmlns:p="http://schemas.openxmlformats.org/presentationml/2006/main" type="obj" preserve="1">
+  <p:cSld name="Title and Content">
+    <p:spTree>
+      <p:nvGrpSpPr>
+        <p:cNvPr id="1" name=""/>
+        <p:cNvGrpSpPr/>
+        <p:nvPr/>
+      </p:nvGrpSpPr>
+      <p:grpSpPr>
+        <a:xfrm>
+          <a:off x="0" y="0"/>
+          <a:ext cx="0" cy="0"/>
+          <a:chOff x="0" y="0"/>
+          <a:chExt cx="0" cy="0"/>
+        </a:xfrm>
+      </p:grpSpPr>
+      <p:sp>
+        <p:nvSpPr>
+          <p:cNvPr id="2" name="Title 1">
+            <a:extLst>
+              <a:ext uri="{FF2B5EF4-FFF2-40B4-BE49-F238E27FC236}">
+                <a16:creationId xmlns:a16="http://schemas.microsoft.com/office/drawing/2014/main" id="{A70D3315-D24A-A11B-CFA3-D0BE4A9122FE}"/>
+              </a:ext>
+            </a:extLst>
+          </p:cNvPr>
+          <p:cNvSpPr>
+            <a:spLocks noGrp="1"/>
+          </p:cNvSpPr>
+          <p:nvPr>
+            <p:ph type="title"/>
+          </p:nvPr>
+        </p:nvSpPr>
+        <p:spPr/>
+        <p:txBody>
+          <a:bodyPr>
+            <a:normAutofit/>
+          </a:bodyPr>
+          <a:lstStyle>
+            <a:lvl1pPr>
+              <a:defRPr sz="5400"/>
+            </a:lvl1pPr>
+          </a:lstStyle>
+          <a:p>
+            <a:r>
+              <a:rPr lang="en-US"/>
+              <a:t>Click to edit Master title style</a:t>
+            </a:r>
+            <a:endParaRPr lang="en-US" dirty="0"/>
+          </a:p>
+        </p:txBody>
+      </p:sp>
+      <p:sp>
+        <p:nvSpPr>
+          <p:cNvPr id="3" name="Content Placeholder 2">
+            <a:extLst>
+              <a:ext uri="{FF2B5EF4-FFF2-40B4-BE49-F238E27FC236}">
+                <a16:creationId xmlns:a16="http://schemas.microsoft.com/office/drawing/2014/main" id="{D37475A7-D28E-050E-C4CB-3B69528F65FE}"/>
+              </a:ext>
+            </a:extLst>
+          </p:cNvPr>
+          <p:cNvSpPr>
+            <a:spLocks noGrp="1"/>
+          </p:cNvSpPr>
+          <p:nvPr>
+            <p:ph idx="1"/>
+          </p:nvPr>
+        </p:nvSpPr>
+        <p:spPr/>
+        <p:txBody>
+          <a:bodyPr/>
+          <a:lstStyle/>
+          <a:p>
+            <a:pPr lvl="0"/>
+            <a:r>
+              <a:rPr lang="en-US"/>
+              <a:t>Click to edit Master text styles</a:t>
+            </a:r>
+          </a:p>
+          <a:p>
+            <a:pPr lvl="1"/>
+            <a:r>
+              <a:rPr lang="en-US"/>
+              <a:t>Second level</a:t>
+            </a:r>
+          </a:p>
+          <a:p>
+            <a:pPr lvl="2"/>
+            <a:r>
+              <a:rPr lang="en-US"/>
+              <a:t>Third level</a:t>
+            </a:r>
+          </a:p>
+          <a:p>
+            <a:pPr lvl="3"/>
+            <a:r>
+              <a:rPr lang="en-US"/>
+              <a:t>Fourth level</a:t>
+            </a:r>
+          </a:p>
+          <a:p>
+            <a:pPr lvl="4"/>
+            <a:r>
+              <a:rPr lang="en-US"/>
+              <a:t>Fifth level</a:t>
+            </a:r>
+            <a:endParaRPr lang="en-US" dirty="0"/>
+          </a:p>
+        </p:txBody>
+      </p:sp>
+      <p:sp>
+        <p:nvSpPr>
+          <p:cNvPr id="4" name="Date Placeholder 3">
+            <a:extLst>
+              <a:ext uri="{FF2B5EF4-FFF2-40B4-BE49-F238E27FC236}">
+                <a16:creationId xmlns:a16="http://schemas.microsoft.com/office/drawing/2014/main" id="{809A45B7-19E4-11C2-112B-BC01231EF277}"/>
+              </a:ext>
+            </a:extLst>
+          </p:cNvPr>
+          <p:cNvSpPr>
+            <a:spLocks noGrp="1"/>
+          </p:cNvSpPr>
+          <p:nvPr>
+            <p:ph type="dt" sz="half" idx="10"/>
+          </p:nvPr>
+        </p:nvSpPr>
+        <p:spPr/>
+        <p:txBody>
+          <a:bodyPr/>
+          <a:lstStyle/>
+          <a:p>
+            <a:fld id="{7696AA18-7D70-BD4D-B213-B24785A38CE8}" type="datetimeFigureOut">
+              <a:rPr lang="en-US" smtClean="0"/>
+              <a:t>10/19/25</a:t>
+            </a:fld>
+            <a:endParaRPr lang="en-US"/>
+          </a:p>
+        </p:txBody>
+      </p:sp>
+      <p:sp>
+        <p:nvSpPr>
+          <p:cNvPr id="5" name="Footer Placeholder 4">
+            <a:extLst>
+              <a:ext uri="{FF2B5EF4-FFF2-40B4-BE49-F238E27FC236}">
+                <a16:creationId xmlns:a16="http://schemas.microsoft.com/office/drawing/2014/main" id="{24533303-48D0-B635-5CCA-EC9B3E901F7C}"/>
+              </a:ext>
+            </a:extLst>
+          </p:cNvPr>
+          <p:cNvSpPr>
+            <a:spLocks noGrp="1"/>
+          </p:cNvSpPr>
+          <p:nvPr>
+            <p:ph type="ftr" sz="quarter" idx="11"/>
+          </p:nvPr>
+        </p:nvSpPr>
+        <p:spPr/>
+        <p:txBody>
+          <a:bodyPr/>
+          <a:lstStyle/>
+          <a:p>
+            <a:endParaRPr lang="en-US"/>
+          </a:p>
+        </p:txBody>
+      </p:sp>
+      <p:sp>
+        <p:nvSpPr>
+          <p:cNvPr id="6" name="Slide Number Placeholder 5">
+            <a:extLst>
+              <a:ext uri="{FF2B5EF4-FFF2-40B4-BE49-F238E27FC236}">
+                <a16:creationId xmlns:a16="http://schemas.microsoft.com/office/drawing/2014/main" id="{DDFACDBB-BBDD-A7F6-F6F1-B98EB87F2594}"/>
+              </a:ext>
+            </a:extLst>
+          </p:cNvPr>
+          <p:cNvSpPr>
+            <a:spLocks noGrp="1"/>
+          </p:cNvSpPr>
+          <p:nvPr>
+            <p:ph type="sldNum" sz="quarter" idx="12"/>
+          </p:nvPr>
+        </p:nvSpPr>
+        <p:spPr/>
+        <p:txBody>
+          <a:bodyPr/>
+          <a:lstStyle/>
+          <a:p>
+            <a:fld id="{FE9F33D6-B010-AA4D-AC56-DEB52284276D}" type="slidenum">
+              <a:rPr lang="en-US" smtClean="0"/>
+              <a:t>‹#›</a:t>
+            </a:fld>
+            <a:endParaRPr lang="en-US"/>
+          </a:p>
+        </p:txBody>
+      </p:sp>
+    </p:spTree>
+    <p:extLst>
+      <p:ext uri="{BB962C8B-B14F-4D97-AF65-F5344CB8AC3E}">
+        <p14:creationId xmlns:p14="http://schemas.microsoft.com/office/powerpoint/2010/main" val="2180865182"/>
+      </p:ext>
+    </p:extLst>
+  </p:cSld>
+  <p:clrMapOvr>
+    <a:masterClrMapping/>
+  </p:clrMapOvr>
+</p:sldLayout>
+</file>
+
+<file path=ppt/slideLayouts/slideLayout20.xml><?xml version="1.0" encoding="utf-8"?>
+<p:sldLayout xmlns:a="http://schemas.openxmlformats.org/drawingml/2006/main" xmlns:r="http://schemas.openxmlformats.org/officeDocument/2006/relationships" xmlns:p="http://schemas.openxmlformats.org/presentationml/2006/main" type="vertTitleAndTx" preserve="1">
+  <p:cSld name="Vertical Title and Text">
+    <p:spTree>
+      <p:nvGrpSpPr>
+        <p:cNvPr id="1" name=""/>
+        <p:cNvGrpSpPr/>
+        <p:nvPr/>
+      </p:nvGrpSpPr>
+      <p:grpSpPr>
+        <a:xfrm>
+          <a:off x="0" y="0"/>
+          <a:ext cx="0" cy="0"/>
+          <a:chOff x="0" y="0"/>
+          <a:chExt cx="0" cy="0"/>
+        </a:xfrm>
+      </p:grpSpPr>
+      <p:sp>
+        <p:nvSpPr>
+          <p:cNvPr id="2" name="Vertical Title 1">
+            <a:extLst>
+              <a:ext uri="{FF2B5EF4-FFF2-40B4-BE49-F238E27FC236}">
+                <a16:creationId xmlns:a16="http://schemas.microsoft.com/office/drawing/2014/main" id="{7C9C42ED-8534-2EA5-3D6E-A053A1094742}"/>
+              </a:ext>
+            </a:extLst>
+          </p:cNvPr>
+          <p:cNvSpPr>
+            <a:spLocks noGrp="1"/>
+          </p:cNvSpPr>
+          <p:nvPr>
+            <p:ph type="title" orient="vert"/>
+          </p:nvPr>
+        </p:nvSpPr>
+        <p:spPr>
+          <a:xfrm>
+            <a:off x="8724901" y="365124"/>
+            <a:ext cx="2628900" cy="5811839"/>
+          </a:xfrm>
+        </p:spPr>
+        <p:txBody>
+          <a:bodyPr vert="eaVert"/>
+          <a:lstStyle/>
+          <a:p>
+            <a:r>
+              <a:rPr lang="en-US"/>
+              <a:t>Click to edit Master title style</a:t>
+            </a:r>
+          </a:p>
+        </p:txBody>
+      </p:sp>
+      <p:sp>
+        <p:nvSpPr>
+          <p:cNvPr id="3" name="Vertical Text Placeholder 2">
+            <a:extLst>
+              <a:ext uri="{FF2B5EF4-FFF2-40B4-BE49-F238E27FC236}">
+                <a16:creationId xmlns:a16="http://schemas.microsoft.com/office/drawing/2014/main" id="{460679FB-BBF0-D510-CB15-AF600CCBF0C7}"/>
+              </a:ext>
+            </a:extLst>
+          </p:cNvPr>
+          <p:cNvSpPr>
+            <a:spLocks noGrp="1"/>
+          </p:cNvSpPr>
+          <p:nvPr>
+            <p:ph type="body" orient="vert" idx="1"/>
+          </p:nvPr>
+        </p:nvSpPr>
+        <p:spPr>
+          <a:xfrm>
+            <a:off x="838201" y="365124"/>
+            <a:ext cx="7734300" cy="5811839"/>
+          </a:xfrm>
+        </p:spPr>
+        <p:txBody>
+          <a:bodyPr vert="eaVert"/>
+          <a:lstStyle/>
+          <a:p>
+            <a:pPr lvl="0"/>
+            <a:r>
+              <a:rPr lang="en-US"/>
+              <a:t>Click to edit Master text styles</a:t>
+            </a:r>
+          </a:p>
+          <a:p>
+            <a:pPr lvl="1"/>
+            <a:r>
+              <a:rPr lang="en-US"/>
+              <a:t>Second level</a:t>
+            </a:r>
+          </a:p>
+          <a:p>
+            <a:pPr lvl="2"/>
+            <a:r>
+              <a:rPr lang="en-US"/>
+              <a:t>Third level</a:t>
+            </a:r>
+          </a:p>
+          <a:p>
+            <a:pPr lvl="3"/>
+            <a:r>
+              <a:rPr lang="en-US"/>
+              <a:t>Fourth level</a:t>
+            </a:r>
+          </a:p>
+          <a:p>
+            <a:pPr lvl="4"/>
+            <a:r>
+              <a:rPr lang="en-US"/>
+              <a:t>Fifth level</a:t>
+            </a:r>
+          </a:p>
+        </p:txBody>
+      </p:sp>
+      <p:sp>
+        <p:nvSpPr>
+          <p:cNvPr id="4" name="Date Placeholder 3">
+            <a:extLst>
+              <a:ext uri="{FF2B5EF4-FFF2-40B4-BE49-F238E27FC236}">
+                <a16:creationId xmlns:a16="http://schemas.microsoft.com/office/drawing/2014/main" id="{5B0D9085-0EDF-64A8-2129-4921152DE6DC}"/>
+              </a:ext>
+            </a:extLst>
+          </p:cNvPr>
+          <p:cNvSpPr>
+            <a:spLocks noGrp="1"/>
+          </p:cNvSpPr>
+          <p:nvPr>
+            <p:ph type="dt" sz="half" idx="10"/>
+          </p:nvPr>
+        </p:nvSpPr>
+        <p:spPr/>
+        <p:txBody>
+          <a:bodyPr/>
+          <a:lstStyle/>
+          <a:p>
+            <a:fld id="{5B263D6C-6F96-47EC-92FE-711AC68B088E}" type="datetimeFigureOut">
+              <a:rPr lang="en-US" smtClean="0"/>
+              <a:pPr/>
+              <a:t>10/19/25</a:t>
+            </a:fld>
+            <a:endParaRPr lang="en-US"/>
+          </a:p>
+        </p:txBody>
+      </p:sp>
+      <p:sp>
+        <p:nvSpPr>
+          <p:cNvPr id="5" name="Footer Placeholder 4">
+            <a:extLst>
+              <a:ext uri="{FF2B5EF4-FFF2-40B4-BE49-F238E27FC236}">
+                <a16:creationId xmlns:a16="http://schemas.microsoft.com/office/drawing/2014/main" id="{57F51A78-63D5-A3DF-69B0-A174A36A9529}"/>
+              </a:ext>
+            </a:extLst>
+          </p:cNvPr>
+          <p:cNvSpPr>
+            <a:spLocks noGrp="1"/>
+          </p:cNvSpPr>
+          <p:nvPr>
+            <p:ph type="ftr" sz="quarter" idx="11"/>
+          </p:nvPr>
+        </p:nvSpPr>
+        <p:spPr/>
+        <p:txBody>
+          <a:bodyPr/>
+          <a:lstStyle/>
+          <a:p>
+            <a:endParaRPr lang="en-US"/>
+          </a:p>
+        </p:txBody>
+      </p:sp>
+      <p:sp>
+        <p:nvSpPr>
+          <p:cNvPr id="6" name="Slide Number Placeholder 5">
+            <a:extLst>
+              <a:ext uri="{FF2B5EF4-FFF2-40B4-BE49-F238E27FC236}">
+                <a16:creationId xmlns:a16="http://schemas.microsoft.com/office/drawing/2014/main" id="{3A888DB6-EF8C-B160-9C94-F81004E7CB1F}"/>
+              </a:ext>
+            </a:extLst>
+          </p:cNvPr>
+          <p:cNvSpPr>
+            <a:spLocks noGrp="1"/>
+          </p:cNvSpPr>
+          <p:nvPr>
+            <p:ph type="sldNum" sz="quarter" idx="12"/>
+          </p:nvPr>
+        </p:nvSpPr>
+        <p:spPr/>
+        <p:txBody>
+          <a:bodyPr/>
+          <a:lstStyle/>
+          <a:p>
+            <a:fld id="{EEAEBAC6-E855-432F-8D78-47178C07C20E}" type="slidenum">
+              <a:rPr lang="en-US" smtClean="0"/>
+              <a:pPr/>
+              <a:t>‹#›</a:t>
+            </a:fld>
+            <a:endParaRPr lang="en-US"/>
+          </a:p>
+        </p:txBody>
+      </p:sp>
+    </p:spTree>
+    <p:extLst>
+      <p:ext uri="{BB962C8B-B14F-4D97-AF65-F5344CB8AC3E}">
+        <p14:creationId xmlns:p14="http://schemas.microsoft.com/office/powerpoint/2010/main" val="1274002036"/>
+      </p:ext>
+    </p:extLst>
+  </p:cSld>
+  <p:clrMapOvr>
+    <a:masterClrMapping/>
+  </p:clrMapOvr>
+</p:sldLayout>
+</file>
+
+<file path=ppt/slideLayouts/slideLayout21.xml><?xml version="1.0" encoding="utf-8"?>
 <p:sldLayout xmlns:a="http://schemas.openxmlformats.org/drawingml/2006/main" xmlns:r="http://schemas.openxmlformats.org/officeDocument/2006/relationships" xmlns:p="http://schemas.openxmlformats.org/presentationml/2006/main" userDrawn="1">
   <p:cSld name="1_국청컨용 슬라이드 마스터">
     <p:bg>
@@ -846,6 +3780,53 @@
       </p:grpSpPr>
       <p:sp>
         <p:nvSpPr>
+          <p:cNvPr id="2" name="제목 1"/>
+          <p:cNvSpPr>
+            <a:spLocks noGrp="1"/>
+          </p:cNvSpPr>
+          <p:nvPr>
+            <p:ph type="ctrTitle" hasCustomPrompt="1"/>
+          </p:nvPr>
+        </p:nvSpPr>
+        <p:spPr>
+          <a:xfrm>
+            <a:off x="0" y="3044959"/>
+            <a:ext cx="12192000" cy="1347021"/>
+          </a:xfrm>
+        </p:spPr>
+        <p:txBody>
+          <a:bodyPr anchor="t">
+            <a:normAutofit/>
+          </a:bodyPr>
+          <a:lstStyle>
+            <a:lvl1pPr latinLnBrk="0">
+              <a:defRPr sz="5333" b="1">
+                <a:solidFill>
+                  <a:schemeClr val="bg1"/>
+                </a:solidFill>
+                <a:latin typeface="다음_Regular" panose="02000603060000000000" pitchFamily="2" charset="-127"/>
+                <a:ea typeface="다음_Regular" panose="02000603060000000000" pitchFamily="2" charset="-127"/>
+              </a:defRPr>
+            </a:lvl1pPr>
+          </a:lstStyle>
+          <a:p>
+            <a:r>
+              <a:rPr lang="en-US" altLang="ko-KR" dirty="0"/>
+              <a:t>#1 Korean</a:t>
+            </a:r>
+            <a:br>
+              <a:rPr lang="en-US" altLang="ko-KR" dirty="0"/>
+            </a:br>
+            <a:r>
+              <a:rPr lang="en-US" altLang="ko-KR" dirty="0"/>
+              <a:t>&amp;Reference</a:t>
+            </a:r>
+            <a:endParaRPr lang="ko-KR" altLang="en-US" dirty="0"/>
+          </a:p>
+        </p:txBody>
+      </p:sp>
+      <p:sp>
+        <p:nvSpPr>
           <p:cNvPr id="14" name="텍스트 개체 틀 13"/>
           <p:cNvSpPr>
             <a:spLocks noGrp="1"/>
@@ -895,7 +3876,7 @@
     </p:spTree>
     <p:extLst>
       <p:ext uri="{BB962C8B-B14F-4D97-AF65-F5344CB8AC3E}">
-        <p14:creationId xmlns:p14="http://schemas.microsoft.com/office/powerpoint/2010/main" val="1704822729"/>
+        <p14:creationId xmlns:p14="http://schemas.microsoft.com/office/powerpoint/2010/main" val="3693666131"/>
       </p:ext>
     </p:extLst>
   </p:cSld>
@@ -905,9 +3886,9 @@
 </p:sldLayout>
 </file>
 
-<file path=ppt/slideLayouts/slideLayout2.xml><?xml version="1.0" encoding="utf-8"?>
+<file path=ppt/slideLayouts/slideLayout22.xml><?xml version="1.0" encoding="utf-8"?>
 <p:sldLayout xmlns:a="http://schemas.openxmlformats.org/drawingml/2006/main" xmlns:r="http://schemas.openxmlformats.org/officeDocument/2006/relationships" xmlns:p="http://schemas.openxmlformats.org/presentationml/2006/main" userDrawn="1">
-  <p:cSld name="1_국청컨용 슬라이드 마스터">
+  <p:cSld name="3_국청컨용 슬라이드 마스터">
     <p:bg>
       <p:bgPr>
         <a:solidFill>
@@ -932,53 +3913,6 @@
       </p:grpSpPr>
       <p:sp>
         <p:nvSpPr>
-          <p:cNvPr id="2" name="제목 1"/>
-          <p:cNvSpPr>
-            <a:spLocks noGrp="1"/>
-          </p:cNvSpPr>
-          <p:nvPr>
-            <p:ph type="ctrTitle" hasCustomPrompt="1"/>
-          </p:nvPr>
-        </p:nvSpPr>
-        <p:spPr>
-          <a:xfrm>
-            <a:off x="0" y="3044958"/>
-            <a:ext cx="12192000" cy="1347021"/>
-          </a:xfrm>
-        </p:spPr>
-        <p:txBody>
-          <a:bodyPr anchor="t">
-            <a:normAutofit/>
-          </a:bodyPr>
-          <a:lstStyle>
-            <a:lvl1pPr latinLnBrk="0">
-              <a:defRPr sz="5333" b="1">
-                <a:solidFill>
-                  <a:schemeClr val="bg1"/>
-                </a:solidFill>
-                <a:latin typeface="다음_Regular" panose="02000603060000000000" pitchFamily="2" charset="-127"/>
-                <a:ea typeface="다음_Regular" panose="02000603060000000000" pitchFamily="2" charset="-127"/>
-              </a:defRPr>
-            </a:lvl1pPr>
-          </a:lstStyle>
-          <a:p>
-            <a:r>
-              <a:rPr lang="en-US" altLang="ko-KR" dirty="0"/>
-              <a:t>#1 Korean</a:t>
-            </a:r>
-            <a:br>
-              <a:rPr lang="en-US" altLang="ko-KR" dirty="0"/>
-            </a:br>
-            <a:r>
-              <a:rPr lang="en-US" altLang="ko-KR" dirty="0"/>
-              <a:t>&amp;Reference</a:t>
-            </a:r>
-            <a:endParaRPr lang="ko-KR" altLang="en-US" dirty="0"/>
-          </a:p>
-        </p:txBody>
-      </p:sp>
-      <p:sp>
-        <p:nvSpPr>
           <p:cNvPr id="14" name="텍스트 개체 틀 13"/>
           <p:cNvSpPr>
             <a:spLocks noGrp="1"/>
@@ -1028,7 +3962,7 @@
     </p:spTree>
     <p:extLst>
       <p:ext uri="{BB962C8B-B14F-4D97-AF65-F5344CB8AC3E}">
-        <p14:creationId xmlns:p14="http://schemas.microsoft.com/office/powerpoint/2010/main" val="2815102815"/>
+        <p14:creationId xmlns:p14="http://schemas.microsoft.com/office/powerpoint/2010/main" val="2932069345"/>
       </p:ext>
     </p:extLst>
   </p:cSld>
@@ -1038,13 +3972,16 @@
 </p:sldLayout>
 </file>
 
-<file path=ppt/slideMasters/slideMaster1.xml><?xml version="1.0" encoding="utf-8"?>
-<p:sldMaster xmlns:a="http://schemas.openxmlformats.org/drawingml/2006/main" xmlns:r="http://schemas.openxmlformats.org/officeDocument/2006/relationships" xmlns:p="http://schemas.openxmlformats.org/presentationml/2006/main">
-  <p:cSld>
+<file path=ppt/slideLayouts/slideLayout23.xml><?xml version="1.0" encoding="utf-8"?>
+<p:sldLayout xmlns:a="http://schemas.openxmlformats.org/drawingml/2006/main" xmlns:r="http://schemas.openxmlformats.org/officeDocument/2006/relationships" xmlns:p="http://schemas.openxmlformats.org/presentationml/2006/main" userDrawn="1">
+  <p:cSld name="4_국청컨용 슬라이드 마스터">
     <p:bg>
-      <p:bgRef idx="1001">
-        <a:schemeClr val="bg1"/>
-      </p:bgRef>
+      <p:bgPr>
+        <a:solidFill>
+          <a:schemeClr val="tx1"/>
+        </a:solidFill>
+        <a:effectLst/>
+      </p:bgPr>
     </p:bg>
     <p:spTree>
       <p:nvGrpSpPr>
@@ -1062,18 +3999,2317 @@
       </p:grpSpPr>
       <p:sp>
         <p:nvSpPr>
-          <p:cNvPr id="2" name="제목 개체 틀 1"/>
-          <p:cNvSpPr>
-            <a:spLocks noGrp="1"/>
-          </p:cNvSpPr>
-          <p:nvPr>
-            <p:ph type="title"/>
+          <p:cNvPr id="14" name="텍스트 개체 틀 13"/>
+          <p:cNvSpPr>
+            <a:spLocks noGrp="1"/>
+          </p:cNvSpPr>
+          <p:nvPr>
+            <p:ph type="body" sz="quarter" idx="10" hasCustomPrompt="1"/>
           </p:nvPr>
         </p:nvSpPr>
         <p:spPr>
           <a:xfrm>
-            <a:off x="609600" y="274639"/>
-            <a:ext cx="10972800" cy="1143000"/>
+            <a:off x="-992" y="666659"/>
+            <a:ext cx="12193984" cy="2160000"/>
+          </a:xfrm>
+        </p:spPr>
+        <p:txBody>
+          <a:bodyPr anchor="b">
+            <a:normAutofit/>
+          </a:bodyPr>
+          <a:lstStyle>
+            <a:lvl1pPr marL="0" indent="0" algn="ctr" latinLnBrk="0">
+              <a:lnSpc>
+                <a:spcPct val="90000"/>
+              </a:lnSpc>
+              <a:spcBef>
+                <a:spcPts val="0"/>
+              </a:spcBef>
+              <a:buNone/>
+              <a:defRPr sz="5867" b="1">
+                <a:solidFill>
+                  <a:schemeClr val="bg1"/>
+                </a:solidFill>
+                <a:latin typeface="Calibri" panose="020F0502020204030204" pitchFamily="34" charset="0"/>
+                <a:cs typeface="Arial" panose="020B0604020202020204" pitchFamily="34" charset="0"/>
+              </a:defRPr>
+            </a:lvl1pPr>
+          </a:lstStyle>
+          <a:p>
+            <a:pPr lvl="0"/>
+            <a:r>
+              <a:rPr lang="en-US" altLang="ko-KR" dirty="0"/>
+              <a:t>#2 English</a:t>
+            </a:r>
+            <a:endParaRPr lang="ko-KR" altLang="en-US" dirty="0"/>
+          </a:p>
+        </p:txBody>
+      </p:sp>
+    </p:spTree>
+    <p:extLst>
+      <p:ext uri="{BB962C8B-B14F-4D97-AF65-F5344CB8AC3E}">
+        <p14:creationId xmlns:p14="http://schemas.microsoft.com/office/powerpoint/2010/main" val="1475649753"/>
+      </p:ext>
+    </p:extLst>
+  </p:cSld>
+  <p:clrMapOvr>
+    <a:masterClrMapping/>
+  </p:clrMapOvr>
+</p:sldLayout>
+</file>
+
+<file path=ppt/slideLayouts/slideLayout24.xml><?xml version="1.0" encoding="utf-8"?>
+<p:sldLayout xmlns:a="http://schemas.openxmlformats.org/drawingml/2006/main" xmlns:r="http://schemas.openxmlformats.org/officeDocument/2006/relationships" xmlns:p="http://schemas.openxmlformats.org/presentationml/2006/main" userDrawn="1">
+  <p:cSld name="5_국청컨용 슬라이드 마스터">
+    <p:bg>
+      <p:bgPr>
+        <a:solidFill>
+          <a:schemeClr val="tx1"/>
+        </a:solidFill>
+        <a:effectLst/>
+      </p:bgPr>
+    </p:bg>
+    <p:spTree>
+      <p:nvGrpSpPr>
+        <p:cNvPr id="1" name=""/>
+        <p:cNvGrpSpPr/>
+        <p:nvPr/>
+      </p:nvGrpSpPr>
+      <p:grpSpPr>
+        <a:xfrm>
+          <a:off x="0" y="0"/>
+          <a:ext cx="0" cy="0"/>
+          <a:chOff x="0" y="0"/>
+          <a:chExt cx="0" cy="0"/>
+        </a:xfrm>
+      </p:grpSpPr>
+      <p:sp>
+        <p:nvSpPr>
+          <p:cNvPr id="14" name="텍스트 개체 틀 13"/>
+          <p:cNvSpPr>
+            <a:spLocks noGrp="1"/>
+          </p:cNvSpPr>
+          <p:nvPr>
+            <p:ph type="body" sz="quarter" idx="10" hasCustomPrompt="1"/>
+          </p:nvPr>
+        </p:nvSpPr>
+        <p:spPr>
+          <a:xfrm>
+            <a:off x="-992" y="666659"/>
+            <a:ext cx="12193984" cy="2160000"/>
+          </a:xfrm>
+        </p:spPr>
+        <p:txBody>
+          <a:bodyPr anchor="b">
+            <a:normAutofit/>
+          </a:bodyPr>
+          <a:lstStyle>
+            <a:lvl1pPr marL="0" indent="0" algn="ctr" latinLnBrk="0">
+              <a:lnSpc>
+                <a:spcPct val="90000"/>
+              </a:lnSpc>
+              <a:spcBef>
+                <a:spcPts val="0"/>
+              </a:spcBef>
+              <a:buNone/>
+              <a:defRPr sz="5867" b="1">
+                <a:solidFill>
+                  <a:schemeClr val="bg1"/>
+                </a:solidFill>
+                <a:latin typeface="Calibri" panose="020F0502020204030204" pitchFamily="34" charset="0"/>
+                <a:cs typeface="Arial" panose="020B0604020202020204" pitchFamily="34" charset="0"/>
+              </a:defRPr>
+            </a:lvl1pPr>
+          </a:lstStyle>
+          <a:p>
+            <a:pPr lvl="0"/>
+            <a:r>
+              <a:rPr lang="en-US" altLang="ko-KR" dirty="0"/>
+              <a:t>#2 English</a:t>
+            </a:r>
+            <a:endParaRPr lang="ko-KR" altLang="en-US" dirty="0"/>
+          </a:p>
+        </p:txBody>
+      </p:sp>
+    </p:spTree>
+    <p:extLst>
+      <p:ext uri="{BB962C8B-B14F-4D97-AF65-F5344CB8AC3E}">
+        <p14:creationId xmlns:p14="http://schemas.microsoft.com/office/powerpoint/2010/main" val="2379605664"/>
+      </p:ext>
+    </p:extLst>
+  </p:cSld>
+  <p:clrMapOvr>
+    <a:masterClrMapping/>
+  </p:clrMapOvr>
+</p:sldLayout>
+</file>
+
+<file path=ppt/slideLayouts/slideLayout25.xml><?xml version="1.0" encoding="utf-8"?>
+<p:sldLayout xmlns:a="http://schemas.openxmlformats.org/drawingml/2006/main" xmlns:r="http://schemas.openxmlformats.org/officeDocument/2006/relationships" xmlns:p="http://schemas.openxmlformats.org/presentationml/2006/main" userDrawn="1">
+  <p:cSld name="6_국청컨용 슬라이드 마스터">
+    <p:bg>
+      <p:bgPr>
+        <a:solidFill>
+          <a:schemeClr val="tx1"/>
+        </a:solidFill>
+        <a:effectLst/>
+      </p:bgPr>
+    </p:bg>
+    <p:spTree>
+      <p:nvGrpSpPr>
+        <p:cNvPr id="1" name=""/>
+        <p:cNvGrpSpPr/>
+        <p:nvPr/>
+      </p:nvGrpSpPr>
+      <p:grpSpPr>
+        <a:xfrm>
+          <a:off x="0" y="0"/>
+          <a:ext cx="0" cy="0"/>
+          <a:chOff x="0" y="0"/>
+          <a:chExt cx="0" cy="0"/>
+        </a:xfrm>
+      </p:grpSpPr>
+      <p:sp>
+        <p:nvSpPr>
+          <p:cNvPr id="14" name="텍스트 개체 틀 13"/>
+          <p:cNvSpPr>
+            <a:spLocks noGrp="1"/>
+          </p:cNvSpPr>
+          <p:nvPr>
+            <p:ph type="body" sz="quarter" idx="10" hasCustomPrompt="1"/>
+          </p:nvPr>
+        </p:nvSpPr>
+        <p:spPr>
+          <a:xfrm>
+            <a:off x="-992" y="666659"/>
+            <a:ext cx="12193984" cy="2160000"/>
+          </a:xfrm>
+        </p:spPr>
+        <p:txBody>
+          <a:bodyPr anchor="b">
+            <a:normAutofit/>
+          </a:bodyPr>
+          <a:lstStyle>
+            <a:lvl1pPr marL="0" indent="0" algn="ctr" latinLnBrk="0">
+              <a:lnSpc>
+                <a:spcPct val="90000"/>
+              </a:lnSpc>
+              <a:spcBef>
+                <a:spcPts val="0"/>
+              </a:spcBef>
+              <a:buNone/>
+              <a:defRPr sz="5867" b="1">
+                <a:solidFill>
+                  <a:schemeClr val="bg1"/>
+                </a:solidFill>
+                <a:latin typeface="Calibri" panose="020F0502020204030204" pitchFamily="34" charset="0"/>
+                <a:cs typeface="Arial" panose="020B0604020202020204" pitchFamily="34" charset="0"/>
+              </a:defRPr>
+            </a:lvl1pPr>
+          </a:lstStyle>
+          <a:p>
+            <a:pPr lvl="0"/>
+            <a:r>
+              <a:rPr lang="en-US" altLang="ko-KR" dirty="0"/>
+              <a:t>#2 English</a:t>
+            </a:r>
+            <a:endParaRPr lang="ko-KR" altLang="en-US" dirty="0"/>
+          </a:p>
+        </p:txBody>
+      </p:sp>
+    </p:spTree>
+    <p:extLst>
+      <p:ext uri="{BB962C8B-B14F-4D97-AF65-F5344CB8AC3E}">
+        <p14:creationId xmlns:p14="http://schemas.microsoft.com/office/powerpoint/2010/main" val="2069789146"/>
+      </p:ext>
+    </p:extLst>
+  </p:cSld>
+  <p:clrMapOvr>
+    <a:masterClrMapping/>
+  </p:clrMapOvr>
+</p:sldLayout>
+</file>
+
+<file path=ppt/slideLayouts/slideLayout26.xml><?xml version="1.0" encoding="utf-8"?>
+<p:sldLayout xmlns:a="http://schemas.openxmlformats.org/drawingml/2006/main" xmlns:r="http://schemas.openxmlformats.org/officeDocument/2006/relationships" xmlns:p="http://schemas.openxmlformats.org/presentationml/2006/main" userDrawn="1">
+  <p:cSld name="7_국청컨용 슬라이드 마스터">
+    <p:bg>
+      <p:bgPr>
+        <a:solidFill>
+          <a:schemeClr val="tx1"/>
+        </a:solidFill>
+        <a:effectLst/>
+      </p:bgPr>
+    </p:bg>
+    <p:spTree>
+      <p:nvGrpSpPr>
+        <p:cNvPr id="1" name=""/>
+        <p:cNvGrpSpPr/>
+        <p:nvPr/>
+      </p:nvGrpSpPr>
+      <p:grpSpPr>
+        <a:xfrm>
+          <a:off x="0" y="0"/>
+          <a:ext cx="0" cy="0"/>
+          <a:chOff x="0" y="0"/>
+          <a:chExt cx="0" cy="0"/>
+        </a:xfrm>
+      </p:grpSpPr>
+      <p:sp>
+        <p:nvSpPr>
+          <p:cNvPr id="14" name="텍스트 개체 틀 13"/>
+          <p:cNvSpPr>
+            <a:spLocks noGrp="1"/>
+          </p:cNvSpPr>
+          <p:nvPr>
+            <p:ph type="body" sz="quarter" idx="10" hasCustomPrompt="1"/>
+          </p:nvPr>
+        </p:nvSpPr>
+        <p:spPr>
+          <a:xfrm>
+            <a:off x="-992" y="666659"/>
+            <a:ext cx="12193984" cy="2160000"/>
+          </a:xfrm>
+        </p:spPr>
+        <p:txBody>
+          <a:bodyPr anchor="b">
+            <a:normAutofit/>
+          </a:bodyPr>
+          <a:lstStyle>
+            <a:lvl1pPr marL="0" indent="0" algn="ctr" latinLnBrk="0">
+              <a:lnSpc>
+                <a:spcPct val="90000"/>
+              </a:lnSpc>
+              <a:spcBef>
+                <a:spcPts val="0"/>
+              </a:spcBef>
+              <a:buNone/>
+              <a:defRPr sz="5867" b="1">
+                <a:solidFill>
+                  <a:schemeClr val="bg1"/>
+                </a:solidFill>
+                <a:latin typeface="Calibri" panose="020F0502020204030204" pitchFamily="34" charset="0"/>
+                <a:cs typeface="Arial" panose="020B0604020202020204" pitchFamily="34" charset="0"/>
+              </a:defRPr>
+            </a:lvl1pPr>
+          </a:lstStyle>
+          <a:p>
+            <a:pPr lvl="0"/>
+            <a:r>
+              <a:rPr lang="en-US" altLang="ko-KR" dirty="0"/>
+              <a:t>#2 English</a:t>
+            </a:r>
+            <a:endParaRPr lang="ko-KR" altLang="en-US" dirty="0"/>
+          </a:p>
+        </p:txBody>
+      </p:sp>
+    </p:spTree>
+    <p:extLst>
+      <p:ext uri="{BB962C8B-B14F-4D97-AF65-F5344CB8AC3E}">
+        <p14:creationId xmlns:p14="http://schemas.microsoft.com/office/powerpoint/2010/main" val="3230390379"/>
+      </p:ext>
+    </p:extLst>
+  </p:cSld>
+  <p:clrMapOvr>
+    <a:masterClrMapping/>
+  </p:clrMapOvr>
+</p:sldLayout>
+</file>
+
+<file path=ppt/slideLayouts/slideLayout27.xml><?xml version="1.0" encoding="utf-8"?>
+<p:sldLayout xmlns:a="http://schemas.openxmlformats.org/drawingml/2006/main" xmlns:r="http://schemas.openxmlformats.org/officeDocument/2006/relationships" xmlns:p="http://schemas.openxmlformats.org/presentationml/2006/main" userDrawn="1">
+  <p:cSld name="8_국청컨용 슬라이드 마스터">
+    <p:bg>
+      <p:bgPr>
+        <a:solidFill>
+          <a:schemeClr val="tx1"/>
+        </a:solidFill>
+        <a:effectLst/>
+      </p:bgPr>
+    </p:bg>
+    <p:spTree>
+      <p:nvGrpSpPr>
+        <p:cNvPr id="1" name=""/>
+        <p:cNvGrpSpPr/>
+        <p:nvPr/>
+      </p:nvGrpSpPr>
+      <p:grpSpPr>
+        <a:xfrm>
+          <a:off x="0" y="0"/>
+          <a:ext cx="0" cy="0"/>
+          <a:chOff x="0" y="0"/>
+          <a:chExt cx="0" cy="0"/>
+        </a:xfrm>
+      </p:grpSpPr>
+      <p:sp>
+        <p:nvSpPr>
+          <p:cNvPr id="14" name="텍스트 개체 틀 13"/>
+          <p:cNvSpPr>
+            <a:spLocks noGrp="1"/>
+          </p:cNvSpPr>
+          <p:nvPr>
+            <p:ph type="body" sz="quarter" idx="10" hasCustomPrompt="1"/>
+          </p:nvPr>
+        </p:nvSpPr>
+        <p:spPr>
+          <a:xfrm>
+            <a:off x="-992" y="666659"/>
+            <a:ext cx="12193984" cy="2160000"/>
+          </a:xfrm>
+        </p:spPr>
+        <p:txBody>
+          <a:bodyPr anchor="b">
+            <a:normAutofit/>
+          </a:bodyPr>
+          <a:lstStyle>
+            <a:lvl1pPr marL="0" indent="0" algn="ctr" latinLnBrk="0">
+              <a:lnSpc>
+                <a:spcPct val="90000"/>
+              </a:lnSpc>
+              <a:spcBef>
+                <a:spcPts val="0"/>
+              </a:spcBef>
+              <a:buNone/>
+              <a:defRPr sz="5867" b="1">
+                <a:solidFill>
+                  <a:schemeClr val="bg1"/>
+                </a:solidFill>
+                <a:latin typeface="Calibri" panose="020F0502020204030204" pitchFamily="34" charset="0"/>
+                <a:cs typeface="Arial" panose="020B0604020202020204" pitchFamily="34" charset="0"/>
+              </a:defRPr>
+            </a:lvl1pPr>
+          </a:lstStyle>
+          <a:p>
+            <a:pPr lvl="0"/>
+            <a:r>
+              <a:rPr lang="en-US" altLang="ko-KR" dirty="0"/>
+              <a:t>#2 English</a:t>
+            </a:r>
+            <a:endParaRPr lang="ko-KR" altLang="en-US" dirty="0"/>
+          </a:p>
+        </p:txBody>
+      </p:sp>
+    </p:spTree>
+    <p:extLst>
+      <p:ext uri="{BB962C8B-B14F-4D97-AF65-F5344CB8AC3E}">
+        <p14:creationId xmlns:p14="http://schemas.microsoft.com/office/powerpoint/2010/main" val="195073500"/>
+      </p:ext>
+    </p:extLst>
+  </p:cSld>
+  <p:clrMapOvr>
+    <a:masterClrMapping/>
+  </p:clrMapOvr>
+</p:sldLayout>
+</file>
+
+<file path=ppt/slideLayouts/slideLayout28.xml><?xml version="1.0" encoding="utf-8"?>
+<p:sldLayout xmlns:a="http://schemas.openxmlformats.org/drawingml/2006/main" xmlns:r="http://schemas.openxmlformats.org/officeDocument/2006/relationships" xmlns:p="http://schemas.openxmlformats.org/presentationml/2006/main" userDrawn="1">
+  <p:cSld name="9_국청컨용 슬라이드 마스터">
+    <p:bg>
+      <p:bgPr>
+        <a:solidFill>
+          <a:schemeClr val="tx1"/>
+        </a:solidFill>
+        <a:effectLst/>
+      </p:bgPr>
+    </p:bg>
+    <p:spTree>
+      <p:nvGrpSpPr>
+        <p:cNvPr id="1" name=""/>
+        <p:cNvGrpSpPr/>
+        <p:nvPr/>
+      </p:nvGrpSpPr>
+      <p:grpSpPr>
+        <a:xfrm>
+          <a:off x="0" y="0"/>
+          <a:ext cx="0" cy="0"/>
+          <a:chOff x="0" y="0"/>
+          <a:chExt cx="0" cy="0"/>
+        </a:xfrm>
+      </p:grpSpPr>
+      <p:sp>
+        <p:nvSpPr>
+          <p:cNvPr id="14" name="텍스트 개체 틀 13"/>
+          <p:cNvSpPr>
+            <a:spLocks noGrp="1"/>
+          </p:cNvSpPr>
+          <p:nvPr>
+            <p:ph type="body" sz="quarter" idx="10" hasCustomPrompt="1"/>
+          </p:nvPr>
+        </p:nvSpPr>
+        <p:spPr>
+          <a:xfrm>
+            <a:off x="-992" y="666659"/>
+            <a:ext cx="12193984" cy="2160000"/>
+          </a:xfrm>
+        </p:spPr>
+        <p:txBody>
+          <a:bodyPr anchor="b">
+            <a:normAutofit/>
+          </a:bodyPr>
+          <a:lstStyle>
+            <a:lvl1pPr marL="0" indent="0" algn="ctr" latinLnBrk="0">
+              <a:lnSpc>
+                <a:spcPct val="90000"/>
+              </a:lnSpc>
+              <a:spcBef>
+                <a:spcPts val="0"/>
+              </a:spcBef>
+              <a:buNone/>
+              <a:defRPr sz="5867" b="1">
+                <a:solidFill>
+                  <a:schemeClr val="bg1"/>
+                </a:solidFill>
+                <a:latin typeface="Calibri" panose="020F0502020204030204" pitchFamily="34" charset="0"/>
+                <a:cs typeface="Arial" panose="020B0604020202020204" pitchFamily="34" charset="0"/>
+              </a:defRPr>
+            </a:lvl1pPr>
+          </a:lstStyle>
+          <a:p>
+            <a:pPr lvl="0"/>
+            <a:r>
+              <a:rPr lang="en-US" altLang="ko-KR" dirty="0"/>
+              <a:t>#2 English</a:t>
+            </a:r>
+            <a:endParaRPr lang="ko-KR" altLang="en-US" dirty="0"/>
+          </a:p>
+        </p:txBody>
+      </p:sp>
+    </p:spTree>
+    <p:extLst>
+      <p:ext uri="{BB962C8B-B14F-4D97-AF65-F5344CB8AC3E}">
+        <p14:creationId xmlns:p14="http://schemas.microsoft.com/office/powerpoint/2010/main" val="267859679"/>
+      </p:ext>
+    </p:extLst>
+  </p:cSld>
+  <p:clrMapOvr>
+    <a:masterClrMapping/>
+  </p:clrMapOvr>
+</p:sldLayout>
+</file>
+
+<file path=ppt/slideLayouts/slideLayout29.xml><?xml version="1.0" encoding="utf-8"?>
+<p:sldLayout xmlns:a="http://schemas.openxmlformats.org/drawingml/2006/main" xmlns:r="http://schemas.openxmlformats.org/officeDocument/2006/relationships" xmlns:p="http://schemas.openxmlformats.org/presentationml/2006/main" userDrawn="1">
+  <p:cSld name="10_국청컨용 슬라이드 마스터">
+    <p:bg>
+      <p:bgPr>
+        <a:solidFill>
+          <a:schemeClr val="tx1"/>
+        </a:solidFill>
+        <a:effectLst/>
+      </p:bgPr>
+    </p:bg>
+    <p:spTree>
+      <p:nvGrpSpPr>
+        <p:cNvPr id="1" name=""/>
+        <p:cNvGrpSpPr/>
+        <p:nvPr/>
+      </p:nvGrpSpPr>
+      <p:grpSpPr>
+        <a:xfrm>
+          <a:off x="0" y="0"/>
+          <a:ext cx="0" cy="0"/>
+          <a:chOff x="0" y="0"/>
+          <a:chExt cx="0" cy="0"/>
+        </a:xfrm>
+      </p:grpSpPr>
+      <p:sp>
+        <p:nvSpPr>
+          <p:cNvPr id="14" name="텍스트 개체 틀 13"/>
+          <p:cNvSpPr>
+            <a:spLocks noGrp="1"/>
+          </p:cNvSpPr>
+          <p:nvPr>
+            <p:ph type="body" sz="quarter" idx="10" hasCustomPrompt="1"/>
+          </p:nvPr>
+        </p:nvSpPr>
+        <p:spPr>
+          <a:xfrm>
+            <a:off x="-992" y="666659"/>
+            <a:ext cx="12193984" cy="2160000"/>
+          </a:xfrm>
+        </p:spPr>
+        <p:txBody>
+          <a:bodyPr anchor="b">
+            <a:normAutofit/>
+          </a:bodyPr>
+          <a:lstStyle>
+            <a:lvl1pPr marL="0" indent="0" algn="ctr" latinLnBrk="0">
+              <a:lnSpc>
+                <a:spcPct val="90000"/>
+              </a:lnSpc>
+              <a:spcBef>
+                <a:spcPts val="0"/>
+              </a:spcBef>
+              <a:buNone/>
+              <a:defRPr sz="5867" b="1">
+                <a:solidFill>
+                  <a:schemeClr val="bg1"/>
+                </a:solidFill>
+                <a:latin typeface="Calibri" panose="020F0502020204030204" pitchFamily="34" charset="0"/>
+                <a:cs typeface="Arial" panose="020B0604020202020204" pitchFamily="34" charset="0"/>
+              </a:defRPr>
+            </a:lvl1pPr>
+          </a:lstStyle>
+          <a:p>
+            <a:pPr lvl="0"/>
+            <a:r>
+              <a:rPr lang="en-US" altLang="ko-KR" dirty="0"/>
+              <a:t>#2 English</a:t>
+            </a:r>
+            <a:endParaRPr lang="ko-KR" altLang="en-US" dirty="0"/>
+          </a:p>
+        </p:txBody>
+      </p:sp>
+    </p:spTree>
+    <p:extLst>
+      <p:ext uri="{BB962C8B-B14F-4D97-AF65-F5344CB8AC3E}">
+        <p14:creationId xmlns:p14="http://schemas.microsoft.com/office/powerpoint/2010/main" val="879069600"/>
+      </p:ext>
+    </p:extLst>
+  </p:cSld>
+  <p:clrMapOvr>
+    <a:masterClrMapping/>
+  </p:clrMapOvr>
+</p:sldLayout>
+</file>
+
+<file path=ppt/slideLayouts/slideLayout3.xml><?xml version="1.0" encoding="utf-8"?>
+<p:sldLayout xmlns:a="http://schemas.openxmlformats.org/drawingml/2006/main" xmlns:r="http://schemas.openxmlformats.org/officeDocument/2006/relationships" xmlns:p="http://schemas.openxmlformats.org/presentationml/2006/main" preserve="1">
+  <p:cSld name="Worship Lyrics">
+    <p:spTree>
+      <p:nvGrpSpPr>
+        <p:cNvPr id="1" name=""/>
+        <p:cNvGrpSpPr/>
+        <p:nvPr/>
+      </p:nvGrpSpPr>
+      <p:grpSpPr>
+        <a:xfrm>
+          <a:off x="0" y="0"/>
+          <a:ext cx="0" cy="0"/>
+          <a:chOff x="0" y="0"/>
+          <a:chExt cx="0" cy="0"/>
+        </a:xfrm>
+      </p:grpSpPr>
+      <p:sp>
+        <p:nvSpPr>
+          <p:cNvPr id="4" name="Text Placeholder 3">
+            <a:extLst>
+              <a:ext uri="{FF2B5EF4-FFF2-40B4-BE49-F238E27FC236}">
+                <a16:creationId xmlns:a16="http://schemas.microsoft.com/office/drawing/2014/main" id="{BC07053D-9F6E-C133-E14A-72B4A6AF8E5E}"/>
+              </a:ext>
+            </a:extLst>
+          </p:cNvPr>
+          <p:cNvSpPr>
+            <a:spLocks noGrp="1"/>
+          </p:cNvSpPr>
+          <p:nvPr>
+            <p:ph type="body" sz="half" idx="2" hasCustomPrompt="1"/>
+          </p:nvPr>
+        </p:nvSpPr>
+        <p:spPr>
+          <a:xfrm>
+            <a:off x="0" y="318052"/>
+            <a:ext cx="12192000" cy="2852531"/>
+          </a:xfrm>
+        </p:spPr>
+        <p:txBody>
+          <a:bodyPr anchor="b">
+            <a:normAutofit/>
+          </a:bodyPr>
+          <a:lstStyle>
+            <a:lvl1pPr marL="0" indent="0" algn="ctr">
+              <a:buNone/>
+              <a:defRPr sz="5400"/>
+            </a:lvl1pPr>
+            <a:lvl2pPr marL="457200" indent="0">
+              <a:buNone/>
+              <a:defRPr sz="1400"/>
+            </a:lvl2pPr>
+            <a:lvl3pPr marL="914400" indent="0">
+              <a:buNone/>
+              <a:defRPr sz="1200"/>
+            </a:lvl3pPr>
+            <a:lvl4pPr marL="1371600" indent="0">
+              <a:buNone/>
+              <a:defRPr sz="1000"/>
+            </a:lvl4pPr>
+            <a:lvl5pPr marL="1828800" indent="0">
+              <a:buNone/>
+              <a:defRPr sz="1000"/>
+            </a:lvl5pPr>
+            <a:lvl6pPr marL="2286000" indent="0">
+              <a:buNone/>
+              <a:defRPr sz="1000"/>
+            </a:lvl6pPr>
+            <a:lvl7pPr marL="2743200" indent="0">
+              <a:buNone/>
+              <a:defRPr sz="1000"/>
+            </a:lvl7pPr>
+            <a:lvl8pPr marL="3200400" indent="0">
+              <a:buNone/>
+              <a:defRPr sz="1000"/>
+            </a:lvl8pPr>
+            <a:lvl9pPr marL="3657600" indent="0">
+              <a:buNone/>
+              <a:defRPr sz="1000"/>
+            </a:lvl9pPr>
+          </a:lstStyle>
+          <a:p>
+            <a:pPr lvl="0"/>
+            <a:r>
+              <a:rPr lang="en-US" dirty="0"/>
+              <a:t>Lyrics Line 1</a:t>
+            </a:r>
+          </a:p>
+          <a:p>
+            <a:pPr lvl="0"/>
+            <a:r>
+              <a:rPr lang="en-US" dirty="0"/>
+              <a:t>Lyrics Line 2</a:t>
+            </a:r>
+          </a:p>
+        </p:txBody>
+      </p:sp>
+    </p:spTree>
+    <p:extLst>
+      <p:ext uri="{BB962C8B-B14F-4D97-AF65-F5344CB8AC3E}">
+        <p14:creationId xmlns:p14="http://schemas.microsoft.com/office/powerpoint/2010/main" val="2778183402"/>
+      </p:ext>
+    </p:extLst>
+  </p:cSld>
+  <p:clrMapOvr>
+    <a:masterClrMapping/>
+  </p:clrMapOvr>
+</p:sldLayout>
+</file>
+
+<file path=ppt/slideLayouts/slideLayout4.xml><?xml version="1.0" encoding="utf-8"?>
+<p:sldLayout xmlns:a="http://schemas.openxmlformats.org/drawingml/2006/main" xmlns:r="http://schemas.openxmlformats.org/officeDocument/2006/relationships" xmlns:p="http://schemas.openxmlformats.org/presentationml/2006/main" type="secHead" preserve="1">
+  <p:cSld name="Section Header">
+    <p:spTree>
+      <p:nvGrpSpPr>
+        <p:cNvPr id="1" name=""/>
+        <p:cNvGrpSpPr/>
+        <p:nvPr/>
+      </p:nvGrpSpPr>
+      <p:grpSpPr>
+        <a:xfrm>
+          <a:off x="0" y="0"/>
+          <a:ext cx="0" cy="0"/>
+          <a:chOff x="0" y="0"/>
+          <a:chExt cx="0" cy="0"/>
+        </a:xfrm>
+      </p:grpSpPr>
+      <p:sp>
+        <p:nvSpPr>
+          <p:cNvPr id="2" name="Title 1">
+            <a:extLst>
+              <a:ext uri="{FF2B5EF4-FFF2-40B4-BE49-F238E27FC236}">
+                <a16:creationId xmlns:a16="http://schemas.microsoft.com/office/drawing/2014/main" id="{E5AAD9B1-F0F0-8509-BCCA-89524854A1B3}"/>
+              </a:ext>
+            </a:extLst>
+          </p:cNvPr>
+          <p:cNvSpPr>
+            <a:spLocks noGrp="1"/>
+          </p:cNvSpPr>
+          <p:nvPr>
+            <p:ph type="title"/>
+          </p:nvPr>
+        </p:nvSpPr>
+        <p:spPr>
+          <a:xfrm>
+            <a:off x="831850" y="1709738"/>
+            <a:ext cx="10515600" cy="2852737"/>
+          </a:xfrm>
+        </p:spPr>
+        <p:txBody>
+          <a:bodyPr anchor="b"/>
+          <a:lstStyle>
+            <a:lvl1pPr>
+              <a:defRPr sz="6000"/>
+            </a:lvl1pPr>
+          </a:lstStyle>
+          <a:p>
+            <a:r>
+              <a:rPr lang="en-US"/>
+              <a:t>Click to edit Master title style</a:t>
+            </a:r>
+            <a:endParaRPr lang="en-US" dirty="0"/>
+          </a:p>
+        </p:txBody>
+      </p:sp>
+      <p:sp>
+        <p:nvSpPr>
+          <p:cNvPr id="3" name="Text Placeholder 2">
+            <a:extLst>
+              <a:ext uri="{FF2B5EF4-FFF2-40B4-BE49-F238E27FC236}">
+                <a16:creationId xmlns:a16="http://schemas.microsoft.com/office/drawing/2014/main" id="{B4E8869B-212B-46C6-7020-49BCF7225AC7}"/>
+              </a:ext>
+            </a:extLst>
+          </p:cNvPr>
+          <p:cNvSpPr>
+            <a:spLocks noGrp="1"/>
+          </p:cNvSpPr>
+          <p:nvPr>
+            <p:ph type="body" idx="1"/>
+          </p:nvPr>
+        </p:nvSpPr>
+        <p:spPr>
+          <a:xfrm>
+            <a:off x="831850" y="4589463"/>
+            <a:ext cx="10515600" cy="1500187"/>
+          </a:xfrm>
+        </p:spPr>
+        <p:txBody>
+          <a:bodyPr/>
+          <a:lstStyle>
+            <a:lvl1pPr marL="0" indent="0">
+              <a:buNone/>
+              <a:defRPr sz="2400">
+                <a:solidFill>
+                  <a:schemeClr val="tx1">
+                    <a:tint val="75000"/>
+                  </a:schemeClr>
+                </a:solidFill>
+              </a:defRPr>
+            </a:lvl1pPr>
+            <a:lvl2pPr marL="457200" indent="0">
+              <a:buNone/>
+              <a:defRPr sz="2000">
+                <a:solidFill>
+                  <a:schemeClr val="tx1">
+                    <a:tint val="75000"/>
+                  </a:schemeClr>
+                </a:solidFill>
+              </a:defRPr>
+            </a:lvl2pPr>
+            <a:lvl3pPr marL="914400" indent="0">
+              <a:buNone/>
+              <a:defRPr sz="1800">
+                <a:solidFill>
+                  <a:schemeClr val="tx1">
+                    <a:tint val="75000"/>
+                  </a:schemeClr>
+                </a:solidFill>
+              </a:defRPr>
+            </a:lvl3pPr>
+            <a:lvl4pPr marL="1371600" indent="0">
+              <a:buNone/>
+              <a:defRPr sz="1600">
+                <a:solidFill>
+                  <a:schemeClr val="tx1">
+                    <a:tint val="75000"/>
+                  </a:schemeClr>
+                </a:solidFill>
+              </a:defRPr>
+            </a:lvl4pPr>
+            <a:lvl5pPr marL="1828800" indent="0">
+              <a:buNone/>
+              <a:defRPr sz="1600">
+                <a:solidFill>
+                  <a:schemeClr val="tx1">
+                    <a:tint val="75000"/>
+                  </a:schemeClr>
+                </a:solidFill>
+              </a:defRPr>
+            </a:lvl5pPr>
+            <a:lvl6pPr marL="2286000" indent="0">
+              <a:buNone/>
+              <a:defRPr sz="1600">
+                <a:solidFill>
+                  <a:schemeClr val="tx1">
+                    <a:tint val="75000"/>
+                  </a:schemeClr>
+                </a:solidFill>
+              </a:defRPr>
+            </a:lvl6pPr>
+            <a:lvl7pPr marL="2743200" indent="0">
+              <a:buNone/>
+              <a:defRPr sz="1600">
+                <a:solidFill>
+                  <a:schemeClr val="tx1">
+                    <a:tint val="75000"/>
+                  </a:schemeClr>
+                </a:solidFill>
+              </a:defRPr>
+            </a:lvl7pPr>
+            <a:lvl8pPr marL="3200400" indent="0">
+              <a:buNone/>
+              <a:defRPr sz="1600">
+                <a:solidFill>
+                  <a:schemeClr val="tx1">
+                    <a:tint val="75000"/>
+                  </a:schemeClr>
+                </a:solidFill>
+              </a:defRPr>
+            </a:lvl8pPr>
+            <a:lvl9pPr marL="3657600" indent="0">
+              <a:buNone/>
+              <a:defRPr sz="1600">
+                <a:solidFill>
+                  <a:schemeClr val="tx1">
+                    <a:tint val="75000"/>
+                  </a:schemeClr>
+                </a:solidFill>
+              </a:defRPr>
+            </a:lvl9pPr>
+          </a:lstStyle>
+          <a:p>
+            <a:pPr lvl="0"/>
+            <a:r>
+              <a:rPr lang="en-US"/>
+              <a:t>Click to edit Master text styles</a:t>
+            </a:r>
+          </a:p>
+        </p:txBody>
+      </p:sp>
+      <p:sp>
+        <p:nvSpPr>
+          <p:cNvPr id="4" name="Date Placeholder 3">
+            <a:extLst>
+              <a:ext uri="{FF2B5EF4-FFF2-40B4-BE49-F238E27FC236}">
+                <a16:creationId xmlns:a16="http://schemas.microsoft.com/office/drawing/2014/main" id="{870D1248-7427-23AF-3FFE-470FDD810DEB}"/>
+              </a:ext>
+            </a:extLst>
+          </p:cNvPr>
+          <p:cNvSpPr>
+            <a:spLocks noGrp="1"/>
+          </p:cNvSpPr>
+          <p:nvPr>
+            <p:ph type="dt" sz="half" idx="10"/>
+          </p:nvPr>
+        </p:nvSpPr>
+        <p:spPr/>
+        <p:txBody>
+          <a:bodyPr/>
+          <a:lstStyle/>
+          <a:p>
+            <a:fld id="{7696AA18-7D70-BD4D-B213-B24785A38CE8}" type="datetimeFigureOut">
+              <a:rPr lang="en-US" smtClean="0"/>
+              <a:t>10/19/25</a:t>
+            </a:fld>
+            <a:endParaRPr lang="en-US"/>
+          </a:p>
+        </p:txBody>
+      </p:sp>
+      <p:sp>
+        <p:nvSpPr>
+          <p:cNvPr id="5" name="Footer Placeholder 4">
+            <a:extLst>
+              <a:ext uri="{FF2B5EF4-FFF2-40B4-BE49-F238E27FC236}">
+                <a16:creationId xmlns:a16="http://schemas.microsoft.com/office/drawing/2014/main" id="{8714C72D-3D3A-5031-287D-5105511146DB}"/>
+              </a:ext>
+            </a:extLst>
+          </p:cNvPr>
+          <p:cNvSpPr>
+            <a:spLocks noGrp="1"/>
+          </p:cNvSpPr>
+          <p:nvPr>
+            <p:ph type="ftr" sz="quarter" idx="11"/>
+          </p:nvPr>
+        </p:nvSpPr>
+        <p:spPr/>
+        <p:txBody>
+          <a:bodyPr/>
+          <a:lstStyle/>
+          <a:p>
+            <a:endParaRPr lang="en-US"/>
+          </a:p>
+        </p:txBody>
+      </p:sp>
+      <p:sp>
+        <p:nvSpPr>
+          <p:cNvPr id="6" name="Slide Number Placeholder 5">
+            <a:extLst>
+              <a:ext uri="{FF2B5EF4-FFF2-40B4-BE49-F238E27FC236}">
+                <a16:creationId xmlns:a16="http://schemas.microsoft.com/office/drawing/2014/main" id="{B5BC6CF9-7681-48BA-3007-E59F241D85EA}"/>
+              </a:ext>
+            </a:extLst>
+          </p:cNvPr>
+          <p:cNvSpPr>
+            <a:spLocks noGrp="1"/>
+          </p:cNvSpPr>
+          <p:nvPr>
+            <p:ph type="sldNum" sz="quarter" idx="12"/>
+          </p:nvPr>
+        </p:nvSpPr>
+        <p:spPr/>
+        <p:txBody>
+          <a:bodyPr/>
+          <a:lstStyle/>
+          <a:p>
+            <a:fld id="{FE9F33D6-B010-AA4D-AC56-DEB52284276D}" type="slidenum">
+              <a:rPr lang="en-US" smtClean="0"/>
+              <a:t>‹#›</a:t>
+            </a:fld>
+            <a:endParaRPr lang="en-US"/>
+          </a:p>
+        </p:txBody>
+      </p:sp>
+    </p:spTree>
+    <p:extLst>
+      <p:ext uri="{BB962C8B-B14F-4D97-AF65-F5344CB8AC3E}">
+        <p14:creationId xmlns:p14="http://schemas.microsoft.com/office/powerpoint/2010/main" val="1190864738"/>
+      </p:ext>
+    </p:extLst>
+  </p:cSld>
+  <p:clrMapOvr>
+    <a:masterClrMapping/>
+  </p:clrMapOvr>
+</p:sldLayout>
+</file>
+
+<file path=ppt/slideLayouts/slideLayout5.xml><?xml version="1.0" encoding="utf-8"?>
+<p:sldLayout xmlns:a="http://schemas.openxmlformats.org/drawingml/2006/main" xmlns:r="http://schemas.openxmlformats.org/officeDocument/2006/relationships" xmlns:p="http://schemas.openxmlformats.org/presentationml/2006/main" type="twoObj" preserve="1">
+  <p:cSld name="Two Content">
+    <p:spTree>
+      <p:nvGrpSpPr>
+        <p:cNvPr id="1" name=""/>
+        <p:cNvGrpSpPr/>
+        <p:nvPr/>
+      </p:nvGrpSpPr>
+      <p:grpSpPr>
+        <a:xfrm>
+          <a:off x="0" y="0"/>
+          <a:ext cx="0" cy="0"/>
+          <a:chOff x="0" y="0"/>
+          <a:chExt cx="0" cy="0"/>
+        </a:xfrm>
+      </p:grpSpPr>
+      <p:sp>
+        <p:nvSpPr>
+          <p:cNvPr id="2" name="Title 1">
+            <a:extLst>
+              <a:ext uri="{FF2B5EF4-FFF2-40B4-BE49-F238E27FC236}">
+                <a16:creationId xmlns:a16="http://schemas.microsoft.com/office/drawing/2014/main" id="{DB387F25-3340-01D4-66A4-3BDA0A550039}"/>
+              </a:ext>
+            </a:extLst>
+          </p:cNvPr>
+          <p:cNvSpPr>
+            <a:spLocks noGrp="1"/>
+          </p:cNvSpPr>
+          <p:nvPr>
+            <p:ph type="title"/>
+          </p:nvPr>
+        </p:nvSpPr>
+        <p:spPr/>
+        <p:txBody>
+          <a:bodyPr>
+            <a:normAutofit/>
+          </a:bodyPr>
+          <a:lstStyle>
+            <a:lvl1pPr>
+              <a:defRPr sz="5400"/>
+            </a:lvl1pPr>
+          </a:lstStyle>
+          <a:p>
+            <a:r>
+              <a:rPr lang="en-US"/>
+              <a:t>Click to edit Master title style</a:t>
+            </a:r>
+            <a:endParaRPr lang="en-US" dirty="0"/>
+          </a:p>
+        </p:txBody>
+      </p:sp>
+      <p:sp>
+        <p:nvSpPr>
+          <p:cNvPr id="3" name="Content Placeholder 2">
+            <a:extLst>
+              <a:ext uri="{FF2B5EF4-FFF2-40B4-BE49-F238E27FC236}">
+                <a16:creationId xmlns:a16="http://schemas.microsoft.com/office/drawing/2014/main" id="{5D1A3E31-9FB9-59CC-2990-5351E7A1A887}"/>
+              </a:ext>
+            </a:extLst>
+          </p:cNvPr>
+          <p:cNvSpPr>
+            <a:spLocks noGrp="1"/>
+          </p:cNvSpPr>
+          <p:nvPr>
+            <p:ph sz="half" idx="1"/>
+          </p:nvPr>
+        </p:nvSpPr>
+        <p:spPr>
+          <a:xfrm>
+            <a:off x="838200" y="1825625"/>
+            <a:ext cx="5181600" cy="4351338"/>
+          </a:xfrm>
+        </p:spPr>
+        <p:txBody>
+          <a:bodyPr/>
+          <a:lstStyle/>
+          <a:p>
+            <a:pPr lvl="0"/>
+            <a:r>
+              <a:rPr lang="en-US"/>
+              <a:t>Click to edit Master text styles</a:t>
+            </a:r>
+          </a:p>
+          <a:p>
+            <a:pPr lvl="1"/>
+            <a:r>
+              <a:rPr lang="en-US"/>
+              <a:t>Second level</a:t>
+            </a:r>
+          </a:p>
+          <a:p>
+            <a:pPr lvl="2"/>
+            <a:r>
+              <a:rPr lang="en-US"/>
+              <a:t>Third level</a:t>
+            </a:r>
+          </a:p>
+          <a:p>
+            <a:pPr lvl="3"/>
+            <a:r>
+              <a:rPr lang="en-US"/>
+              <a:t>Fourth level</a:t>
+            </a:r>
+          </a:p>
+          <a:p>
+            <a:pPr lvl="4"/>
+            <a:r>
+              <a:rPr lang="en-US"/>
+              <a:t>Fifth level</a:t>
+            </a:r>
+          </a:p>
+        </p:txBody>
+      </p:sp>
+      <p:sp>
+        <p:nvSpPr>
+          <p:cNvPr id="4" name="Content Placeholder 3">
+            <a:extLst>
+              <a:ext uri="{FF2B5EF4-FFF2-40B4-BE49-F238E27FC236}">
+                <a16:creationId xmlns:a16="http://schemas.microsoft.com/office/drawing/2014/main" id="{045F422E-CE09-370D-6519-01ADD58D5560}"/>
+              </a:ext>
+            </a:extLst>
+          </p:cNvPr>
+          <p:cNvSpPr>
+            <a:spLocks noGrp="1"/>
+          </p:cNvSpPr>
+          <p:nvPr>
+            <p:ph sz="half" idx="2"/>
+          </p:nvPr>
+        </p:nvSpPr>
+        <p:spPr>
+          <a:xfrm>
+            <a:off x="6172200" y="1825625"/>
+            <a:ext cx="5181600" cy="4351338"/>
+          </a:xfrm>
+        </p:spPr>
+        <p:txBody>
+          <a:bodyPr/>
+          <a:lstStyle/>
+          <a:p>
+            <a:pPr lvl="0"/>
+            <a:r>
+              <a:rPr lang="en-US"/>
+              <a:t>Click to edit Master text styles</a:t>
+            </a:r>
+          </a:p>
+          <a:p>
+            <a:pPr lvl="1"/>
+            <a:r>
+              <a:rPr lang="en-US"/>
+              <a:t>Second level</a:t>
+            </a:r>
+          </a:p>
+          <a:p>
+            <a:pPr lvl="2"/>
+            <a:r>
+              <a:rPr lang="en-US"/>
+              <a:t>Third level</a:t>
+            </a:r>
+          </a:p>
+          <a:p>
+            <a:pPr lvl="3"/>
+            <a:r>
+              <a:rPr lang="en-US"/>
+              <a:t>Fourth level</a:t>
+            </a:r>
+          </a:p>
+          <a:p>
+            <a:pPr lvl="4"/>
+            <a:r>
+              <a:rPr lang="en-US"/>
+              <a:t>Fifth level</a:t>
+            </a:r>
+          </a:p>
+        </p:txBody>
+      </p:sp>
+      <p:sp>
+        <p:nvSpPr>
+          <p:cNvPr id="5" name="Date Placeholder 4">
+            <a:extLst>
+              <a:ext uri="{FF2B5EF4-FFF2-40B4-BE49-F238E27FC236}">
+                <a16:creationId xmlns:a16="http://schemas.microsoft.com/office/drawing/2014/main" id="{59AB6373-234D-C0F4-E2BC-A5C0C8632A28}"/>
+              </a:ext>
+            </a:extLst>
+          </p:cNvPr>
+          <p:cNvSpPr>
+            <a:spLocks noGrp="1"/>
+          </p:cNvSpPr>
+          <p:nvPr>
+            <p:ph type="dt" sz="half" idx="10"/>
+          </p:nvPr>
+        </p:nvSpPr>
+        <p:spPr/>
+        <p:txBody>
+          <a:bodyPr/>
+          <a:lstStyle/>
+          <a:p>
+            <a:fld id="{7696AA18-7D70-BD4D-B213-B24785A38CE8}" type="datetimeFigureOut">
+              <a:rPr lang="en-US" smtClean="0"/>
+              <a:t>10/19/25</a:t>
+            </a:fld>
+            <a:endParaRPr lang="en-US"/>
+          </a:p>
+        </p:txBody>
+      </p:sp>
+      <p:sp>
+        <p:nvSpPr>
+          <p:cNvPr id="6" name="Footer Placeholder 5">
+            <a:extLst>
+              <a:ext uri="{FF2B5EF4-FFF2-40B4-BE49-F238E27FC236}">
+                <a16:creationId xmlns:a16="http://schemas.microsoft.com/office/drawing/2014/main" id="{5AF81C41-2543-AC24-5427-999CDADBF80C}"/>
+              </a:ext>
+            </a:extLst>
+          </p:cNvPr>
+          <p:cNvSpPr>
+            <a:spLocks noGrp="1"/>
+          </p:cNvSpPr>
+          <p:nvPr>
+            <p:ph type="ftr" sz="quarter" idx="11"/>
+          </p:nvPr>
+        </p:nvSpPr>
+        <p:spPr/>
+        <p:txBody>
+          <a:bodyPr/>
+          <a:lstStyle/>
+          <a:p>
+            <a:endParaRPr lang="en-US"/>
+          </a:p>
+        </p:txBody>
+      </p:sp>
+      <p:sp>
+        <p:nvSpPr>
+          <p:cNvPr id="7" name="Slide Number Placeholder 6">
+            <a:extLst>
+              <a:ext uri="{FF2B5EF4-FFF2-40B4-BE49-F238E27FC236}">
+                <a16:creationId xmlns:a16="http://schemas.microsoft.com/office/drawing/2014/main" id="{9B2088EE-293F-2EBC-D555-8BC8C7463661}"/>
+              </a:ext>
+            </a:extLst>
+          </p:cNvPr>
+          <p:cNvSpPr>
+            <a:spLocks noGrp="1"/>
+          </p:cNvSpPr>
+          <p:nvPr>
+            <p:ph type="sldNum" sz="quarter" idx="12"/>
+          </p:nvPr>
+        </p:nvSpPr>
+        <p:spPr/>
+        <p:txBody>
+          <a:bodyPr/>
+          <a:lstStyle/>
+          <a:p>
+            <a:fld id="{FE9F33D6-B010-AA4D-AC56-DEB52284276D}" type="slidenum">
+              <a:rPr lang="en-US" smtClean="0"/>
+              <a:t>‹#›</a:t>
+            </a:fld>
+            <a:endParaRPr lang="en-US"/>
+          </a:p>
+        </p:txBody>
+      </p:sp>
+    </p:spTree>
+    <p:extLst>
+      <p:ext uri="{BB962C8B-B14F-4D97-AF65-F5344CB8AC3E}">
+        <p14:creationId xmlns:p14="http://schemas.microsoft.com/office/powerpoint/2010/main" val="1495874358"/>
+      </p:ext>
+    </p:extLst>
+  </p:cSld>
+  <p:clrMapOvr>
+    <a:masterClrMapping/>
+  </p:clrMapOvr>
+</p:sldLayout>
+</file>
+
+<file path=ppt/slideLayouts/slideLayout6.xml><?xml version="1.0" encoding="utf-8"?>
+<p:sldLayout xmlns:a="http://schemas.openxmlformats.org/drawingml/2006/main" xmlns:r="http://schemas.openxmlformats.org/officeDocument/2006/relationships" xmlns:p="http://schemas.openxmlformats.org/presentationml/2006/main" type="twoTxTwoObj" preserve="1">
+  <p:cSld name="Comparison">
+    <p:spTree>
+      <p:nvGrpSpPr>
+        <p:cNvPr id="1" name=""/>
+        <p:cNvGrpSpPr/>
+        <p:nvPr/>
+      </p:nvGrpSpPr>
+      <p:grpSpPr>
+        <a:xfrm>
+          <a:off x="0" y="0"/>
+          <a:ext cx="0" cy="0"/>
+          <a:chOff x="0" y="0"/>
+          <a:chExt cx="0" cy="0"/>
+        </a:xfrm>
+      </p:grpSpPr>
+      <p:sp>
+        <p:nvSpPr>
+          <p:cNvPr id="2" name="Title 1">
+            <a:extLst>
+              <a:ext uri="{FF2B5EF4-FFF2-40B4-BE49-F238E27FC236}">
+                <a16:creationId xmlns:a16="http://schemas.microsoft.com/office/drawing/2014/main" id="{6F7BC5EC-7A7A-B639-6D5B-E4F77FA7A21E}"/>
+              </a:ext>
+            </a:extLst>
+          </p:cNvPr>
+          <p:cNvSpPr>
+            <a:spLocks noGrp="1"/>
+          </p:cNvSpPr>
+          <p:nvPr>
+            <p:ph type="title"/>
+          </p:nvPr>
+        </p:nvSpPr>
+        <p:spPr>
+          <a:xfrm>
+            <a:off x="839788" y="365125"/>
+            <a:ext cx="10515600" cy="1325563"/>
+          </a:xfrm>
+        </p:spPr>
+        <p:txBody>
+          <a:bodyPr>
+            <a:normAutofit/>
+          </a:bodyPr>
+          <a:lstStyle>
+            <a:lvl1pPr>
+              <a:defRPr sz="5400"/>
+            </a:lvl1pPr>
+          </a:lstStyle>
+          <a:p>
+            <a:r>
+              <a:rPr lang="en-US"/>
+              <a:t>Click to edit Master title style</a:t>
+            </a:r>
+            <a:endParaRPr lang="en-US" dirty="0"/>
+          </a:p>
+        </p:txBody>
+      </p:sp>
+      <p:sp>
+        <p:nvSpPr>
+          <p:cNvPr id="3" name="Text Placeholder 2">
+            <a:extLst>
+              <a:ext uri="{FF2B5EF4-FFF2-40B4-BE49-F238E27FC236}">
+                <a16:creationId xmlns:a16="http://schemas.microsoft.com/office/drawing/2014/main" id="{4414B130-5324-F26E-8B3A-2C2D5D20C0D0}"/>
+              </a:ext>
+            </a:extLst>
+          </p:cNvPr>
+          <p:cNvSpPr>
+            <a:spLocks noGrp="1"/>
+          </p:cNvSpPr>
+          <p:nvPr>
+            <p:ph type="body" idx="1"/>
+          </p:nvPr>
+        </p:nvSpPr>
+        <p:spPr>
+          <a:xfrm>
+            <a:off x="839788" y="1681163"/>
+            <a:ext cx="5157787" cy="823912"/>
+          </a:xfrm>
+        </p:spPr>
+        <p:txBody>
+          <a:bodyPr anchor="b">
+            <a:normAutofit/>
+          </a:bodyPr>
+          <a:lstStyle>
+            <a:lvl1pPr marL="0" indent="0">
+              <a:buNone/>
+              <a:defRPr sz="2800" b="1"/>
+            </a:lvl1pPr>
+            <a:lvl2pPr marL="457200" indent="0">
+              <a:buNone/>
+              <a:defRPr sz="2000" b="1"/>
+            </a:lvl2pPr>
+            <a:lvl3pPr marL="914400" indent="0">
+              <a:buNone/>
+              <a:defRPr sz="1800" b="1"/>
+            </a:lvl3pPr>
+            <a:lvl4pPr marL="1371600" indent="0">
+              <a:buNone/>
+              <a:defRPr sz="1600" b="1"/>
+            </a:lvl4pPr>
+            <a:lvl5pPr marL="1828800" indent="0">
+              <a:buNone/>
+              <a:defRPr sz="1600" b="1"/>
+            </a:lvl5pPr>
+            <a:lvl6pPr marL="2286000" indent="0">
+              <a:buNone/>
+              <a:defRPr sz="1600" b="1"/>
+            </a:lvl6pPr>
+            <a:lvl7pPr marL="2743200" indent="0">
+              <a:buNone/>
+              <a:defRPr sz="1600" b="1"/>
+            </a:lvl7pPr>
+            <a:lvl8pPr marL="3200400" indent="0">
+              <a:buNone/>
+              <a:defRPr sz="1600" b="1"/>
+            </a:lvl8pPr>
+            <a:lvl9pPr marL="3657600" indent="0">
+              <a:buNone/>
+              <a:defRPr sz="1600" b="1"/>
+            </a:lvl9pPr>
+          </a:lstStyle>
+          <a:p>
+            <a:pPr lvl="0"/>
+            <a:r>
+              <a:rPr lang="en-US"/>
+              <a:t>Click to edit Master text styles</a:t>
+            </a:r>
+          </a:p>
+        </p:txBody>
+      </p:sp>
+      <p:sp>
+        <p:nvSpPr>
+          <p:cNvPr id="4" name="Content Placeholder 3">
+            <a:extLst>
+              <a:ext uri="{FF2B5EF4-FFF2-40B4-BE49-F238E27FC236}">
+                <a16:creationId xmlns:a16="http://schemas.microsoft.com/office/drawing/2014/main" id="{11270813-2F71-2AB8-780A-AEF26E8CBEEE}"/>
+              </a:ext>
+            </a:extLst>
+          </p:cNvPr>
+          <p:cNvSpPr>
+            <a:spLocks noGrp="1"/>
+          </p:cNvSpPr>
+          <p:nvPr>
+            <p:ph sz="half" idx="2"/>
+          </p:nvPr>
+        </p:nvSpPr>
+        <p:spPr>
+          <a:xfrm>
+            <a:off x="839788" y="2505075"/>
+            <a:ext cx="5157787" cy="3684588"/>
+          </a:xfrm>
+        </p:spPr>
+        <p:txBody>
+          <a:bodyPr>
+            <a:normAutofit/>
+          </a:bodyPr>
+          <a:lstStyle>
+            <a:lvl1pPr>
+              <a:defRPr sz="2800"/>
+            </a:lvl1pPr>
+            <a:lvl2pPr>
+              <a:defRPr sz="2400"/>
+            </a:lvl2pPr>
+            <a:lvl3pPr>
+              <a:defRPr sz="2000"/>
+            </a:lvl3pPr>
+            <a:lvl4pPr>
+              <a:defRPr sz="1800"/>
+            </a:lvl4pPr>
+            <a:lvl5pPr>
+              <a:defRPr sz="1800"/>
+            </a:lvl5pPr>
+          </a:lstStyle>
+          <a:p>
+            <a:pPr lvl="0"/>
+            <a:r>
+              <a:rPr lang="en-US"/>
+              <a:t>Click to edit Master text styles</a:t>
+            </a:r>
+          </a:p>
+          <a:p>
+            <a:pPr lvl="1"/>
+            <a:r>
+              <a:rPr lang="en-US"/>
+              <a:t>Second level</a:t>
+            </a:r>
+          </a:p>
+          <a:p>
+            <a:pPr lvl="2"/>
+            <a:r>
+              <a:rPr lang="en-US"/>
+              <a:t>Third level</a:t>
+            </a:r>
+          </a:p>
+          <a:p>
+            <a:pPr lvl="3"/>
+            <a:r>
+              <a:rPr lang="en-US"/>
+              <a:t>Fourth level</a:t>
+            </a:r>
+          </a:p>
+          <a:p>
+            <a:pPr lvl="4"/>
+            <a:r>
+              <a:rPr lang="en-US"/>
+              <a:t>Fifth level</a:t>
+            </a:r>
+            <a:endParaRPr lang="en-US" dirty="0"/>
+          </a:p>
+        </p:txBody>
+      </p:sp>
+      <p:sp>
+        <p:nvSpPr>
+          <p:cNvPr id="5" name="Text Placeholder 4">
+            <a:extLst>
+              <a:ext uri="{FF2B5EF4-FFF2-40B4-BE49-F238E27FC236}">
+                <a16:creationId xmlns:a16="http://schemas.microsoft.com/office/drawing/2014/main" id="{B1688583-0BFA-DF8F-E6D6-E67C7B344D2B}"/>
+              </a:ext>
+            </a:extLst>
+          </p:cNvPr>
+          <p:cNvSpPr>
+            <a:spLocks noGrp="1"/>
+          </p:cNvSpPr>
+          <p:nvPr>
+            <p:ph type="body" sz="quarter" idx="3"/>
+          </p:nvPr>
+        </p:nvSpPr>
+        <p:spPr>
+          <a:xfrm>
+            <a:off x="6172200" y="1681163"/>
+            <a:ext cx="5183188" cy="823912"/>
+          </a:xfrm>
+        </p:spPr>
+        <p:txBody>
+          <a:bodyPr anchor="b">
+            <a:noAutofit/>
+          </a:bodyPr>
+          <a:lstStyle>
+            <a:lvl1pPr marL="0" indent="0">
+              <a:buNone/>
+              <a:defRPr sz="2800" b="1"/>
+            </a:lvl1pPr>
+            <a:lvl2pPr marL="457200" indent="0">
+              <a:buNone/>
+              <a:defRPr sz="2000" b="1"/>
+            </a:lvl2pPr>
+            <a:lvl3pPr marL="914400" indent="0">
+              <a:buNone/>
+              <a:defRPr sz="1800" b="1"/>
+            </a:lvl3pPr>
+            <a:lvl4pPr marL="1371600" indent="0">
+              <a:buNone/>
+              <a:defRPr sz="1600" b="1"/>
+            </a:lvl4pPr>
+            <a:lvl5pPr marL="1828800" indent="0">
+              <a:buNone/>
+              <a:defRPr sz="1600" b="1"/>
+            </a:lvl5pPr>
+            <a:lvl6pPr marL="2286000" indent="0">
+              <a:buNone/>
+              <a:defRPr sz="1600" b="1"/>
+            </a:lvl6pPr>
+            <a:lvl7pPr marL="2743200" indent="0">
+              <a:buNone/>
+              <a:defRPr sz="1600" b="1"/>
+            </a:lvl7pPr>
+            <a:lvl8pPr marL="3200400" indent="0">
+              <a:buNone/>
+              <a:defRPr sz="1600" b="1"/>
+            </a:lvl8pPr>
+            <a:lvl9pPr marL="3657600" indent="0">
+              <a:buNone/>
+              <a:defRPr sz="1600" b="1"/>
+            </a:lvl9pPr>
+          </a:lstStyle>
+          <a:p>
+            <a:pPr lvl="0"/>
+            <a:r>
+              <a:rPr lang="en-US"/>
+              <a:t>Click to edit Master text styles</a:t>
+            </a:r>
+          </a:p>
+        </p:txBody>
+      </p:sp>
+      <p:sp>
+        <p:nvSpPr>
+          <p:cNvPr id="6" name="Content Placeholder 5">
+            <a:extLst>
+              <a:ext uri="{FF2B5EF4-FFF2-40B4-BE49-F238E27FC236}">
+                <a16:creationId xmlns:a16="http://schemas.microsoft.com/office/drawing/2014/main" id="{B92DCDD5-1C6E-D19A-B521-8B0A7A5B7C5F}"/>
+              </a:ext>
+            </a:extLst>
+          </p:cNvPr>
+          <p:cNvSpPr>
+            <a:spLocks noGrp="1"/>
+          </p:cNvSpPr>
+          <p:nvPr>
+            <p:ph sz="quarter" idx="4"/>
+          </p:nvPr>
+        </p:nvSpPr>
+        <p:spPr>
+          <a:xfrm>
+            <a:off x="6172200" y="2505075"/>
+            <a:ext cx="5183188" cy="3684588"/>
+          </a:xfrm>
+        </p:spPr>
+        <p:txBody>
+          <a:bodyPr>
+            <a:normAutofit/>
+          </a:bodyPr>
+          <a:lstStyle>
+            <a:lvl1pPr>
+              <a:defRPr sz="2800"/>
+            </a:lvl1pPr>
+            <a:lvl2pPr>
+              <a:defRPr sz="2400"/>
+            </a:lvl2pPr>
+            <a:lvl3pPr>
+              <a:defRPr sz="2000"/>
+            </a:lvl3pPr>
+            <a:lvl4pPr>
+              <a:defRPr sz="1800"/>
+            </a:lvl4pPr>
+            <a:lvl5pPr>
+              <a:defRPr sz="1800"/>
+            </a:lvl5pPr>
+          </a:lstStyle>
+          <a:p>
+            <a:pPr lvl="0"/>
+            <a:r>
+              <a:rPr lang="en-US"/>
+              <a:t>Click to edit Master text styles</a:t>
+            </a:r>
+          </a:p>
+          <a:p>
+            <a:pPr lvl="1"/>
+            <a:r>
+              <a:rPr lang="en-US"/>
+              <a:t>Second level</a:t>
+            </a:r>
+          </a:p>
+          <a:p>
+            <a:pPr lvl="2"/>
+            <a:r>
+              <a:rPr lang="en-US"/>
+              <a:t>Third level</a:t>
+            </a:r>
+          </a:p>
+          <a:p>
+            <a:pPr lvl="3"/>
+            <a:r>
+              <a:rPr lang="en-US"/>
+              <a:t>Fourth level</a:t>
+            </a:r>
+          </a:p>
+          <a:p>
+            <a:pPr lvl="4"/>
+            <a:r>
+              <a:rPr lang="en-US"/>
+              <a:t>Fifth level</a:t>
+            </a:r>
+            <a:endParaRPr lang="en-US" dirty="0"/>
+          </a:p>
+        </p:txBody>
+      </p:sp>
+      <p:sp>
+        <p:nvSpPr>
+          <p:cNvPr id="7" name="Date Placeholder 6">
+            <a:extLst>
+              <a:ext uri="{FF2B5EF4-FFF2-40B4-BE49-F238E27FC236}">
+                <a16:creationId xmlns:a16="http://schemas.microsoft.com/office/drawing/2014/main" id="{B3AAB766-0548-7E61-BF2F-066E25CA615F}"/>
+              </a:ext>
+            </a:extLst>
+          </p:cNvPr>
+          <p:cNvSpPr>
+            <a:spLocks noGrp="1"/>
+          </p:cNvSpPr>
+          <p:nvPr>
+            <p:ph type="dt" sz="half" idx="10"/>
+          </p:nvPr>
+        </p:nvSpPr>
+        <p:spPr/>
+        <p:txBody>
+          <a:bodyPr/>
+          <a:lstStyle/>
+          <a:p>
+            <a:fld id="{7696AA18-7D70-BD4D-B213-B24785A38CE8}" type="datetimeFigureOut">
+              <a:rPr lang="en-US" smtClean="0"/>
+              <a:t>10/19/25</a:t>
+            </a:fld>
+            <a:endParaRPr lang="en-US"/>
+          </a:p>
+        </p:txBody>
+      </p:sp>
+      <p:sp>
+        <p:nvSpPr>
+          <p:cNvPr id="8" name="Footer Placeholder 7">
+            <a:extLst>
+              <a:ext uri="{FF2B5EF4-FFF2-40B4-BE49-F238E27FC236}">
+                <a16:creationId xmlns:a16="http://schemas.microsoft.com/office/drawing/2014/main" id="{AA3C0E53-08F5-BD51-84C2-2EC4D324EE2F}"/>
+              </a:ext>
+            </a:extLst>
+          </p:cNvPr>
+          <p:cNvSpPr>
+            <a:spLocks noGrp="1"/>
+          </p:cNvSpPr>
+          <p:nvPr>
+            <p:ph type="ftr" sz="quarter" idx="11"/>
+          </p:nvPr>
+        </p:nvSpPr>
+        <p:spPr/>
+        <p:txBody>
+          <a:bodyPr/>
+          <a:lstStyle/>
+          <a:p>
+            <a:endParaRPr lang="en-US"/>
+          </a:p>
+        </p:txBody>
+      </p:sp>
+      <p:sp>
+        <p:nvSpPr>
+          <p:cNvPr id="9" name="Slide Number Placeholder 8">
+            <a:extLst>
+              <a:ext uri="{FF2B5EF4-FFF2-40B4-BE49-F238E27FC236}">
+                <a16:creationId xmlns:a16="http://schemas.microsoft.com/office/drawing/2014/main" id="{C59F2E1B-DC3F-724A-79D3-BECA207C6DB3}"/>
+              </a:ext>
+            </a:extLst>
+          </p:cNvPr>
+          <p:cNvSpPr>
+            <a:spLocks noGrp="1"/>
+          </p:cNvSpPr>
+          <p:nvPr>
+            <p:ph type="sldNum" sz="quarter" idx="12"/>
+          </p:nvPr>
+        </p:nvSpPr>
+        <p:spPr/>
+        <p:txBody>
+          <a:bodyPr/>
+          <a:lstStyle/>
+          <a:p>
+            <a:fld id="{FE9F33D6-B010-AA4D-AC56-DEB52284276D}" type="slidenum">
+              <a:rPr lang="en-US" smtClean="0"/>
+              <a:t>‹#›</a:t>
+            </a:fld>
+            <a:endParaRPr lang="en-US"/>
+          </a:p>
+        </p:txBody>
+      </p:sp>
+    </p:spTree>
+    <p:extLst>
+      <p:ext uri="{BB962C8B-B14F-4D97-AF65-F5344CB8AC3E}">
+        <p14:creationId xmlns:p14="http://schemas.microsoft.com/office/powerpoint/2010/main" val="185896420"/>
+      </p:ext>
+    </p:extLst>
+  </p:cSld>
+  <p:clrMapOvr>
+    <a:masterClrMapping/>
+  </p:clrMapOvr>
+</p:sldLayout>
+</file>
+
+<file path=ppt/slideLayouts/slideLayout7.xml><?xml version="1.0" encoding="utf-8"?>
+<p:sldLayout xmlns:a="http://schemas.openxmlformats.org/drawingml/2006/main" xmlns:r="http://schemas.openxmlformats.org/officeDocument/2006/relationships" xmlns:p="http://schemas.openxmlformats.org/presentationml/2006/main" type="titleOnly" preserve="1">
+  <p:cSld name="Title Only">
+    <p:spTree>
+      <p:nvGrpSpPr>
+        <p:cNvPr id="1" name=""/>
+        <p:cNvGrpSpPr/>
+        <p:nvPr/>
+      </p:nvGrpSpPr>
+      <p:grpSpPr>
+        <a:xfrm>
+          <a:off x="0" y="0"/>
+          <a:ext cx="0" cy="0"/>
+          <a:chOff x="0" y="0"/>
+          <a:chExt cx="0" cy="0"/>
+        </a:xfrm>
+      </p:grpSpPr>
+      <p:sp>
+        <p:nvSpPr>
+          <p:cNvPr id="2" name="Title 1">
+            <a:extLst>
+              <a:ext uri="{FF2B5EF4-FFF2-40B4-BE49-F238E27FC236}">
+                <a16:creationId xmlns:a16="http://schemas.microsoft.com/office/drawing/2014/main" id="{1CF9A4D3-0376-F74F-1178-E0E1945297A0}"/>
+              </a:ext>
+            </a:extLst>
+          </p:cNvPr>
+          <p:cNvSpPr>
+            <a:spLocks noGrp="1"/>
+          </p:cNvSpPr>
+          <p:nvPr>
+            <p:ph type="title"/>
+          </p:nvPr>
+        </p:nvSpPr>
+        <p:spPr/>
+        <p:txBody>
+          <a:bodyPr>
+            <a:normAutofit/>
+          </a:bodyPr>
+          <a:lstStyle>
+            <a:lvl1pPr>
+              <a:defRPr sz="5400"/>
+            </a:lvl1pPr>
+          </a:lstStyle>
+          <a:p>
+            <a:r>
+              <a:rPr lang="en-US"/>
+              <a:t>Click to edit Master title style</a:t>
+            </a:r>
+            <a:endParaRPr lang="en-US" dirty="0"/>
+          </a:p>
+        </p:txBody>
+      </p:sp>
+      <p:sp>
+        <p:nvSpPr>
+          <p:cNvPr id="3" name="Date Placeholder 2">
+            <a:extLst>
+              <a:ext uri="{FF2B5EF4-FFF2-40B4-BE49-F238E27FC236}">
+                <a16:creationId xmlns:a16="http://schemas.microsoft.com/office/drawing/2014/main" id="{4A199C48-033A-32BE-33D9-18E34EF3C860}"/>
+              </a:ext>
+            </a:extLst>
+          </p:cNvPr>
+          <p:cNvSpPr>
+            <a:spLocks noGrp="1"/>
+          </p:cNvSpPr>
+          <p:nvPr>
+            <p:ph type="dt" sz="half" idx="10"/>
+          </p:nvPr>
+        </p:nvSpPr>
+        <p:spPr/>
+        <p:txBody>
+          <a:bodyPr/>
+          <a:lstStyle/>
+          <a:p>
+            <a:fld id="{7696AA18-7D70-BD4D-B213-B24785A38CE8}" type="datetimeFigureOut">
+              <a:rPr lang="en-US" smtClean="0"/>
+              <a:t>10/19/25</a:t>
+            </a:fld>
+            <a:endParaRPr lang="en-US"/>
+          </a:p>
+        </p:txBody>
+      </p:sp>
+      <p:sp>
+        <p:nvSpPr>
+          <p:cNvPr id="4" name="Footer Placeholder 3">
+            <a:extLst>
+              <a:ext uri="{FF2B5EF4-FFF2-40B4-BE49-F238E27FC236}">
+                <a16:creationId xmlns:a16="http://schemas.microsoft.com/office/drawing/2014/main" id="{35CC7996-CAC3-4BF1-94EC-0F88B2D106C7}"/>
+              </a:ext>
+            </a:extLst>
+          </p:cNvPr>
+          <p:cNvSpPr>
+            <a:spLocks noGrp="1"/>
+          </p:cNvSpPr>
+          <p:nvPr>
+            <p:ph type="ftr" sz="quarter" idx="11"/>
+          </p:nvPr>
+        </p:nvSpPr>
+        <p:spPr/>
+        <p:txBody>
+          <a:bodyPr/>
+          <a:lstStyle/>
+          <a:p>
+            <a:endParaRPr lang="en-US"/>
+          </a:p>
+        </p:txBody>
+      </p:sp>
+      <p:sp>
+        <p:nvSpPr>
+          <p:cNvPr id="5" name="Slide Number Placeholder 4">
+            <a:extLst>
+              <a:ext uri="{FF2B5EF4-FFF2-40B4-BE49-F238E27FC236}">
+                <a16:creationId xmlns:a16="http://schemas.microsoft.com/office/drawing/2014/main" id="{153CF0D4-4694-48FB-BBDE-6B15CC01DD32}"/>
+              </a:ext>
+            </a:extLst>
+          </p:cNvPr>
+          <p:cNvSpPr>
+            <a:spLocks noGrp="1"/>
+          </p:cNvSpPr>
+          <p:nvPr>
+            <p:ph type="sldNum" sz="quarter" idx="12"/>
+          </p:nvPr>
+        </p:nvSpPr>
+        <p:spPr/>
+        <p:txBody>
+          <a:bodyPr/>
+          <a:lstStyle/>
+          <a:p>
+            <a:fld id="{FE9F33D6-B010-AA4D-AC56-DEB52284276D}" type="slidenum">
+              <a:rPr lang="en-US" smtClean="0"/>
+              <a:t>‹#›</a:t>
+            </a:fld>
+            <a:endParaRPr lang="en-US"/>
+          </a:p>
+        </p:txBody>
+      </p:sp>
+    </p:spTree>
+    <p:extLst>
+      <p:ext uri="{BB962C8B-B14F-4D97-AF65-F5344CB8AC3E}">
+        <p14:creationId xmlns:p14="http://schemas.microsoft.com/office/powerpoint/2010/main" val="24227014"/>
+      </p:ext>
+    </p:extLst>
+  </p:cSld>
+  <p:clrMapOvr>
+    <a:masterClrMapping/>
+  </p:clrMapOvr>
+</p:sldLayout>
+</file>
+
+<file path=ppt/slideLayouts/slideLayout8.xml><?xml version="1.0" encoding="utf-8"?>
+<p:sldLayout xmlns:a="http://schemas.openxmlformats.org/drawingml/2006/main" xmlns:r="http://schemas.openxmlformats.org/officeDocument/2006/relationships" xmlns:p="http://schemas.openxmlformats.org/presentationml/2006/main" type="blank" preserve="1">
+  <p:cSld name="Blank">
+    <p:spTree>
+      <p:nvGrpSpPr>
+        <p:cNvPr id="1" name=""/>
+        <p:cNvGrpSpPr/>
+        <p:nvPr/>
+      </p:nvGrpSpPr>
+      <p:grpSpPr>
+        <a:xfrm>
+          <a:off x="0" y="0"/>
+          <a:ext cx="0" cy="0"/>
+          <a:chOff x="0" y="0"/>
+          <a:chExt cx="0" cy="0"/>
+        </a:xfrm>
+      </p:grpSpPr>
+      <p:sp>
+        <p:nvSpPr>
+          <p:cNvPr id="2" name="Date Placeholder 1">
+            <a:extLst>
+              <a:ext uri="{FF2B5EF4-FFF2-40B4-BE49-F238E27FC236}">
+                <a16:creationId xmlns:a16="http://schemas.microsoft.com/office/drawing/2014/main" id="{F454417D-A2BA-08B6-A08C-281A1C89D726}"/>
+              </a:ext>
+            </a:extLst>
+          </p:cNvPr>
+          <p:cNvSpPr>
+            <a:spLocks noGrp="1"/>
+          </p:cNvSpPr>
+          <p:nvPr>
+            <p:ph type="dt" sz="half" idx="10"/>
+          </p:nvPr>
+        </p:nvSpPr>
+        <p:spPr/>
+        <p:txBody>
+          <a:bodyPr/>
+          <a:lstStyle/>
+          <a:p>
+            <a:fld id="{7696AA18-7D70-BD4D-B213-B24785A38CE8}" type="datetimeFigureOut">
+              <a:rPr lang="en-US" smtClean="0"/>
+              <a:t>10/19/25</a:t>
+            </a:fld>
+            <a:endParaRPr lang="en-US"/>
+          </a:p>
+        </p:txBody>
+      </p:sp>
+      <p:sp>
+        <p:nvSpPr>
+          <p:cNvPr id="3" name="Footer Placeholder 2">
+            <a:extLst>
+              <a:ext uri="{FF2B5EF4-FFF2-40B4-BE49-F238E27FC236}">
+                <a16:creationId xmlns:a16="http://schemas.microsoft.com/office/drawing/2014/main" id="{1DBB8C5F-DDE3-F7B8-3D7D-3B666146D1D2}"/>
+              </a:ext>
+            </a:extLst>
+          </p:cNvPr>
+          <p:cNvSpPr>
+            <a:spLocks noGrp="1"/>
+          </p:cNvSpPr>
+          <p:nvPr>
+            <p:ph type="ftr" sz="quarter" idx="11"/>
+          </p:nvPr>
+        </p:nvSpPr>
+        <p:spPr/>
+        <p:txBody>
+          <a:bodyPr/>
+          <a:lstStyle/>
+          <a:p>
+            <a:endParaRPr lang="en-US"/>
+          </a:p>
+        </p:txBody>
+      </p:sp>
+      <p:sp>
+        <p:nvSpPr>
+          <p:cNvPr id="4" name="Slide Number Placeholder 3">
+            <a:extLst>
+              <a:ext uri="{FF2B5EF4-FFF2-40B4-BE49-F238E27FC236}">
+                <a16:creationId xmlns:a16="http://schemas.microsoft.com/office/drawing/2014/main" id="{5F725E69-017D-D099-AE57-5BB60A230672}"/>
+              </a:ext>
+            </a:extLst>
+          </p:cNvPr>
+          <p:cNvSpPr>
+            <a:spLocks noGrp="1"/>
+          </p:cNvSpPr>
+          <p:nvPr>
+            <p:ph type="sldNum" sz="quarter" idx="12"/>
+          </p:nvPr>
+        </p:nvSpPr>
+        <p:spPr/>
+        <p:txBody>
+          <a:bodyPr/>
+          <a:lstStyle/>
+          <a:p>
+            <a:fld id="{FE9F33D6-B010-AA4D-AC56-DEB52284276D}" type="slidenum">
+              <a:rPr lang="en-US" smtClean="0"/>
+              <a:t>‹#›</a:t>
+            </a:fld>
+            <a:endParaRPr lang="en-US"/>
+          </a:p>
+        </p:txBody>
+      </p:sp>
+    </p:spTree>
+    <p:extLst>
+      <p:ext uri="{BB962C8B-B14F-4D97-AF65-F5344CB8AC3E}">
+        <p14:creationId xmlns:p14="http://schemas.microsoft.com/office/powerpoint/2010/main" val="2016573783"/>
+      </p:ext>
+    </p:extLst>
+  </p:cSld>
+  <p:clrMapOvr>
+    <a:masterClrMapping/>
+  </p:clrMapOvr>
+</p:sldLayout>
+</file>
+
+<file path=ppt/slideLayouts/slideLayout9.xml><?xml version="1.0" encoding="utf-8"?>
+<p:sldLayout xmlns:a="http://schemas.openxmlformats.org/drawingml/2006/main" xmlns:r="http://schemas.openxmlformats.org/officeDocument/2006/relationships" xmlns:p="http://schemas.openxmlformats.org/presentationml/2006/main" type="objTx" preserve="1">
+  <p:cSld name="Content with Caption">
+    <p:spTree>
+      <p:nvGrpSpPr>
+        <p:cNvPr id="1" name=""/>
+        <p:cNvGrpSpPr/>
+        <p:nvPr/>
+      </p:nvGrpSpPr>
+      <p:grpSpPr>
+        <a:xfrm>
+          <a:off x="0" y="0"/>
+          <a:ext cx="0" cy="0"/>
+          <a:chOff x="0" y="0"/>
+          <a:chExt cx="0" cy="0"/>
+        </a:xfrm>
+      </p:grpSpPr>
+      <p:sp>
+        <p:nvSpPr>
+          <p:cNvPr id="2" name="Title 1">
+            <a:extLst>
+              <a:ext uri="{FF2B5EF4-FFF2-40B4-BE49-F238E27FC236}">
+                <a16:creationId xmlns:a16="http://schemas.microsoft.com/office/drawing/2014/main" id="{1E74E6CA-CFAD-40BD-B7E6-8BA87ED99736}"/>
+              </a:ext>
+            </a:extLst>
+          </p:cNvPr>
+          <p:cNvSpPr>
+            <a:spLocks noGrp="1"/>
+          </p:cNvSpPr>
+          <p:nvPr>
+            <p:ph type="title"/>
+          </p:nvPr>
+        </p:nvSpPr>
+        <p:spPr>
+          <a:xfrm>
+            <a:off x="839788" y="457200"/>
+            <a:ext cx="3932237" cy="1600200"/>
+          </a:xfrm>
+        </p:spPr>
+        <p:txBody>
+          <a:bodyPr anchor="b"/>
+          <a:lstStyle>
+            <a:lvl1pPr>
+              <a:defRPr sz="3200"/>
+            </a:lvl1pPr>
+          </a:lstStyle>
+          <a:p>
+            <a:r>
+              <a:rPr lang="en-US"/>
+              <a:t>Click to edit Master title style</a:t>
+            </a:r>
+          </a:p>
+        </p:txBody>
+      </p:sp>
+      <p:sp>
+        <p:nvSpPr>
+          <p:cNvPr id="3" name="Content Placeholder 2">
+            <a:extLst>
+              <a:ext uri="{FF2B5EF4-FFF2-40B4-BE49-F238E27FC236}">
+                <a16:creationId xmlns:a16="http://schemas.microsoft.com/office/drawing/2014/main" id="{7F94F778-9F7F-4E81-D904-379CEC85F031}"/>
+              </a:ext>
+            </a:extLst>
+          </p:cNvPr>
+          <p:cNvSpPr>
+            <a:spLocks noGrp="1"/>
+          </p:cNvSpPr>
+          <p:nvPr>
+            <p:ph idx="1"/>
+          </p:nvPr>
+        </p:nvSpPr>
+        <p:spPr>
+          <a:xfrm>
+            <a:off x="5183188" y="987425"/>
+            <a:ext cx="6172200" cy="4873625"/>
+          </a:xfrm>
+        </p:spPr>
+        <p:txBody>
+          <a:bodyPr/>
+          <a:lstStyle>
+            <a:lvl1pPr>
+              <a:defRPr sz="3200"/>
+            </a:lvl1pPr>
+            <a:lvl2pPr>
+              <a:defRPr sz="2800"/>
+            </a:lvl2pPr>
+            <a:lvl3pPr>
+              <a:defRPr sz="2400"/>
+            </a:lvl3pPr>
+            <a:lvl4pPr>
+              <a:defRPr sz="2000"/>
+            </a:lvl4pPr>
+            <a:lvl5pPr>
+              <a:defRPr sz="2000"/>
+            </a:lvl5pPr>
+            <a:lvl6pPr>
+              <a:defRPr sz="2000"/>
+            </a:lvl6pPr>
+            <a:lvl7pPr>
+              <a:defRPr sz="2000"/>
+            </a:lvl7pPr>
+            <a:lvl8pPr>
+              <a:defRPr sz="2000"/>
+            </a:lvl8pPr>
+            <a:lvl9pPr>
+              <a:defRPr sz="2000"/>
+            </a:lvl9pPr>
+          </a:lstStyle>
+          <a:p>
+            <a:pPr lvl="0"/>
+            <a:r>
+              <a:rPr lang="en-US"/>
+              <a:t>Click to edit Master text styles</a:t>
+            </a:r>
+          </a:p>
+          <a:p>
+            <a:pPr lvl="1"/>
+            <a:r>
+              <a:rPr lang="en-US"/>
+              <a:t>Second level</a:t>
+            </a:r>
+          </a:p>
+          <a:p>
+            <a:pPr lvl="2"/>
+            <a:r>
+              <a:rPr lang="en-US"/>
+              <a:t>Third level</a:t>
+            </a:r>
+          </a:p>
+          <a:p>
+            <a:pPr lvl="3"/>
+            <a:r>
+              <a:rPr lang="en-US"/>
+              <a:t>Fourth level</a:t>
+            </a:r>
+          </a:p>
+          <a:p>
+            <a:pPr lvl="4"/>
+            <a:r>
+              <a:rPr lang="en-US"/>
+              <a:t>Fifth level</a:t>
+            </a:r>
+          </a:p>
+        </p:txBody>
+      </p:sp>
+      <p:sp>
+        <p:nvSpPr>
+          <p:cNvPr id="4" name="Text Placeholder 3">
+            <a:extLst>
+              <a:ext uri="{FF2B5EF4-FFF2-40B4-BE49-F238E27FC236}">
+                <a16:creationId xmlns:a16="http://schemas.microsoft.com/office/drawing/2014/main" id="{5F9B9971-6807-1624-748C-81A8AD235E84}"/>
+              </a:ext>
+            </a:extLst>
+          </p:cNvPr>
+          <p:cNvSpPr>
+            <a:spLocks noGrp="1"/>
+          </p:cNvSpPr>
+          <p:nvPr>
+            <p:ph type="body" sz="half" idx="2"/>
+          </p:nvPr>
+        </p:nvSpPr>
+        <p:spPr>
+          <a:xfrm>
+            <a:off x="839788" y="2057400"/>
+            <a:ext cx="3932237" cy="3811588"/>
+          </a:xfrm>
+        </p:spPr>
+        <p:txBody>
+          <a:bodyPr/>
+          <a:lstStyle>
+            <a:lvl1pPr marL="0" indent="0">
+              <a:buNone/>
+              <a:defRPr sz="1600"/>
+            </a:lvl1pPr>
+            <a:lvl2pPr marL="457200" indent="0">
+              <a:buNone/>
+              <a:defRPr sz="1400"/>
+            </a:lvl2pPr>
+            <a:lvl3pPr marL="914400" indent="0">
+              <a:buNone/>
+              <a:defRPr sz="1200"/>
+            </a:lvl3pPr>
+            <a:lvl4pPr marL="1371600" indent="0">
+              <a:buNone/>
+              <a:defRPr sz="1000"/>
+            </a:lvl4pPr>
+            <a:lvl5pPr marL="1828800" indent="0">
+              <a:buNone/>
+              <a:defRPr sz="1000"/>
+            </a:lvl5pPr>
+            <a:lvl6pPr marL="2286000" indent="0">
+              <a:buNone/>
+              <a:defRPr sz="1000"/>
+            </a:lvl6pPr>
+            <a:lvl7pPr marL="2743200" indent="0">
+              <a:buNone/>
+              <a:defRPr sz="1000"/>
+            </a:lvl7pPr>
+            <a:lvl8pPr marL="3200400" indent="0">
+              <a:buNone/>
+              <a:defRPr sz="1000"/>
+            </a:lvl8pPr>
+            <a:lvl9pPr marL="3657600" indent="0">
+              <a:buNone/>
+              <a:defRPr sz="1000"/>
+            </a:lvl9pPr>
+          </a:lstStyle>
+          <a:p>
+            <a:pPr lvl="0"/>
+            <a:r>
+              <a:rPr lang="en-US"/>
+              <a:t>Click to edit Master text styles</a:t>
+            </a:r>
+          </a:p>
+        </p:txBody>
+      </p:sp>
+      <p:sp>
+        <p:nvSpPr>
+          <p:cNvPr id="5" name="Date Placeholder 4">
+            <a:extLst>
+              <a:ext uri="{FF2B5EF4-FFF2-40B4-BE49-F238E27FC236}">
+                <a16:creationId xmlns:a16="http://schemas.microsoft.com/office/drawing/2014/main" id="{0AEC105C-AFF0-FDF1-E144-7126628DD247}"/>
+              </a:ext>
+            </a:extLst>
+          </p:cNvPr>
+          <p:cNvSpPr>
+            <a:spLocks noGrp="1"/>
+          </p:cNvSpPr>
+          <p:nvPr>
+            <p:ph type="dt" sz="half" idx="10"/>
+          </p:nvPr>
+        </p:nvSpPr>
+        <p:spPr/>
+        <p:txBody>
+          <a:bodyPr/>
+          <a:lstStyle/>
+          <a:p>
+            <a:fld id="{7696AA18-7D70-BD4D-B213-B24785A38CE8}" type="datetimeFigureOut">
+              <a:rPr lang="en-US" smtClean="0"/>
+              <a:t>10/19/25</a:t>
+            </a:fld>
+            <a:endParaRPr lang="en-US"/>
+          </a:p>
+        </p:txBody>
+      </p:sp>
+      <p:sp>
+        <p:nvSpPr>
+          <p:cNvPr id="6" name="Footer Placeholder 5">
+            <a:extLst>
+              <a:ext uri="{FF2B5EF4-FFF2-40B4-BE49-F238E27FC236}">
+                <a16:creationId xmlns:a16="http://schemas.microsoft.com/office/drawing/2014/main" id="{06761DDC-C907-A5EC-4C1F-E577A695A4EC}"/>
+              </a:ext>
+            </a:extLst>
+          </p:cNvPr>
+          <p:cNvSpPr>
+            <a:spLocks noGrp="1"/>
+          </p:cNvSpPr>
+          <p:nvPr>
+            <p:ph type="ftr" sz="quarter" idx="11"/>
+          </p:nvPr>
+        </p:nvSpPr>
+        <p:spPr/>
+        <p:txBody>
+          <a:bodyPr/>
+          <a:lstStyle/>
+          <a:p>
+            <a:endParaRPr lang="en-US"/>
+          </a:p>
+        </p:txBody>
+      </p:sp>
+      <p:sp>
+        <p:nvSpPr>
+          <p:cNvPr id="7" name="Slide Number Placeholder 6">
+            <a:extLst>
+              <a:ext uri="{FF2B5EF4-FFF2-40B4-BE49-F238E27FC236}">
+                <a16:creationId xmlns:a16="http://schemas.microsoft.com/office/drawing/2014/main" id="{ADD03AD2-BE90-7B93-419C-532F47F1E93E}"/>
+              </a:ext>
+            </a:extLst>
+          </p:cNvPr>
+          <p:cNvSpPr>
+            <a:spLocks noGrp="1"/>
+          </p:cNvSpPr>
+          <p:nvPr>
+            <p:ph type="sldNum" sz="quarter" idx="12"/>
+          </p:nvPr>
+        </p:nvSpPr>
+        <p:spPr/>
+        <p:txBody>
+          <a:bodyPr/>
+          <a:lstStyle/>
+          <a:p>
+            <a:fld id="{FE9F33D6-B010-AA4D-AC56-DEB52284276D}" type="slidenum">
+              <a:rPr lang="en-US" smtClean="0"/>
+              <a:t>‹#›</a:t>
+            </a:fld>
+            <a:endParaRPr lang="en-US"/>
+          </a:p>
+        </p:txBody>
+      </p:sp>
+    </p:spTree>
+    <p:extLst>
+      <p:ext uri="{BB962C8B-B14F-4D97-AF65-F5344CB8AC3E}">
+        <p14:creationId xmlns:p14="http://schemas.microsoft.com/office/powerpoint/2010/main" val="1478203866"/>
+      </p:ext>
+    </p:extLst>
+  </p:cSld>
+  <p:clrMapOvr>
+    <a:masterClrMapping/>
+  </p:clrMapOvr>
+</p:sldLayout>
+</file>
+
+<file path=ppt/slideMasters/slideMaster1.xml><?xml version="1.0" encoding="utf-8"?>
+<p:sldMaster xmlns:a="http://schemas.openxmlformats.org/drawingml/2006/main" xmlns:r="http://schemas.openxmlformats.org/officeDocument/2006/relationships" xmlns:p="http://schemas.openxmlformats.org/presentationml/2006/main">
+  <p:cSld>
+    <p:bg>
+      <p:bgPr>
+        <a:solidFill>
+          <a:schemeClr val="tx1"/>
+        </a:solidFill>
+        <a:effectLst/>
+      </p:bgPr>
+    </p:bg>
+    <p:spTree>
+      <p:nvGrpSpPr>
+        <p:cNvPr id="1" name=""/>
+        <p:cNvGrpSpPr/>
+        <p:nvPr/>
+      </p:nvGrpSpPr>
+      <p:grpSpPr>
+        <a:xfrm>
+          <a:off x="0" y="0"/>
+          <a:ext cx="0" cy="0"/>
+          <a:chOff x="0" y="0"/>
+          <a:chExt cx="0" cy="0"/>
+        </a:xfrm>
+      </p:grpSpPr>
+      <p:sp>
+        <p:nvSpPr>
+          <p:cNvPr id="2" name="Title Placeholder 1">
+            <a:extLst>
+              <a:ext uri="{FF2B5EF4-FFF2-40B4-BE49-F238E27FC236}">
+                <a16:creationId xmlns:a16="http://schemas.microsoft.com/office/drawing/2014/main" id="{4EBEB563-F947-A9E4-F83A-32F575EE5FDE}"/>
+              </a:ext>
+            </a:extLst>
+          </p:cNvPr>
+          <p:cNvSpPr>
+            <a:spLocks noGrp="1"/>
+          </p:cNvSpPr>
+          <p:nvPr>
+            <p:ph type="title"/>
+          </p:nvPr>
+        </p:nvSpPr>
+        <p:spPr>
+          <a:xfrm>
+            <a:off x="838200" y="365125"/>
+            <a:ext cx="10515600" cy="1325563"/>
           </a:xfrm>
           <a:prstGeom prst="rect">
             <a:avLst/>
@@ -1086,15 +6322,22 @@
           <a:lstStyle/>
           <a:p>
             <a:r>
-              <a:rPr lang="ko-KR" altLang="en-US"/>
-              <a:t>마스터 제목 스타일 편집</a:t>
-            </a:r>
-          </a:p>
-        </p:txBody>
-      </p:sp>
-      <p:sp>
-        <p:nvSpPr>
-          <p:cNvPr id="3" name="텍스트 개체 틀 2"/>
+              <a:rPr lang="en-US"/>
+              <a:t>Click to edit Master title style</a:t>
+            </a:r>
+            <a:endParaRPr lang="en-US" dirty="0"/>
+          </a:p>
+        </p:txBody>
+      </p:sp>
+      <p:sp>
+        <p:nvSpPr>
+          <p:cNvPr id="3" name="Text Placeholder 2">
+            <a:extLst>
+              <a:ext uri="{FF2B5EF4-FFF2-40B4-BE49-F238E27FC236}">
+                <a16:creationId xmlns:a16="http://schemas.microsoft.com/office/drawing/2014/main" id="{9B4C23E7-3A73-78AC-68F7-6CE4CBBAE700}"/>
+              </a:ext>
+            </a:extLst>
+          </p:cNvPr>
           <p:cNvSpPr>
             <a:spLocks noGrp="1"/>
           </p:cNvSpPr>
@@ -1104,8 +6347,8 @@
         </p:nvSpPr>
         <p:spPr>
           <a:xfrm>
-            <a:off x="609600" y="1600201"/>
-            <a:ext cx="10972800" cy="4525963"/>
+            <a:off x="838200" y="1825625"/>
+            <a:ext cx="10515600" cy="4351338"/>
           </a:xfrm>
           <a:prstGeom prst="rect">
             <a:avLst/>
@@ -1119,43 +6362,50 @@
           <a:p>
             <a:pPr lvl="0"/>
             <a:r>
-              <a:rPr lang="ko-KR" altLang="en-US"/>
-              <a:t>마스터 텍스트 스타일을 편집합니다</a:t>
+              <a:rPr lang="en-US"/>
+              <a:t>Click to edit Master text styles</a:t>
             </a:r>
           </a:p>
           <a:p>
             <a:pPr lvl="1"/>
             <a:r>
-              <a:rPr lang="ko-KR" altLang="en-US"/>
-              <a:t>둘째 수준</a:t>
+              <a:rPr lang="en-US"/>
+              <a:t>Second level</a:t>
             </a:r>
           </a:p>
           <a:p>
             <a:pPr lvl="2"/>
             <a:r>
-              <a:rPr lang="ko-KR" altLang="en-US"/>
-              <a:t>셋째 수준</a:t>
+              <a:rPr lang="en-US"/>
+              <a:t>Third level</a:t>
             </a:r>
           </a:p>
           <a:p>
             <a:pPr lvl="3"/>
             <a:r>
-              <a:rPr lang="ko-KR" altLang="en-US"/>
-              <a:t>넷째 수준</a:t>
+              <a:rPr lang="en-US"/>
+              <a:t>Fourth level</a:t>
             </a:r>
           </a:p>
           <a:p>
             <a:pPr lvl="4"/>
             <a:r>
-              <a:rPr lang="ko-KR" altLang="en-US"/>
-              <a:t>다섯째 수준</a:t>
-            </a:r>
-          </a:p>
-        </p:txBody>
-      </p:sp>
-      <p:sp>
-        <p:nvSpPr>
-          <p:cNvPr id="4" name="날짜 개체 틀 3"/>
+              <a:rPr lang="en-US"/>
+              <a:t>Fifth level</a:t>
+            </a:r>
+            <a:endParaRPr lang="en-US" dirty="0"/>
+          </a:p>
+        </p:txBody>
+      </p:sp>
+      <p:sp>
+        <p:nvSpPr>
+          <p:cNvPr id="4" name="Date Placeholder 3">
+            <a:extLst>
+              <a:ext uri="{FF2B5EF4-FFF2-40B4-BE49-F238E27FC236}">
+                <a16:creationId xmlns:a16="http://schemas.microsoft.com/office/drawing/2014/main" id="{BA4AE036-3A14-0B98-3CB3-ED2E82265458}"/>
+              </a:ext>
+            </a:extLst>
+          </p:cNvPr>
           <p:cNvSpPr>
             <a:spLocks noGrp="1"/>
           </p:cNvSpPr>
@@ -1165,8 +6415,8 @@
         </p:nvSpPr>
         <p:spPr>
           <a:xfrm>
-            <a:off x="609600" y="6356352"/>
-            <a:ext cx="2844800" cy="365125"/>
+            <a:off x="838200" y="6356350"/>
+            <a:ext cx="2743200" cy="365125"/>
           </a:xfrm>
           <a:prstGeom prst="rect">
             <a:avLst/>
@@ -1176,7 +6426,7 @@
           <a:bodyPr vert="horz" lIns="91440" tIns="45720" rIns="91440" bIns="45720" rtlCol="0" anchor="ctr"/>
           <a:lstStyle>
             <a:lvl1pPr algn="l">
-              <a:defRPr sz="1600">
+              <a:defRPr sz="1200">
                 <a:solidFill>
                   <a:schemeClr val="tx1">
                     <a:tint val="75000"/>
@@ -1186,17 +6436,23 @@
             </a:lvl1pPr>
           </a:lstStyle>
           <a:p>
-            <a:fld id="{AE9940A0-3E67-4FB7-BA7E-EAF0C0E0891D}" type="datetimeFigureOut">
-              <a:rPr lang="ko-KR" altLang="en-US" smtClean="0"/>
-              <a:t>2025. 10. 19.</a:t>
+            <a:fld id="{7696AA18-7D70-BD4D-B213-B24785A38CE8}" type="datetimeFigureOut">
+              <a:rPr lang="en-US" smtClean="0"/>
+              <a:t>10/19/25</a:t>
             </a:fld>
-            <a:endParaRPr lang="ko-KR" altLang="en-US"/>
-          </a:p>
-        </p:txBody>
-      </p:sp>
-      <p:sp>
-        <p:nvSpPr>
-          <p:cNvPr id="5" name="바닥글 개체 틀 4"/>
+            <a:endParaRPr lang="en-US"/>
+          </a:p>
+        </p:txBody>
+      </p:sp>
+      <p:sp>
+        <p:nvSpPr>
+          <p:cNvPr id="5" name="Footer Placeholder 4">
+            <a:extLst>
+              <a:ext uri="{FF2B5EF4-FFF2-40B4-BE49-F238E27FC236}">
+                <a16:creationId xmlns:a16="http://schemas.microsoft.com/office/drawing/2014/main" id="{8CE8BF14-2416-7C12-5514-CDDF9C67BC91}"/>
+              </a:ext>
+            </a:extLst>
+          </p:cNvPr>
           <p:cNvSpPr>
             <a:spLocks noGrp="1"/>
           </p:cNvSpPr>
@@ -1206,8 +6462,8 @@
         </p:nvSpPr>
         <p:spPr>
           <a:xfrm>
-            <a:off x="4165600" y="6356352"/>
-            <a:ext cx="3860800" cy="365125"/>
+            <a:off x="4038600" y="6356350"/>
+            <a:ext cx="4114800" cy="365125"/>
           </a:xfrm>
           <a:prstGeom prst="rect">
             <a:avLst/>
@@ -1217,7 +6473,7 @@
           <a:bodyPr vert="horz" lIns="91440" tIns="45720" rIns="91440" bIns="45720" rtlCol="0" anchor="ctr"/>
           <a:lstStyle>
             <a:lvl1pPr algn="ctr">
-              <a:defRPr sz="1600">
+              <a:defRPr sz="1200">
                 <a:solidFill>
                   <a:schemeClr val="tx1">
                     <a:tint val="75000"/>
@@ -1227,13 +6483,19 @@
             </a:lvl1pPr>
           </a:lstStyle>
           <a:p>
-            <a:endParaRPr lang="ko-KR" altLang="en-US"/>
-          </a:p>
-        </p:txBody>
-      </p:sp>
-      <p:sp>
-        <p:nvSpPr>
-          <p:cNvPr id="6" name="슬라이드 번호 개체 틀 5"/>
+            <a:endParaRPr lang="en-US"/>
+          </a:p>
+        </p:txBody>
+      </p:sp>
+      <p:sp>
+        <p:nvSpPr>
+          <p:cNvPr id="6" name="Slide Number Placeholder 5">
+            <a:extLst>
+              <a:ext uri="{FF2B5EF4-FFF2-40B4-BE49-F238E27FC236}">
+                <a16:creationId xmlns:a16="http://schemas.microsoft.com/office/drawing/2014/main" id="{97B2D0C7-5EE3-A85A-4ED5-96B4F8EE21AF}"/>
+              </a:ext>
+            </a:extLst>
+          </p:cNvPr>
           <p:cNvSpPr>
             <a:spLocks noGrp="1"/>
           </p:cNvSpPr>
@@ -1243,8 +6505,8 @@
         </p:nvSpPr>
         <p:spPr>
           <a:xfrm>
-            <a:off x="8737600" y="6356352"/>
-            <a:ext cx="2844800" cy="365125"/>
+            <a:off x="8610600" y="6356350"/>
+            <a:ext cx="2743200" cy="365125"/>
           </a:xfrm>
           <a:prstGeom prst="rect">
             <a:avLst/>
@@ -1254,7 +6516,7 @@
           <a:bodyPr vert="horz" lIns="91440" tIns="45720" rIns="91440" bIns="45720" rtlCol="0" anchor="ctr"/>
           <a:lstStyle>
             <a:lvl1pPr algn="r">
-              <a:defRPr sz="1600">
+              <a:defRPr sz="1200">
                 <a:solidFill>
                   <a:schemeClr val="tx1">
                     <a:tint val="75000"/>
@@ -1264,125 +6526,154 @@
             </a:lvl1pPr>
           </a:lstStyle>
           <a:p>
-            <a:fld id="{F416F8A6-1623-4D78-BE77-A71F09F473B8}" type="slidenum">
-              <a:rPr lang="ko-KR" altLang="en-US" smtClean="0"/>
+            <a:fld id="{FE9F33D6-B010-AA4D-AC56-DEB52284276D}" type="slidenum">
+              <a:rPr lang="en-US" smtClean="0"/>
               <a:t>‹#›</a:t>
             </a:fld>
-            <a:endParaRPr lang="ko-KR" altLang="en-US"/>
+            <a:endParaRPr lang="en-US"/>
           </a:p>
         </p:txBody>
       </p:sp>
     </p:spTree>
     <p:extLst>
       <p:ext uri="{BB962C8B-B14F-4D97-AF65-F5344CB8AC3E}">
-        <p14:creationId xmlns:p14="http://schemas.microsoft.com/office/powerpoint/2010/main" val="1221165054"/>
+        <p14:creationId xmlns:p14="http://schemas.microsoft.com/office/powerpoint/2010/main" val="3067160923"/>
       </p:ext>
     </p:extLst>
   </p:cSld>
   <p:clrMap bg1="lt1" tx1="dk1" bg2="lt2" tx2="dk2" accent1="accent1" accent2="accent2" accent3="accent3" accent4="accent4" accent5="accent5" accent6="accent6" hlink="hlink" folHlink="folHlink"/>
   <p:sldLayoutIdLst>
-    <p:sldLayoutId id="2147483671" r:id="rId1"/>
+    <p:sldLayoutId id="2147483661" r:id="rId1"/>
+    <p:sldLayoutId id="2147483662" r:id="rId2"/>
+    <p:sldLayoutId id="2147483669" r:id="rId3"/>
+    <p:sldLayoutId id="2147483663" r:id="rId4"/>
+    <p:sldLayoutId id="2147483664" r:id="rId5"/>
+    <p:sldLayoutId id="2147483665" r:id="rId6"/>
+    <p:sldLayoutId id="2147483666" r:id="rId7"/>
+    <p:sldLayoutId id="2147483667" r:id="rId8"/>
+    <p:sldLayoutId id="2147483668" r:id="rId9"/>
   </p:sldLayoutIdLst>
   <p:txStyles>
     <p:titleStyle>
-      <a:lvl1pPr algn="ctr" defTabSz="1219170" rtl="0" eaLnBrk="1" latinLnBrk="1" hangingPunct="1">
+      <a:lvl1pPr algn="l" defTabSz="914400" rtl="0" eaLnBrk="1" latinLnBrk="0" hangingPunct="1">
+        <a:lnSpc>
+          <a:spcPct val="90000"/>
+        </a:lnSpc>
         <a:spcBef>
           <a:spcPct val="0"/>
         </a:spcBef>
         <a:buNone/>
-        <a:defRPr sz="5867" kern="1200">
+        <a:defRPr sz="5400" b="1" kern="1200">
           <a:solidFill>
-            <a:schemeClr val="tx1"/>
+            <a:srgbClr val="FFC000"/>
           </a:solidFill>
-          <a:latin typeface="+mj-lt"/>
+          <a:latin typeface="Calibri" panose="020F0502020204030204" pitchFamily="34" charset="0"/>
           <a:ea typeface="+mj-ea"/>
-          <a:cs typeface="+mj-cs"/>
+          <a:cs typeface="Calibri" panose="020F0502020204030204" pitchFamily="34" charset="0"/>
         </a:defRPr>
       </a:lvl1pPr>
     </p:titleStyle>
     <p:bodyStyle>
-      <a:lvl1pPr marL="457189" indent="-457189" algn="l" defTabSz="1219170" rtl="0" eaLnBrk="1" latinLnBrk="1" hangingPunct="1">
+      <a:lvl1pPr marL="228600" indent="-228600" algn="l" defTabSz="914400" rtl="0" eaLnBrk="1" latinLnBrk="0" hangingPunct="1">
+        <a:lnSpc>
+          <a:spcPct val="90000"/>
+        </a:lnSpc>
         <a:spcBef>
-          <a:spcPct val="20000"/>
+          <a:spcPts val="1000"/>
         </a:spcBef>
-        <a:buFont typeface="Arial" pitchFamily="34" charset="0"/>
+        <a:buFont typeface="Arial" panose="020B0604020202020204" pitchFamily="34" charset="0"/>
         <a:buChar char="•"/>
-        <a:defRPr sz="4267" kern="1200">
+        <a:defRPr sz="3600" b="1" kern="1200">
           <a:solidFill>
-            <a:schemeClr val="tx1"/>
+            <a:schemeClr val="bg1"/>
           </a:solidFill>
           <a:latin typeface="+mn-lt"/>
           <a:ea typeface="+mn-ea"/>
           <a:cs typeface="+mn-cs"/>
         </a:defRPr>
       </a:lvl1pPr>
-      <a:lvl2pPr marL="990575" indent="-380990" algn="l" defTabSz="1219170" rtl="0" eaLnBrk="1" latinLnBrk="1" hangingPunct="1">
+      <a:lvl2pPr marL="685800" indent="-228600" algn="l" defTabSz="914400" rtl="0" eaLnBrk="1" latinLnBrk="0" hangingPunct="1">
+        <a:lnSpc>
+          <a:spcPct val="90000"/>
+        </a:lnSpc>
         <a:spcBef>
-          <a:spcPct val="20000"/>
+          <a:spcPts val="500"/>
         </a:spcBef>
-        <a:buFont typeface="Arial" pitchFamily="34" charset="0"/>
-        <a:buChar char="–"/>
-        <a:defRPr sz="3733" kern="1200">
+        <a:buFont typeface="Arial" panose="020B0604020202020204" pitchFamily="34" charset="0"/>
+        <a:buChar char="•"/>
+        <a:defRPr sz="3200" b="1" kern="1200">
           <a:solidFill>
-            <a:schemeClr val="tx1"/>
+            <a:schemeClr val="bg1"/>
           </a:solidFill>
           <a:latin typeface="+mn-lt"/>
           <a:ea typeface="+mn-ea"/>
           <a:cs typeface="+mn-cs"/>
         </a:defRPr>
       </a:lvl2pPr>
-      <a:lvl3pPr marL="1523962" indent="-304792" algn="l" defTabSz="1219170" rtl="0" eaLnBrk="1" latinLnBrk="1" hangingPunct="1">
+      <a:lvl3pPr marL="1143000" indent="-228600" algn="l" defTabSz="914400" rtl="0" eaLnBrk="1" latinLnBrk="0" hangingPunct="1">
+        <a:lnSpc>
+          <a:spcPct val="90000"/>
+        </a:lnSpc>
         <a:spcBef>
-          <a:spcPct val="20000"/>
+          <a:spcPts val="500"/>
         </a:spcBef>
-        <a:buFont typeface="Arial" pitchFamily="34" charset="0"/>
+        <a:buFont typeface="Arial" panose="020B0604020202020204" pitchFamily="34" charset="0"/>
         <a:buChar char="•"/>
-        <a:defRPr sz="3200" kern="1200">
+        <a:defRPr sz="2800" b="1" kern="1200">
           <a:solidFill>
-            <a:schemeClr val="tx1"/>
+            <a:schemeClr val="bg1"/>
           </a:solidFill>
           <a:latin typeface="+mn-lt"/>
           <a:ea typeface="+mn-ea"/>
           <a:cs typeface="+mn-cs"/>
         </a:defRPr>
       </a:lvl3pPr>
-      <a:lvl4pPr marL="2133547" indent="-304792" algn="l" defTabSz="1219170" rtl="0" eaLnBrk="1" latinLnBrk="1" hangingPunct="1">
+      <a:lvl4pPr marL="1600200" indent="-228600" algn="l" defTabSz="914400" rtl="0" eaLnBrk="1" latinLnBrk="0" hangingPunct="1">
+        <a:lnSpc>
+          <a:spcPct val="90000"/>
+        </a:lnSpc>
         <a:spcBef>
-          <a:spcPct val="20000"/>
+          <a:spcPts val="500"/>
         </a:spcBef>
-        <a:buFont typeface="Arial" pitchFamily="34" charset="0"/>
-        <a:buChar char="–"/>
-        <a:defRPr sz="2667" kern="1200">
+        <a:buFont typeface="Arial" panose="020B0604020202020204" pitchFamily="34" charset="0"/>
+        <a:buChar char="•"/>
+        <a:defRPr sz="2400" b="1" kern="1200">
           <a:solidFill>
-            <a:schemeClr val="tx1"/>
+            <a:schemeClr val="bg1"/>
           </a:solidFill>
           <a:latin typeface="+mn-lt"/>
           <a:ea typeface="+mn-ea"/>
           <a:cs typeface="+mn-cs"/>
         </a:defRPr>
       </a:lvl4pPr>
-      <a:lvl5pPr marL="2743131" indent="-304792" algn="l" defTabSz="1219170" rtl="0" eaLnBrk="1" latinLnBrk="1" hangingPunct="1">
+      <a:lvl5pPr marL="2057400" indent="-228600" algn="l" defTabSz="914400" rtl="0" eaLnBrk="1" latinLnBrk="0" hangingPunct="1">
+        <a:lnSpc>
+          <a:spcPct val="90000"/>
+        </a:lnSpc>
         <a:spcBef>
-          <a:spcPct val="20000"/>
+          <a:spcPts val="500"/>
         </a:spcBef>
-        <a:buFont typeface="Arial" pitchFamily="34" charset="0"/>
-        <a:buChar char="»"/>
-        <a:defRPr sz="2667" kern="1200">
+        <a:buFont typeface="Arial" panose="020B0604020202020204" pitchFamily="34" charset="0"/>
+        <a:buChar char="•"/>
+        <a:defRPr sz="2400" b="1" kern="1200">
           <a:solidFill>
-            <a:schemeClr val="tx1"/>
+            <a:schemeClr val="bg1"/>
           </a:solidFill>
           <a:latin typeface="+mn-lt"/>
           <a:ea typeface="+mn-ea"/>
           <a:cs typeface="+mn-cs"/>
         </a:defRPr>
       </a:lvl5pPr>
-      <a:lvl6pPr marL="3352716" indent="-304792" algn="l" defTabSz="1219170" rtl="0" eaLnBrk="1" latinLnBrk="1" hangingPunct="1">
+      <a:lvl6pPr marL="2514600" indent="-228600" algn="l" defTabSz="914400" rtl="0" eaLnBrk="1" latinLnBrk="0" hangingPunct="1">
+        <a:lnSpc>
+          <a:spcPct val="90000"/>
+        </a:lnSpc>
         <a:spcBef>
-          <a:spcPct val="20000"/>
+          <a:spcPts val="500"/>
         </a:spcBef>
-        <a:buFont typeface="Arial" pitchFamily="34" charset="0"/>
+        <a:buFont typeface="Arial" panose="020B0604020202020204" pitchFamily="34" charset="0"/>
         <a:buChar char="•"/>
-        <a:defRPr sz="2667" kern="1200">
+        <a:defRPr sz="1800" kern="1200">
           <a:solidFill>
             <a:schemeClr val="tx1"/>
           </a:solidFill>
@@ -1391,13 +6682,16 @@
           <a:cs typeface="+mn-cs"/>
         </a:defRPr>
       </a:lvl6pPr>
-      <a:lvl7pPr marL="3962301" indent="-304792" algn="l" defTabSz="1219170" rtl="0" eaLnBrk="1" latinLnBrk="1" hangingPunct="1">
+      <a:lvl7pPr marL="2971800" indent="-228600" algn="l" defTabSz="914400" rtl="0" eaLnBrk="1" latinLnBrk="0" hangingPunct="1">
+        <a:lnSpc>
+          <a:spcPct val="90000"/>
+        </a:lnSpc>
         <a:spcBef>
-          <a:spcPct val="20000"/>
+          <a:spcPts val="500"/>
         </a:spcBef>
-        <a:buFont typeface="Arial" pitchFamily="34" charset="0"/>
+        <a:buFont typeface="Arial" panose="020B0604020202020204" pitchFamily="34" charset="0"/>
         <a:buChar char="•"/>
-        <a:defRPr sz="2667" kern="1200">
+        <a:defRPr sz="1800" kern="1200">
           <a:solidFill>
             <a:schemeClr val="tx1"/>
           </a:solidFill>
@@ -1406,13 +6700,16 @@
           <a:cs typeface="+mn-cs"/>
         </a:defRPr>
       </a:lvl7pPr>
-      <a:lvl8pPr marL="4571886" indent="-304792" algn="l" defTabSz="1219170" rtl="0" eaLnBrk="1" latinLnBrk="1" hangingPunct="1">
+      <a:lvl8pPr marL="3429000" indent="-228600" algn="l" defTabSz="914400" rtl="0" eaLnBrk="1" latinLnBrk="0" hangingPunct="1">
+        <a:lnSpc>
+          <a:spcPct val="90000"/>
+        </a:lnSpc>
         <a:spcBef>
-          <a:spcPct val="20000"/>
+          <a:spcPts val="500"/>
         </a:spcBef>
-        <a:buFont typeface="Arial" pitchFamily="34" charset="0"/>
+        <a:buFont typeface="Arial" panose="020B0604020202020204" pitchFamily="34" charset="0"/>
         <a:buChar char="•"/>
-        <a:defRPr sz="2667" kern="1200">
+        <a:defRPr sz="1800" kern="1200">
           <a:solidFill>
             <a:schemeClr val="tx1"/>
           </a:solidFill>
@@ -1421,13 +6718,16 @@
           <a:cs typeface="+mn-cs"/>
         </a:defRPr>
       </a:lvl8pPr>
-      <a:lvl9pPr marL="5181470" indent="-304792" algn="l" defTabSz="1219170" rtl="0" eaLnBrk="1" latinLnBrk="1" hangingPunct="1">
+      <a:lvl9pPr marL="3886200" indent="-228600" algn="l" defTabSz="914400" rtl="0" eaLnBrk="1" latinLnBrk="0" hangingPunct="1">
+        <a:lnSpc>
+          <a:spcPct val="90000"/>
+        </a:lnSpc>
         <a:spcBef>
-          <a:spcPct val="20000"/>
+          <a:spcPts val="500"/>
         </a:spcBef>
-        <a:buFont typeface="Arial" pitchFamily="34" charset="0"/>
+        <a:buFont typeface="Arial" panose="020B0604020202020204" pitchFamily="34" charset="0"/>
         <a:buChar char="•"/>
-        <a:defRPr sz="2667" kern="1200">
+        <a:defRPr sz="1800" kern="1200">
           <a:solidFill>
             <a:schemeClr val="tx1"/>
           </a:solidFill>
@@ -1439,10 +6739,10 @@
     </p:bodyStyle>
     <p:otherStyle>
       <a:defPPr>
-        <a:defRPr lang="ko-KR"/>
+        <a:defRPr lang="en-US"/>
       </a:defPPr>
-      <a:lvl1pPr marL="0" algn="l" defTabSz="1219170" rtl="0" eaLnBrk="1" latinLnBrk="1" hangingPunct="1">
-        <a:defRPr sz="2400" kern="1200">
+      <a:lvl1pPr marL="0" algn="l" defTabSz="914400" rtl="0" eaLnBrk="1" latinLnBrk="0" hangingPunct="1">
+        <a:defRPr sz="1800" kern="1200">
           <a:solidFill>
             <a:schemeClr val="tx1"/>
           </a:solidFill>
@@ -1451,8 +6751,8 @@
           <a:cs typeface="+mn-cs"/>
         </a:defRPr>
       </a:lvl1pPr>
-      <a:lvl2pPr marL="609585" algn="l" defTabSz="1219170" rtl="0" eaLnBrk="1" latinLnBrk="1" hangingPunct="1">
-        <a:defRPr sz="2400" kern="1200">
+      <a:lvl2pPr marL="457200" algn="l" defTabSz="914400" rtl="0" eaLnBrk="1" latinLnBrk="0" hangingPunct="1">
+        <a:defRPr sz="1800" kern="1200">
           <a:solidFill>
             <a:schemeClr val="tx1"/>
           </a:solidFill>
@@ -1461,8 +6761,8 @@
           <a:cs typeface="+mn-cs"/>
         </a:defRPr>
       </a:lvl2pPr>
-      <a:lvl3pPr marL="1219170" algn="l" defTabSz="1219170" rtl="0" eaLnBrk="1" latinLnBrk="1" hangingPunct="1">
-        <a:defRPr sz="2400" kern="1200">
+      <a:lvl3pPr marL="914400" algn="l" defTabSz="914400" rtl="0" eaLnBrk="1" latinLnBrk="0" hangingPunct="1">
+        <a:defRPr sz="1800" kern="1200">
           <a:solidFill>
             <a:schemeClr val="tx1"/>
           </a:solidFill>
@@ -1471,8 +6771,8 @@
           <a:cs typeface="+mn-cs"/>
         </a:defRPr>
       </a:lvl3pPr>
-      <a:lvl4pPr marL="1828754" algn="l" defTabSz="1219170" rtl="0" eaLnBrk="1" latinLnBrk="1" hangingPunct="1">
-        <a:defRPr sz="2400" kern="1200">
+      <a:lvl4pPr marL="1371600" algn="l" defTabSz="914400" rtl="0" eaLnBrk="1" latinLnBrk="0" hangingPunct="1">
+        <a:defRPr sz="1800" kern="1200">
           <a:solidFill>
             <a:schemeClr val="tx1"/>
           </a:solidFill>
@@ -1481,8 +6781,8 @@
           <a:cs typeface="+mn-cs"/>
         </a:defRPr>
       </a:lvl4pPr>
-      <a:lvl5pPr marL="2438339" algn="l" defTabSz="1219170" rtl="0" eaLnBrk="1" latinLnBrk="1" hangingPunct="1">
-        <a:defRPr sz="2400" kern="1200">
+      <a:lvl5pPr marL="1828800" algn="l" defTabSz="914400" rtl="0" eaLnBrk="1" latinLnBrk="0" hangingPunct="1">
+        <a:defRPr sz="1800" kern="1200">
           <a:solidFill>
             <a:schemeClr val="tx1"/>
           </a:solidFill>
@@ -1491,8 +6791,8 @@
           <a:cs typeface="+mn-cs"/>
         </a:defRPr>
       </a:lvl5pPr>
-      <a:lvl6pPr marL="3047924" algn="l" defTabSz="1219170" rtl="0" eaLnBrk="1" latinLnBrk="1" hangingPunct="1">
-        <a:defRPr sz="2400" kern="1200">
+      <a:lvl6pPr marL="2286000" algn="l" defTabSz="914400" rtl="0" eaLnBrk="1" latinLnBrk="0" hangingPunct="1">
+        <a:defRPr sz="1800" kern="1200">
           <a:solidFill>
             <a:schemeClr val="tx1"/>
           </a:solidFill>
@@ -1501,8 +6801,8 @@
           <a:cs typeface="+mn-cs"/>
         </a:defRPr>
       </a:lvl6pPr>
-      <a:lvl7pPr marL="3657509" algn="l" defTabSz="1219170" rtl="0" eaLnBrk="1" latinLnBrk="1" hangingPunct="1">
-        <a:defRPr sz="2400" kern="1200">
+      <a:lvl7pPr marL="2743200" algn="l" defTabSz="914400" rtl="0" eaLnBrk="1" latinLnBrk="0" hangingPunct="1">
+        <a:defRPr sz="1800" kern="1200">
           <a:solidFill>
             <a:schemeClr val="tx1"/>
           </a:solidFill>
@@ -1511,8 +6811,8 @@
           <a:cs typeface="+mn-cs"/>
         </a:defRPr>
       </a:lvl7pPr>
-      <a:lvl8pPr marL="4267093" algn="l" defTabSz="1219170" rtl="0" eaLnBrk="1" latinLnBrk="1" hangingPunct="1">
-        <a:defRPr sz="2400" kern="1200">
+      <a:lvl8pPr marL="3200400" algn="l" defTabSz="914400" rtl="0" eaLnBrk="1" latinLnBrk="0" hangingPunct="1">
+        <a:defRPr sz="1800" kern="1200">
           <a:solidFill>
             <a:schemeClr val="tx1"/>
           </a:solidFill>
@@ -1521,8 +6821,8 @@
           <a:cs typeface="+mn-cs"/>
         </a:defRPr>
       </a:lvl8pPr>
-      <a:lvl9pPr marL="4876678" algn="l" defTabSz="1219170" rtl="0" eaLnBrk="1" latinLnBrk="1" hangingPunct="1">
-        <a:defRPr sz="2400" kern="1200">
+      <a:lvl9pPr marL="3657600" algn="l" defTabSz="914400" rtl="0" eaLnBrk="1" latinLnBrk="0" hangingPunct="1">
+        <a:defRPr sz="1800" kern="1200">
           <a:solidFill>
             <a:schemeClr val="tx1"/>
           </a:solidFill>
@@ -1560,7 +6860,13 @@
       </p:grpSpPr>
       <p:sp>
         <p:nvSpPr>
-          <p:cNvPr id="2" name="제목 개체 틀 1"/>
+          <p:cNvPr id="2" name="Title Placeholder 1">
+            <a:extLst>
+              <a:ext uri="{FF2B5EF4-FFF2-40B4-BE49-F238E27FC236}">
+                <a16:creationId xmlns:a16="http://schemas.microsoft.com/office/drawing/2014/main" id="{CC1927E5-A279-B129-CF41-DBD6E19DA691}"/>
+              </a:ext>
+            </a:extLst>
+          </p:cNvPr>
           <p:cNvSpPr>
             <a:spLocks noGrp="1"/>
           </p:cNvSpPr>
@@ -1570,8 +6876,8 @@
         </p:nvSpPr>
         <p:spPr>
           <a:xfrm>
-            <a:off x="609600" y="274639"/>
-            <a:ext cx="10972800" cy="1143000"/>
+            <a:off x="838200" y="365125"/>
+            <a:ext cx="10515600" cy="1325563"/>
           </a:xfrm>
           <a:prstGeom prst="rect">
             <a:avLst/>
@@ -1584,15 +6890,21 @@
           <a:lstStyle/>
           <a:p>
             <a:r>
-              <a:rPr lang="ko-KR" altLang="en-US"/>
-              <a:t>마스터 제목 스타일 편집</a:t>
-            </a:r>
-          </a:p>
-        </p:txBody>
-      </p:sp>
-      <p:sp>
-        <p:nvSpPr>
-          <p:cNvPr id="3" name="텍스트 개체 틀 2"/>
+              <a:rPr lang="en-US"/>
+              <a:t>Click to edit Master title style</a:t>
+            </a:r>
+          </a:p>
+        </p:txBody>
+      </p:sp>
+      <p:sp>
+        <p:nvSpPr>
+          <p:cNvPr id="3" name="Text Placeholder 2">
+            <a:extLst>
+              <a:ext uri="{FF2B5EF4-FFF2-40B4-BE49-F238E27FC236}">
+                <a16:creationId xmlns:a16="http://schemas.microsoft.com/office/drawing/2014/main" id="{24ED0CFB-36AD-D445-A48D-7C206B392373}"/>
+              </a:ext>
+            </a:extLst>
+          </p:cNvPr>
           <p:cNvSpPr>
             <a:spLocks noGrp="1"/>
           </p:cNvSpPr>
@@ -1602,8 +6914,8 @@
         </p:nvSpPr>
         <p:spPr>
           <a:xfrm>
-            <a:off x="609600" y="1600201"/>
-            <a:ext cx="10972800" cy="4525963"/>
+            <a:off x="838200" y="1825624"/>
+            <a:ext cx="10515600" cy="4351339"/>
           </a:xfrm>
           <a:prstGeom prst="rect">
             <a:avLst/>
@@ -1617,43 +6929,49 @@
           <a:p>
             <a:pPr lvl="0"/>
             <a:r>
-              <a:rPr lang="ko-KR" altLang="en-US"/>
-              <a:t>마스터 텍스트 스타일을 편집합니다</a:t>
+              <a:rPr lang="en-US"/>
+              <a:t>Click to edit Master text styles</a:t>
             </a:r>
           </a:p>
           <a:p>
             <a:pPr lvl="1"/>
             <a:r>
-              <a:rPr lang="ko-KR" altLang="en-US"/>
-              <a:t>둘째 수준</a:t>
+              <a:rPr lang="en-US"/>
+              <a:t>Second level</a:t>
             </a:r>
           </a:p>
           <a:p>
             <a:pPr lvl="2"/>
             <a:r>
-              <a:rPr lang="ko-KR" altLang="en-US"/>
-              <a:t>셋째 수준</a:t>
+              <a:rPr lang="en-US"/>
+              <a:t>Third level</a:t>
             </a:r>
           </a:p>
           <a:p>
             <a:pPr lvl="3"/>
             <a:r>
-              <a:rPr lang="ko-KR" altLang="en-US"/>
-              <a:t>넷째 수준</a:t>
+              <a:rPr lang="en-US"/>
+              <a:t>Fourth level</a:t>
             </a:r>
           </a:p>
           <a:p>
             <a:pPr lvl="4"/>
             <a:r>
-              <a:rPr lang="ko-KR" altLang="en-US"/>
-              <a:t>다섯째 수준</a:t>
-            </a:r>
-          </a:p>
-        </p:txBody>
-      </p:sp>
-      <p:sp>
-        <p:nvSpPr>
-          <p:cNvPr id="4" name="날짜 개체 틀 3"/>
+              <a:rPr lang="en-US"/>
+              <a:t>Fifth level</a:t>
+            </a:r>
+          </a:p>
+        </p:txBody>
+      </p:sp>
+      <p:sp>
+        <p:nvSpPr>
+          <p:cNvPr id="4" name="Date Placeholder 3">
+            <a:extLst>
+              <a:ext uri="{FF2B5EF4-FFF2-40B4-BE49-F238E27FC236}">
+                <a16:creationId xmlns:a16="http://schemas.microsoft.com/office/drawing/2014/main" id="{CF813B61-4C83-51BF-4A60-BA9720594A94}"/>
+              </a:ext>
+            </a:extLst>
+          </p:cNvPr>
           <p:cNvSpPr>
             <a:spLocks noGrp="1"/>
           </p:cNvSpPr>
@@ -1663,8 +6981,8 @@
         </p:nvSpPr>
         <p:spPr>
           <a:xfrm>
-            <a:off x="609600" y="6356352"/>
-            <a:ext cx="2844800" cy="365125"/>
+            <a:off x="838200" y="6356351"/>
+            <a:ext cx="2743200" cy="365125"/>
           </a:xfrm>
           <a:prstGeom prst="rect">
             <a:avLst/>
@@ -1674,27 +6992,34 @@
           <a:bodyPr vert="horz" lIns="91440" tIns="45720" rIns="91440" bIns="45720" rtlCol="0" anchor="ctr"/>
           <a:lstStyle>
             <a:lvl1pPr algn="l">
-              <a:defRPr sz="1600">
+              <a:defRPr sz="1200">
                 <a:solidFill>
                   <a:schemeClr val="tx1">
-                    <a:tint val="75000"/>
+                    <a:tint val="82000"/>
                   </a:schemeClr>
                 </a:solidFill>
               </a:defRPr>
             </a:lvl1pPr>
           </a:lstStyle>
           <a:p>
-            <a:fld id="{AE9940A0-3E67-4FB7-BA7E-EAF0C0E0891D}" type="datetimeFigureOut">
-              <a:rPr lang="ko-KR" altLang="en-US" smtClean="0"/>
-              <a:t>2025. 10. 19.</a:t>
+            <a:fld id="{5B263D6C-6F96-47EC-92FE-711AC68B088E}" type="datetimeFigureOut">
+              <a:rPr lang="en-US" smtClean="0"/>
+              <a:pPr/>
+              <a:t>10/19/25</a:t>
             </a:fld>
-            <a:endParaRPr lang="ko-KR" altLang="en-US"/>
-          </a:p>
-        </p:txBody>
-      </p:sp>
-      <p:sp>
-        <p:nvSpPr>
-          <p:cNvPr id="5" name="바닥글 개체 틀 4"/>
+            <a:endParaRPr lang="en-US"/>
+          </a:p>
+        </p:txBody>
+      </p:sp>
+      <p:sp>
+        <p:nvSpPr>
+          <p:cNvPr id="5" name="Footer Placeholder 4">
+            <a:extLst>
+              <a:ext uri="{FF2B5EF4-FFF2-40B4-BE49-F238E27FC236}">
+                <a16:creationId xmlns:a16="http://schemas.microsoft.com/office/drawing/2014/main" id="{0701ED54-B7D2-D2DD-4BBC-FF5FFA37DB9A}"/>
+              </a:ext>
+            </a:extLst>
+          </p:cNvPr>
           <p:cNvSpPr>
             <a:spLocks noGrp="1"/>
           </p:cNvSpPr>
@@ -1704,8 +7029,8 @@
         </p:nvSpPr>
         <p:spPr>
           <a:xfrm>
-            <a:off x="4165600" y="6356352"/>
-            <a:ext cx="3860800" cy="365125"/>
+            <a:off x="4038600" y="6356351"/>
+            <a:ext cx="4114800" cy="365125"/>
           </a:xfrm>
           <a:prstGeom prst="rect">
             <a:avLst/>
@@ -1715,23 +7040,29 @@
           <a:bodyPr vert="horz" lIns="91440" tIns="45720" rIns="91440" bIns="45720" rtlCol="0" anchor="ctr"/>
           <a:lstStyle>
             <a:lvl1pPr algn="ctr">
-              <a:defRPr sz="1600">
+              <a:defRPr sz="1200">
                 <a:solidFill>
                   <a:schemeClr val="tx1">
-                    <a:tint val="75000"/>
+                    <a:tint val="82000"/>
                   </a:schemeClr>
                 </a:solidFill>
               </a:defRPr>
             </a:lvl1pPr>
           </a:lstStyle>
           <a:p>
-            <a:endParaRPr lang="ko-KR" altLang="en-US"/>
-          </a:p>
-        </p:txBody>
-      </p:sp>
-      <p:sp>
-        <p:nvSpPr>
-          <p:cNvPr id="6" name="슬라이드 번호 개체 틀 5"/>
+            <a:endParaRPr lang="en-US"/>
+          </a:p>
+        </p:txBody>
+      </p:sp>
+      <p:sp>
+        <p:nvSpPr>
+          <p:cNvPr id="6" name="Slide Number Placeholder 5">
+            <a:extLst>
+              <a:ext uri="{FF2B5EF4-FFF2-40B4-BE49-F238E27FC236}">
+                <a16:creationId xmlns:a16="http://schemas.microsoft.com/office/drawing/2014/main" id="{B80E5BA3-C7A8-E925-59BA-DCF47CD889A7}"/>
+              </a:ext>
+            </a:extLst>
+          </p:cNvPr>
           <p:cNvSpPr>
             <a:spLocks noGrp="1"/>
           </p:cNvSpPr>
@@ -1741,8 +7072,8 @@
         </p:nvSpPr>
         <p:spPr>
           <a:xfrm>
-            <a:off x="8737600" y="6356352"/>
-            <a:ext cx="2844800" cy="365125"/>
+            <a:off x="8610600" y="6356351"/>
+            <a:ext cx="2743200" cy="365125"/>
           </a:xfrm>
           <a:prstGeom prst="rect">
             <a:avLst/>
@@ -1752,43 +7083,66 @@
           <a:bodyPr vert="horz" lIns="91440" tIns="45720" rIns="91440" bIns="45720" rtlCol="0" anchor="ctr"/>
           <a:lstStyle>
             <a:lvl1pPr algn="r">
-              <a:defRPr sz="1600">
+              <a:defRPr sz="1200">
                 <a:solidFill>
                   <a:schemeClr val="tx1">
-                    <a:tint val="75000"/>
+                    <a:tint val="82000"/>
                   </a:schemeClr>
                 </a:solidFill>
               </a:defRPr>
             </a:lvl1pPr>
           </a:lstStyle>
           <a:p>
-            <a:fld id="{F416F8A6-1623-4D78-BE77-A71F09F473B8}" type="slidenum">
-              <a:rPr lang="ko-KR" altLang="en-US" smtClean="0"/>
+            <a:fld id="{EEAEBAC6-E855-432F-8D78-47178C07C20E}" type="slidenum">
+              <a:rPr lang="en-US" smtClean="0"/>
+              <a:pPr/>
               <a:t>‹#›</a:t>
             </a:fld>
-            <a:endParaRPr lang="ko-KR" altLang="en-US"/>
+            <a:endParaRPr lang="en-US"/>
           </a:p>
         </p:txBody>
       </p:sp>
     </p:spTree>
     <p:extLst>
       <p:ext uri="{BB962C8B-B14F-4D97-AF65-F5344CB8AC3E}">
-        <p14:creationId xmlns:p14="http://schemas.microsoft.com/office/powerpoint/2010/main" val="2878547996"/>
+        <p14:creationId xmlns:p14="http://schemas.microsoft.com/office/powerpoint/2010/main" val="1307146350"/>
       </p:ext>
     </p:extLst>
   </p:cSld>
   <p:clrMap bg1="lt1" tx1="dk1" bg2="lt2" tx2="dk2" accent1="accent1" accent2="accent2" accent3="accent3" accent4="accent4" accent5="accent5" accent6="accent6" hlink="hlink" folHlink="folHlink"/>
   <p:sldLayoutIdLst>
-    <p:sldLayoutId id="2147483673" r:id="rId1"/>
+    <p:sldLayoutId id="2147483671" r:id="rId1"/>
+    <p:sldLayoutId id="2147483672" r:id="rId2"/>
+    <p:sldLayoutId id="2147483673" r:id="rId3"/>
+    <p:sldLayoutId id="2147483674" r:id="rId4"/>
+    <p:sldLayoutId id="2147483675" r:id="rId5"/>
+    <p:sldLayoutId id="2147483676" r:id="rId6"/>
+    <p:sldLayoutId id="2147483677" r:id="rId7"/>
+    <p:sldLayoutId id="2147483678" r:id="rId8"/>
+    <p:sldLayoutId id="2147483679" r:id="rId9"/>
+    <p:sldLayoutId id="2147483680" r:id="rId10"/>
+    <p:sldLayoutId id="2147483681" r:id="rId11"/>
+    <p:sldLayoutId id="2147483682" r:id="rId12"/>
+    <p:sldLayoutId id="2147483683" r:id="rId13"/>
+    <p:sldLayoutId id="2147483684" r:id="rId14"/>
+    <p:sldLayoutId id="2147483685" r:id="rId15"/>
+    <p:sldLayoutId id="2147483686" r:id="rId16"/>
+    <p:sldLayoutId id="2147483687" r:id="rId17"/>
+    <p:sldLayoutId id="2147483688" r:id="rId18"/>
+    <p:sldLayoutId id="2147483689" r:id="rId19"/>
+    <p:sldLayoutId id="2147483690" r:id="rId20"/>
   </p:sldLayoutIdLst>
   <p:txStyles>
     <p:titleStyle>
-      <a:lvl1pPr algn="ctr" defTabSz="1219170" rtl="0" eaLnBrk="1" latinLnBrk="1" hangingPunct="1">
+      <a:lvl1pPr algn="l" defTabSz="914377" rtl="0" eaLnBrk="1" latinLnBrk="0" hangingPunct="1">
+        <a:lnSpc>
+          <a:spcPct val="90000"/>
+        </a:lnSpc>
         <a:spcBef>
           <a:spcPct val="0"/>
         </a:spcBef>
         <a:buNone/>
-        <a:defRPr sz="5867" kern="1200">
+        <a:defRPr sz="4400" kern="1200">
           <a:solidFill>
             <a:schemeClr val="tx1"/>
           </a:solidFill>
@@ -1799,13 +7153,16 @@
       </a:lvl1pPr>
     </p:titleStyle>
     <p:bodyStyle>
-      <a:lvl1pPr marL="457189" indent="-457189" algn="l" defTabSz="1219170" rtl="0" eaLnBrk="1" latinLnBrk="1" hangingPunct="1">
+      <a:lvl1pPr marL="228594" indent="-228594" algn="l" defTabSz="914377" rtl="0" eaLnBrk="1" latinLnBrk="0" hangingPunct="1">
+        <a:lnSpc>
+          <a:spcPct val="90000"/>
+        </a:lnSpc>
         <a:spcBef>
-          <a:spcPct val="20000"/>
+          <a:spcPts val="1000"/>
         </a:spcBef>
-        <a:buFont typeface="Arial" pitchFamily="34" charset="0"/>
+        <a:buFont typeface="Arial" panose="020B0604020202020204" pitchFamily="34" charset="0"/>
         <a:buChar char="•"/>
-        <a:defRPr sz="4267" kern="1200">
+        <a:defRPr sz="2800" kern="1200">
           <a:solidFill>
             <a:schemeClr val="tx1"/>
           </a:solidFill>
@@ -1814,13 +7171,16 @@
           <a:cs typeface="+mn-cs"/>
         </a:defRPr>
       </a:lvl1pPr>
-      <a:lvl2pPr marL="990575" indent="-380990" algn="l" defTabSz="1219170" rtl="0" eaLnBrk="1" latinLnBrk="1" hangingPunct="1">
+      <a:lvl2pPr marL="685783" indent="-228594" algn="l" defTabSz="914377" rtl="0" eaLnBrk="1" latinLnBrk="0" hangingPunct="1">
+        <a:lnSpc>
+          <a:spcPct val="90000"/>
+        </a:lnSpc>
         <a:spcBef>
-          <a:spcPct val="20000"/>
+          <a:spcPts val="500"/>
         </a:spcBef>
-        <a:buFont typeface="Arial" pitchFamily="34" charset="0"/>
-        <a:buChar char="–"/>
-        <a:defRPr sz="3733" kern="1200">
+        <a:buFont typeface="Arial" panose="020B0604020202020204" pitchFamily="34" charset="0"/>
+        <a:buChar char="•"/>
+        <a:defRPr sz="2400" kern="1200">
           <a:solidFill>
             <a:schemeClr val="tx1"/>
           </a:solidFill>
@@ -1829,13 +7189,16 @@
           <a:cs typeface="+mn-cs"/>
         </a:defRPr>
       </a:lvl2pPr>
-      <a:lvl3pPr marL="1523962" indent="-304792" algn="l" defTabSz="1219170" rtl="0" eaLnBrk="1" latinLnBrk="1" hangingPunct="1">
+      <a:lvl3pPr marL="1142971" indent="-228594" algn="l" defTabSz="914377" rtl="0" eaLnBrk="1" latinLnBrk="0" hangingPunct="1">
+        <a:lnSpc>
+          <a:spcPct val="90000"/>
+        </a:lnSpc>
         <a:spcBef>
-          <a:spcPct val="20000"/>
+          <a:spcPts val="500"/>
         </a:spcBef>
-        <a:buFont typeface="Arial" pitchFamily="34" charset="0"/>
+        <a:buFont typeface="Arial" panose="020B0604020202020204" pitchFamily="34" charset="0"/>
         <a:buChar char="•"/>
-        <a:defRPr sz="3200" kern="1200">
+        <a:defRPr sz="2000" kern="1200">
           <a:solidFill>
             <a:schemeClr val="tx1"/>
           </a:solidFill>
@@ -1844,13 +7207,16 @@
           <a:cs typeface="+mn-cs"/>
         </a:defRPr>
       </a:lvl3pPr>
-      <a:lvl4pPr marL="2133547" indent="-304792" algn="l" defTabSz="1219170" rtl="0" eaLnBrk="1" latinLnBrk="1" hangingPunct="1">
+      <a:lvl4pPr marL="1600160" indent="-228594" algn="l" defTabSz="914377" rtl="0" eaLnBrk="1" latinLnBrk="0" hangingPunct="1">
+        <a:lnSpc>
+          <a:spcPct val="90000"/>
+        </a:lnSpc>
         <a:spcBef>
-          <a:spcPct val="20000"/>
+          <a:spcPts val="500"/>
         </a:spcBef>
-        <a:buFont typeface="Arial" pitchFamily="34" charset="0"/>
-        <a:buChar char="–"/>
-        <a:defRPr sz="2667" kern="1200">
+        <a:buFont typeface="Arial" panose="020B0604020202020204" pitchFamily="34" charset="0"/>
+        <a:buChar char="•"/>
+        <a:defRPr sz="1800" kern="1200">
           <a:solidFill>
             <a:schemeClr val="tx1"/>
           </a:solidFill>
@@ -1859,13 +7225,16 @@
           <a:cs typeface="+mn-cs"/>
         </a:defRPr>
       </a:lvl4pPr>
-      <a:lvl5pPr marL="2743131" indent="-304792" algn="l" defTabSz="1219170" rtl="0" eaLnBrk="1" latinLnBrk="1" hangingPunct="1">
+      <a:lvl5pPr marL="2057349" indent="-228594" algn="l" defTabSz="914377" rtl="0" eaLnBrk="1" latinLnBrk="0" hangingPunct="1">
+        <a:lnSpc>
+          <a:spcPct val="90000"/>
+        </a:lnSpc>
         <a:spcBef>
-          <a:spcPct val="20000"/>
+          <a:spcPts val="500"/>
         </a:spcBef>
-        <a:buFont typeface="Arial" pitchFamily="34" charset="0"/>
-        <a:buChar char="»"/>
-        <a:defRPr sz="2667" kern="1200">
+        <a:buFont typeface="Arial" panose="020B0604020202020204" pitchFamily="34" charset="0"/>
+        <a:buChar char="•"/>
+        <a:defRPr sz="1800" kern="1200">
           <a:solidFill>
             <a:schemeClr val="tx1"/>
           </a:solidFill>
@@ -1874,13 +7243,16 @@
           <a:cs typeface="+mn-cs"/>
         </a:defRPr>
       </a:lvl5pPr>
-      <a:lvl6pPr marL="3352716" indent="-304792" algn="l" defTabSz="1219170" rtl="0" eaLnBrk="1" latinLnBrk="1" hangingPunct="1">
+      <a:lvl6pPr marL="2514537" indent="-228594" algn="l" defTabSz="914377" rtl="0" eaLnBrk="1" latinLnBrk="0" hangingPunct="1">
+        <a:lnSpc>
+          <a:spcPct val="90000"/>
+        </a:lnSpc>
         <a:spcBef>
-          <a:spcPct val="20000"/>
+          <a:spcPts val="500"/>
         </a:spcBef>
-        <a:buFont typeface="Arial" pitchFamily="34" charset="0"/>
+        <a:buFont typeface="Arial" panose="020B0604020202020204" pitchFamily="34" charset="0"/>
         <a:buChar char="•"/>
-        <a:defRPr sz="2667" kern="1200">
+        <a:defRPr sz="1800" kern="1200">
           <a:solidFill>
             <a:schemeClr val="tx1"/>
           </a:solidFill>
@@ -1889,13 +7261,16 @@
           <a:cs typeface="+mn-cs"/>
         </a:defRPr>
       </a:lvl6pPr>
-      <a:lvl7pPr marL="3962301" indent="-304792" algn="l" defTabSz="1219170" rtl="0" eaLnBrk="1" latinLnBrk="1" hangingPunct="1">
+      <a:lvl7pPr marL="2971726" indent="-228594" algn="l" defTabSz="914377" rtl="0" eaLnBrk="1" latinLnBrk="0" hangingPunct="1">
+        <a:lnSpc>
+          <a:spcPct val="90000"/>
+        </a:lnSpc>
         <a:spcBef>
-          <a:spcPct val="20000"/>
+          <a:spcPts val="500"/>
         </a:spcBef>
-        <a:buFont typeface="Arial" pitchFamily="34" charset="0"/>
+        <a:buFont typeface="Arial" panose="020B0604020202020204" pitchFamily="34" charset="0"/>
         <a:buChar char="•"/>
-        <a:defRPr sz="2667" kern="1200">
+        <a:defRPr sz="1800" kern="1200">
           <a:solidFill>
             <a:schemeClr val="tx1"/>
           </a:solidFill>
@@ -1904,13 +7279,16 @@
           <a:cs typeface="+mn-cs"/>
         </a:defRPr>
       </a:lvl7pPr>
-      <a:lvl8pPr marL="4571886" indent="-304792" algn="l" defTabSz="1219170" rtl="0" eaLnBrk="1" latinLnBrk="1" hangingPunct="1">
+      <a:lvl8pPr marL="3428914" indent="-228594" algn="l" defTabSz="914377" rtl="0" eaLnBrk="1" latinLnBrk="0" hangingPunct="1">
+        <a:lnSpc>
+          <a:spcPct val="90000"/>
+        </a:lnSpc>
         <a:spcBef>
-          <a:spcPct val="20000"/>
+          <a:spcPts val="500"/>
         </a:spcBef>
-        <a:buFont typeface="Arial" pitchFamily="34" charset="0"/>
+        <a:buFont typeface="Arial" panose="020B0604020202020204" pitchFamily="34" charset="0"/>
         <a:buChar char="•"/>
-        <a:defRPr sz="2667" kern="1200">
+        <a:defRPr sz="1800" kern="1200">
           <a:solidFill>
             <a:schemeClr val="tx1"/>
           </a:solidFill>
@@ -1919,13 +7297,16 @@
           <a:cs typeface="+mn-cs"/>
         </a:defRPr>
       </a:lvl8pPr>
-      <a:lvl9pPr marL="5181470" indent="-304792" algn="l" defTabSz="1219170" rtl="0" eaLnBrk="1" latinLnBrk="1" hangingPunct="1">
+      <a:lvl9pPr marL="3886103" indent="-228594" algn="l" defTabSz="914377" rtl="0" eaLnBrk="1" latinLnBrk="0" hangingPunct="1">
+        <a:lnSpc>
+          <a:spcPct val="90000"/>
+        </a:lnSpc>
         <a:spcBef>
-          <a:spcPct val="20000"/>
+          <a:spcPts val="500"/>
         </a:spcBef>
-        <a:buFont typeface="Arial" pitchFamily="34" charset="0"/>
+        <a:buFont typeface="Arial" panose="020B0604020202020204" pitchFamily="34" charset="0"/>
         <a:buChar char="•"/>
-        <a:defRPr sz="2667" kern="1200">
+        <a:defRPr sz="1800" kern="1200">
           <a:solidFill>
             <a:schemeClr val="tx1"/>
           </a:solidFill>
@@ -1937,10 +7318,10 @@
     </p:bodyStyle>
     <p:otherStyle>
       <a:defPPr>
-        <a:defRPr lang="ko-KR"/>
+        <a:defRPr lang="en-US"/>
       </a:defPPr>
-      <a:lvl1pPr marL="0" algn="l" defTabSz="1219170" rtl="0" eaLnBrk="1" latinLnBrk="1" hangingPunct="1">
-        <a:defRPr sz="2400" kern="1200">
+      <a:lvl1pPr marL="0" algn="l" defTabSz="914377" rtl="0" eaLnBrk="1" latinLnBrk="0" hangingPunct="1">
+        <a:defRPr sz="1800" kern="1200">
           <a:solidFill>
             <a:schemeClr val="tx1"/>
           </a:solidFill>
@@ -1949,8 +7330,8 @@
           <a:cs typeface="+mn-cs"/>
         </a:defRPr>
       </a:lvl1pPr>
-      <a:lvl2pPr marL="609585" algn="l" defTabSz="1219170" rtl="0" eaLnBrk="1" latinLnBrk="1" hangingPunct="1">
-        <a:defRPr sz="2400" kern="1200">
+      <a:lvl2pPr marL="457189" algn="l" defTabSz="914377" rtl="0" eaLnBrk="1" latinLnBrk="0" hangingPunct="1">
+        <a:defRPr sz="1800" kern="1200">
           <a:solidFill>
             <a:schemeClr val="tx1"/>
           </a:solidFill>
@@ -1959,8 +7340,8 @@
           <a:cs typeface="+mn-cs"/>
         </a:defRPr>
       </a:lvl2pPr>
-      <a:lvl3pPr marL="1219170" algn="l" defTabSz="1219170" rtl="0" eaLnBrk="1" latinLnBrk="1" hangingPunct="1">
-        <a:defRPr sz="2400" kern="1200">
+      <a:lvl3pPr marL="914377" algn="l" defTabSz="914377" rtl="0" eaLnBrk="1" latinLnBrk="0" hangingPunct="1">
+        <a:defRPr sz="1800" kern="1200">
           <a:solidFill>
             <a:schemeClr val="tx1"/>
           </a:solidFill>
@@ -1969,8 +7350,8 @@
           <a:cs typeface="+mn-cs"/>
         </a:defRPr>
       </a:lvl3pPr>
-      <a:lvl4pPr marL="1828754" algn="l" defTabSz="1219170" rtl="0" eaLnBrk="1" latinLnBrk="1" hangingPunct="1">
-        <a:defRPr sz="2400" kern="1200">
+      <a:lvl4pPr marL="1371566" algn="l" defTabSz="914377" rtl="0" eaLnBrk="1" latinLnBrk="0" hangingPunct="1">
+        <a:defRPr sz="1800" kern="1200">
           <a:solidFill>
             <a:schemeClr val="tx1"/>
           </a:solidFill>
@@ -1979,8 +7360,8 @@
           <a:cs typeface="+mn-cs"/>
         </a:defRPr>
       </a:lvl4pPr>
-      <a:lvl5pPr marL="2438339" algn="l" defTabSz="1219170" rtl="0" eaLnBrk="1" latinLnBrk="1" hangingPunct="1">
-        <a:defRPr sz="2400" kern="1200">
+      <a:lvl5pPr marL="1828754" algn="l" defTabSz="914377" rtl="0" eaLnBrk="1" latinLnBrk="0" hangingPunct="1">
+        <a:defRPr sz="1800" kern="1200">
           <a:solidFill>
             <a:schemeClr val="tx1"/>
           </a:solidFill>
@@ -1989,8 +7370,8 @@
           <a:cs typeface="+mn-cs"/>
         </a:defRPr>
       </a:lvl5pPr>
-      <a:lvl6pPr marL="3047924" algn="l" defTabSz="1219170" rtl="0" eaLnBrk="1" latinLnBrk="1" hangingPunct="1">
-        <a:defRPr sz="2400" kern="1200">
+      <a:lvl6pPr marL="2285943" algn="l" defTabSz="914377" rtl="0" eaLnBrk="1" latinLnBrk="0" hangingPunct="1">
+        <a:defRPr sz="1800" kern="1200">
           <a:solidFill>
             <a:schemeClr val="tx1"/>
           </a:solidFill>
@@ -1999,8 +7380,8 @@
           <a:cs typeface="+mn-cs"/>
         </a:defRPr>
       </a:lvl6pPr>
-      <a:lvl7pPr marL="3657509" algn="l" defTabSz="1219170" rtl="0" eaLnBrk="1" latinLnBrk="1" hangingPunct="1">
-        <a:defRPr sz="2400" kern="1200">
+      <a:lvl7pPr marL="2743131" algn="l" defTabSz="914377" rtl="0" eaLnBrk="1" latinLnBrk="0" hangingPunct="1">
+        <a:defRPr sz="1800" kern="1200">
           <a:solidFill>
             <a:schemeClr val="tx1"/>
           </a:solidFill>
@@ -2009,8 +7390,8 @@
           <a:cs typeface="+mn-cs"/>
         </a:defRPr>
       </a:lvl7pPr>
-      <a:lvl8pPr marL="4267093" algn="l" defTabSz="1219170" rtl="0" eaLnBrk="1" latinLnBrk="1" hangingPunct="1">
-        <a:defRPr sz="2400" kern="1200">
+      <a:lvl8pPr marL="3200320" algn="l" defTabSz="914377" rtl="0" eaLnBrk="1" latinLnBrk="0" hangingPunct="1">
+        <a:defRPr sz="1800" kern="1200">
           <a:solidFill>
             <a:schemeClr val="tx1"/>
           </a:solidFill>
@@ -2019,8 +7400,8 @@
           <a:cs typeface="+mn-cs"/>
         </a:defRPr>
       </a:lvl8pPr>
-      <a:lvl9pPr marL="4876678" algn="l" defTabSz="1219170" rtl="0" eaLnBrk="1" latinLnBrk="1" hangingPunct="1">
-        <a:defRPr sz="2400" kern="1200">
+      <a:lvl9pPr marL="3657509" algn="l" defTabSz="914377" rtl="0" eaLnBrk="1" latinLnBrk="0" hangingPunct="1">
+        <a:defRPr sz="1800" kern="1200">
           <a:solidFill>
             <a:schemeClr val="tx1"/>
           </a:solidFill>
@@ -2053,40 +7434,35 @@
       </p:grpSpPr>
       <p:sp>
         <p:nvSpPr>
-          <p:cNvPr id="4" name="제목 3">
-            <a:extLst>
-              <a:ext uri="{FF2B5EF4-FFF2-40B4-BE49-F238E27FC236}">
-                <a16:creationId xmlns:a16="http://schemas.microsoft.com/office/drawing/2014/main" id="{577BB427-3D7D-42A3-B6BE-6FF2243FBDCE}"/>
-              </a:ext>
-            </a:extLst>
-          </p:cNvPr>
-          <p:cNvSpPr>
-            <a:spLocks noGrp="1"/>
-          </p:cNvSpPr>
-          <p:nvPr>
-            <p:ph type="ctrTitle" idx="4294967295"/>
-          </p:nvPr>
-        </p:nvSpPr>
-        <p:spPr>
-          <a:xfrm>
-            <a:off x="0" y="3044959"/>
-            <a:ext cx="12192000" cy="1347021"/>
-          </a:xfrm>
-        </p:spPr>
-        <p:txBody>
-          <a:bodyPr/>
-          <a:lstStyle/>
-          <a:p>
-            <a:endParaRPr lang="ko-KR" altLang="en-US"/>
-          </a:p>
-        </p:txBody>
-      </p:sp>
-      <p:sp>
-        <p:nvSpPr>
-          <p:cNvPr id="5" name="텍스트 개체 틀 4">
-            <a:extLst>
-              <a:ext uri="{FF2B5EF4-FFF2-40B4-BE49-F238E27FC236}">
-                <a16:creationId xmlns:a16="http://schemas.microsoft.com/office/drawing/2014/main" id="{BD41FBD9-63D7-436C-BB32-7D9D07B45D71}"/>
+          <p:cNvPr id="2" name="Title 1">
+            <a:extLst>
+              <a:ext uri="{FF2B5EF4-FFF2-40B4-BE49-F238E27FC236}">
+                <a16:creationId xmlns:a16="http://schemas.microsoft.com/office/drawing/2014/main" id="{BAF40469-A590-F6C8-7BEE-D3BDFE148C73}"/>
+              </a:ext>
+            </a:extLst>
+          </p:cNvPr>
+          <p:cNvSpPr>
+            <a:spLocks noGrp="1"/>
+          </p:cNvSpPr>
+          <p:nvPr>
+            <p:ph type="ctrTitle"/>
+          </p:nvPr>
+        </p:nvSpPr>
+        <p:spPr/>
+        <p:txBody>
+          <a:bodyPr/>
+          <a:lstStyle/>
+          <a:p>
+            <a:endParaRPr lang="en-US"/>
+          </a:p>
+        </p:txBody>
+      </p:sp>
+      <p:sp>
+        <p:nvSpPr>
+          <p:cNvPr id="3" name="Text Placeholder 2">
+            <a:extLst>
+              <a:ext uri="{FF2B5EF4-FFF2-40B4-BE49-F238E27FC236}">
+                <a16:creationId xmlns:a16="http://schemas.microsoft.com/office/drawing/2014/main" id="{1F1F118E-95D4-3170-4C3F-A8A825C0CCDE}"/>
               </a:ext>
             </a:extLst>
           </p:cNvPr>
@@ -2102,27 +7478,20 @@
           <a:bodyPr/>
           <a:lstStyle/>
           <a:p>
-            <a:endParaRPr lang="ko-KR" altLang="en-US"/>
+            <a:endParaRPr lang="en-US"/>
           </a:p>
         </p:txBody>
       </p:sp>
     </p:spTree>
+    <p:extLst>
+      <p:ext uri="{BB962C8B-B14F-4D97-AF65-F5344CB8AC3E}">
+        <p14:creationId xmlns:p14="http://schemas.microsoft.com/office/powerpoint/2010/main" val="3600824741"/>
+      </p:ext>
+    </p:extLst>
   </p:cSld>
   <p:clrMapOvr>
     <a:masterClrMapping/>
   </p:clrMapOvr>
-  <mc:AlternateContent xmlns:mc="http://schemas.openxmlformats.org/markup-compatibility/2006" xmlns:p14="http://schemas.microsoft.com/office/powerpoint/2010/main">
-    <mc:Choice Requires="p14">
-      <p:transition spd="med" p14:dur="700">
-        <p:fade/>
-      </p:transition>
-    </mc:Choice>
-    <mc:Fallback xmlns="">
-      <p:transition spd="med">
-        <p:fade/>
-      </p:transition>
-    </mc:Fallback>
-  </mc:AlternateContent>
 </p:sld>
 </file>
 
@@ -2186,7 +7555,7 @@
         </p:nvSpPr>
         <p:spPr>
           <a:xfrm>
-            <a:off x="-992" y="666658"/>
+            <a:off x="-992" y="666659"/>
             <a:ext cx="12193984" cy="2762341"/>
           </a:xfrm>
         </p:spPr>
@@ -2198,13 +7567,13 @@
           <a:p>
             <a:r>
               <a:rPr lang="en-US" dirty="0"/>
-              <a:t>I’ve known you as a father</a:t>
+              <a:t>I’ve known You as a father</a:t>
             </a:r>
           </a:p>
           <a:p>
             <a:r>
               <a:rPr lang="en-US" dirty="0"/>
-              <a:t>I’ve known you as a friend</a:t>
+              <a:t>I’ve known You as a friend</a:t>
             </a:r>
           </a:p>
         </p:txBody>
@@ -2244,7 +7613,7 @@
           <p:cNvPr id="2" name="Title 1">
             <a:extLst>
               <a:ext uri="{FF2B5EF4-FFF2-40B4-BE49-F238E27FC236}">
-                <a16:creationId xmlns:a16="http://schemas.microsoft.com/office/drawing/2014/main" id="{CE6EB1FC-B922-0025-9A57-22247565D028}"/>
+                <a16:creationId xmlns:a16="http://schemas.microsoft.com/office/drawing/2014/main" id="{FA28E0A3-3A3D-2B70-A97D-347AD19C5A38}"/>
               </a:ext>
             </a:extLst>
           </p:cNvPr>
@@ -2269,7 +7638,7 @@
           <p:cNvPr id="3" name="Text Placeholder 2">
             <a:extLst>
               <a:ext uri="{FF2B5EF4-FFF2-40B4-BE49-F238E27FC236}">
-                <a16:creationId xmlns:a16="http://schemas.microsoft.com/office/drawing/2014/main" id="{7DC32ACC-7153-4A4E-EBE2-4406BE9ED633}"/>
+                <a16:creationId xmlns:a16="http://schemas.microsoft.com/office/drawing/2014/main" id="{6761AA86-9275-8CD6-C867-C1B929DF4F71}"/>
               </a:ext>
             </a:extLst>
           </p:cNvPr>
@@ -2295,7 +7664,7 @@
     </p:spTree>
     <p:extLst>
       <p:ext uri="{BB962C8B-B14F-4D97-AF65-F5344CB8AC3E}">
-        <p14:creationId xmlns:p14="http://schemas.microsoft.com/office/powerpoint/2010/main" val="3048393903"/>
+        <p14:creationId xmlns:p14="http://schemas.microsoft.com/office/powerpoint/2010/main" val="4121535436"/>
       </p:ext>
     </p:extLst>
   </p:cSld>
@@ -2454,7 +7823,7 @@
         </p:nvSpPr>
         <p:spPr>
           <a:xfrm>
-            <a:off x="-992" y="666658"/>
+            <a:off x="-992" y="666659"/>
             <a:ext cx="12193984" cy="2378299"/>
           </a:xfrm>
         </p:spPr>
@@ -2512,7 +7881,7 @@
           <p:cNvPr id="2" name="Title 1">
             <a:extLst>
               <a:ext uri="{FF2B5EF4-FFF2-40B4-BE49-F238E27FC236}">
-                <a16:creationId xmlns:a16="http://schemas.microsoft.com/office/drawing/2014/main" id="{27F45DE2-67A1-28B8-3610-610F8DDC1F66}"/>
+                <a16:creationId xmlns:a16="http://schemas.microsoft.com/office/drawing/2014/main" id="{28A647E2-01D4-769C-CC7A-B67F58DF8A39}"/>
               </a:ext>
             </a:extLst>
           </p:cNvPr>
@@ -2537,7 +7906,7 @@
           <p:cNvPr id="3" name="Text Placeholder 2">
             <a:extLst>
               <a:ext uri="{FF2B5EF4-FFF2-40B4-BE49-F238E27FC236}">
-                <a16:creationId xmlns:a16="http://schemas.microsoft.com/office/drawing/2014/main" id="{E398E59F-F145-3346-3440-C0E92B9B3DB7}"/>
+                <a16:creationId xmlns:a16="http://schemas.microsoft.com/office/drawing/2014/main" id="{8A8D1447-B572-1C9C-51AF-13825FF43AAD}"/>
               </a:ext>
             </a:extLst>
           </p:cNvPr>
@@ -2555,7 +7924,7 @@
           <a:p>
             <a:r>
               <a:rPr lang="en-US" dirty="0"/>
-              <a:t>I give you everything</a:t>
+              <a:t>I give You everything</a:t>
             </a:r>
           </a:p>
         </p:txBody>
@@ -2563,7 +7932,7 @@
     </p:spTree>
     <p:extLst>
       <p:ext uri="{BB962C8B-B14F-4D97-AF65-F5344CB8AC3E}">
-        <p14:creationId xmlns:p14="http://schemas.microsoft.com/office/powerpoint/2010/main" val="2064176808"/>
+        <p14:creationId xmlns:p14="http://schemas.microsoft.com/office/powerpoint/2010/main" val="1207492113"/>
       </p:ext>
     </p:extLst>
   </p:cSld>
@@ -2716,7 +8085,15 @@
           <a:p>
             <a:r>
               <a:rPr lang="en-US" dirty="0"/>
-              <a:t>I love you, Lord</a:t>
+              <a:t>I </a:t>
+            </a:r>
+            <a:r>
+              <a:rPr lang="en-US"/>
+              <a:t>love You</a:t>
+            </a:r>
+            <a:r>
+              <a:rPr lang="en-US" dirty="0"/>
+              <a:t>, Lord</a:t>
             </a:r>
           </a:p>
           <a:p>
@@ -2787,7 +8164,7 @@
           <p:cNvPr id="2" name="Title 1">
             <a:extLst>
               <a:ext uri="{FF2B5EF4-FFF2-40B4-BE49-F238E27FC236}">
-                <a16:creationId xmlns:a16="http://schemas.microsoft.com/office/drawing/2014/main" id="{A5561C19-7413-90D0-D92C-3C173306689F}"/>
+                <a16:creationId xmlns:a16="http://schemas.microsoft.com/office/drawing/2014/main" id="{4B67CFC4-E9FD-2405-6070-561F6EAF2FFD}"/>
               </a:ext>
             </a:extLst>
           </p:cNvPr>
@@ -2812,7 +8189,7 @@
           <p:cNvPr id="3" name="Text Placeholder 2">
             <a:extLst>
               <a:ext uri="{FF2B5EF4-FFF2-40B4-BE49-F238E27FC236}">
-                <a16:creationId xmlns:a16="http://schemas.microsoft.com/office/drawing/2014/main" id="{44AF2FD0-00EA-9873-66C5-9D936270AAFD}"/>
+                <a16:creationId xmlns:a16="http://schemas.microsoft.com/office/drawing/2014/main" id="{EBEA0E7F-A4BA-019C-312F-052D91FA966A}"/>
               </a:ext>
             </a:extLst>
           </p:cNvPr>
@@ -2830,13 +8207,13 @@
           <a:p>
             <a:r>
               <a:rPr lang="en-US" dirty="0"/>
-              <a:t>All my days,</a:t>
+              <a:t>All my days, </a:t>
             </a:r>
           </a:p>
           <a:p>
             <a:r>
               <a:rPr lang="en-US" dirty="0"/>
-              <a:t>I’ve been held in your hands</a:t>
+              <a:t>I’ve been held in Your hands</a:t>
             </a:r>
           </a:p>
         </p:txBody>
@@ -2844,7 +8221,7 @@
     </p:spTree>
     <p:extLst>
       <p:ext uri="{BB962C8B-B14F-4D97-AF65-F5344CB8AC3E}">
-        <p14:creationId xmlns:p14="http://schemas.microsoft.com/office/powerpoint/2010/main" val="2877774468"/>
+        <p14:creationId xmlns:p14="http://schemas.microsoft.com/office/powerpoint/2010/main" val="3142183458"/>
       </p:ext>
     </p:extLst>
   </p:cSld>
@@ -2889,7 +8266,7 @@
         </p:nvSpPr>
         <p:spPr>
           <a:xfrm>
-            <a:off x="-992" y="666658"/>
+            <a:off x="-992" y="666659"/>
             <a:ext cx="12193984" cy="2762341"/>
           </a:xfrm>
         </p:spPr>
@@ -2947,7 +8324,7 @@
           <p:cNvPr id="2" name="Title 1">
             <a:extLst>
               <a:ext uri="{FF2B5EF4-FFF2-40B4-BE49-F238E27FC236}">
-                <a16:creationId xmlns:a16="http://schemas.microsoft.com/office/drawing/2014/main" id="{FE239D18-432E-B25B-EC4D-99F30CA75269}"/>
+                <a16:creationId xmlns:a16="http://schemas.microsoft.com/office/drawing/2014/main" id="{8BF31EC2-5CAD-20B4-F00C-99D2C5BE6A45}"/>
               </a:ext>
             </a:extLst>
           </p:cNvPr>
@@ -2972,7 +8349,7 @@
           <p:cNvPr id="3" name="Text Placeholder 2">
             <a:extLst>
               <a:ext uri="{FF2B5EF4-FFF2-40B4-BE49-F238E27FC236}">
-                <a16:creationId xmlns:a16="http://schemas.microsoft.com/office/drawing/2014/main" id="{E7F68C95-D25F-0CC1-9035-199D3464FC81}"/>
+                <a16:creationId xmlns:a16="http://schemas.microsoft.com/office/drawing/2014/main" id="{A5FB5108-CF0A-6836-6C88-F736FC0B692E}"/>
               </a:ext>
             </a:extLst>
           </p:cNvPr>
@@ -2998,7 +8375,7 @@
     </p:spTree>
     <p:extLst>
       <p:ext uri="{BB962C8B-B14F-4D97-AF65-F5344CB8AC3E}">
-        <p14:creationId xmlns:p14="http://schemas.microsoft.com/office/powerpoint/2010/main" val="3109378585"/>
+        <p14:creationId xmlns:p14="http://schemas.microsoft.com/office/powerpoint/2010/main" val="338206618"/>
       </p:ext>
     </p:extLst>
   </p:cSld>
@@ -3073,13 +8450,13 @@
           <a:p>
             <a:r>
               <a:rPr lang="en-US" dirty="0"/>
-              <a:t>All my life you have been faithful</a:t>
+              <a:t>All my life You have been faithful</a:t>
             </a:r>
           </a:p>
           <a:p>
             <a:r>
               <a:rPr lang="en-US" dirty="0"/>
-              <a:t>All my life you have been so, so good</a:t>
+              <a:t>All my life You have been so, so good</a:t>
             </a:r>
           </a:p>
         </p:txBody>
@@ -3233,7 +8610,7 @@
           <a:p>
             <a:r>
               <a:rPr lang="en-US" sz="5300" dirty="0"/>
-              <a:t>I love your voice</a:t>
+              <a:t>I love Your voice</a:t>
             </a:r>
           </a:p>
           <a:p>
@@ -3279,7 +8656,7 @@
           <p:cNvPr id="2" name="Title 1">
             <a:extLst>
               <a:ext uri="{FF2B5EF4-FFF2-40B4-BE49-F238E27FC236}">
-                <a16:creationId xmlns:a16="http://schemas.microsoft.com/office/drawing/2014/main" id="{1C1898C7-D89F-509C-B178-20AE0ACD9D13}"/>
+                <a16:creationId xmlns:a16="http://schemas.microsoft.com/office/drawing/2014/main" id="{2D0243DC-3929-E7CE-422D-6F47A4048FCD}"/>
               </a:ext>
             </a:extLst>
           </p:cNvPr>
@@ -3304,7 +8681,7 @@
           <p:cNvPr id="3" name="Text Placeholder 2">
             <a:extLst>
               <a:ext uri="{FF2B5EF4-FFF2-40B4-BE49-F238E27FC236}">
-                <a16:creationId xmlns:a16="http://schemas.microsoft.com/office/drawing/2014/main" id="{17F26E9D-A5EB-4399-E0C7-5D608188E788}"/>
+                <a16:creationId xmlns:a16="http://schemas.microsoft.com/office/drawing/2014/main" id="{8F07C9CB-D9A5-167F-EDBF-5891C3787216}"/>
               </a:ext>
             </a:extLst>
           </p:cNvPr>
@@ -3322,7 +8699,7 @@
           <a:p>
             <a:r>
               <a:rPr lang="en-US" sz="6000" dirty="0"/>
-              <a:t>In darkest night</a:t>
+              <a:t>In darkest night </a:t>
             </a:r>
           </a:p>
           <a:p>
@@ -3336,7 +8713,7 @@
     </p:spTree>
     <p:extLst>
       <p:ext uri="{BB962C8B-B14F-4D97-AF65-F5344CB8AC3E}">
-        <p14:creationId xmlns:p14="http://schemas.microsoft.com/office/powerpoint/2010/main" val="1199016617"/>
+        <p14:creationId xmlns:p14="http://schemas.microsoft.com/office/powerpoint/2010/main" val="1247371270"/>
       </p:ext>
     </p:extLst>
   </p:cSld>
@@ -3347,7 +8724,7 @@
 </file>
 
 <file path=ppt/theme/theme1.xml><?xml version="1.0" encoding="utf-8"?>
-<a:theme xmlns:a="http://schemas.openxmlformats.org/drawingml/2006/main" name="1_Office 테마">
+<a:theme xmlns:a="http://schemas.openxmlformats.org/drawingml/2006/main" name="ICP">
   <a:themeElements>
     <a:clrScheme name="Office">
       <a:dk1>
@@ -3357,44 +8734,44 @@
         <a:sysClr val="window" lastClr="FFFFFF"/>
       </a:lt1>
       <a:dk2>
-        <a:srgbClr val="1F497D"/>
+        <a:srgbClr val="44546A"/>
       </a:dk2>
       <a:lt2>
-        <a:srgbClr val="EEECE1"/>
+        <a:srgbClr val="E7E6E6"/>
       </a:lt2>
       <a:accent1>
-        <a:srgbClr val="4F81BD"/>
+        <a:srgbClr val="4472C4"/>
       </a:accent1>
       <a:accent2>
-        <a:srgbClr val="C0504D"/>
+        <a:srgbClr val="ED7D31"/>
       </a:accent2>
       <a:accent3>
-        <a:srgbClr val="9BBB59"/>
+        <a:srgbClr val="A5A5A5"/>
       </a:accent3>
       <a:accent4>
-        <a:srgbClr val="8064A2"/>
+        <a:srgbClr val="FFC000"/>
       </a:accent4>
       <a:accent5>
-        <a:srgbClr val="4BACC6"/>
+        <a:srgbClr val="5B9BD5"/>
       </a:accent5>
       <a:accent6>
-        <a:srgbClr val="F79646"/>
+        <a:srgbClr val="70AD47"/>
       </a:accent6>
       <a:hlink>
-        <a:srgbClr val="0000FF"/>
+        <a:srgbClr val="0563C1"/>
       </a:hlink>
       <a:folHlink>
-        <a:srgbClr val="800080"/>
+        <a:srgbClr val="954F72"/>
       </a:folHlink>
     </a:clrScheme>
     <a:fontScheme name="Office">
       <a:majorFont>
-        <a:latin typeface="맑은 고딕"/>
+        <a:latin typeface="Calibri Light" panose="020F0302020204030204"/>
         <a:ea typeface=""/>
         <a:cs typeface=""/>
-        <a:font script="Jpan" typeface="ＭＳ Ｐゴシック"/>
+        <a:font script="Jpan" typeface="游ゴシック Light"/>
         <a:font script="Hang" typeface="맑은 고딕"/>
-        <a:font script="Hans" typeface="宋体"/>
+        <a:font script="Hans" typeface="等线 Light"/>
         <a:font script="Hant" typeface="新細明體"/>
         <a:font script="Arab" typeface="Times New Roman"/>
         <a:font script="Hebr" typeface="Times New Roman"/>
@@ -3422,14 +8799,31 @@
         <a:font script="Viet" typeface="Times New Roman"/>
         <a:font script="Uigh" typeface="Microsoft Uighur"/>
         <a:font script="Geor" typeface="Sylfaen"/>
+        <a:font script="Armn" typeface="Arial"/>
+        <a:font script="Bugi" typeface="Leelawadee UI"/>
+        <a:font script="Bopo" typeface="Microsoft JhengHei"/>
+        <a:font script="Java" typeface="Javanese Text"/>
+        <a:font script="Lisu" typeface="Segoe UI"/>
+        <a:font script="Mymr" typeface="Myanmar Text"/>
+        <a:font script="Nkoo" typeface="Ebrima"/>
+        <a:font script="Olck" typeface="Nirmala UI"/>
+        <a:font script="Osma" typeface="Ebrima"/>
+        <a:font script="Phag" typeface="Phagspa"/>
+        <a:font script="Syrn" typeface="Estrangelo Edessa"/>
+        <a:font script="Syrj" typeface="Estrangelo Edessa"/>
+        <a:font script="Syre" typeface="Estrangelo Edessa"/>
+        <a:font script="Sora" typeface="Nirmala UI"/>
+        <a:font script="Tale" typeface="Microsoft Tai Le"/>
+        <a:font script="Talu" typeface="Microsoft New Tai Lue"/>
+        <a:font script="Tfng" typeface="Ebrima"/>
       </a:majorFont>
       <a:minorFont>
-        <a:latin typeface="맑은 고딕"/>
+        <a:latin typeface="Calibri" panose="020F0502020204030204"/>
         <a:ea typeface=""/>
         <a:cs typeface=""/>
-        <a:font script="Jpan" typeface="ＭＳ Ｐゴシック"/>
+        <a:font script="Jpan" typeface="游ゴシック"/>
         <a:font script="Hang" typeface="맑은 고딕"/>
-        <a:font script="Hans" typeface="宋体"/>
+        <a:font script="Hans" typeface="等线"/>
         <a:font script="Hant" typeface="新細明體"/>
         <a:font script="Arab" typeface="Arial"/>
         <a:font script="Hebr" typeface="Arial"/>
@@ -3457,6 +8851,23 @@
         <a:font script="Viet" typeface="Arial"/>
         <a:font script="Uigh" typeface="Microsoft Uighur"/>
         <a:font script="Geor" typeface="Sylfaen"/>
+        <a:font script="Armn" typeface="Arial"/>
+        <a:font script="Bugi" typeface="Leelawadee UI"/>
+        <a:font script="Bopo" typeface="Microsoft JhengHei"/>
+        <a:font script="Java" typeface="Javanese Text"/>
+        <a:font script="Lisu" typeface="Segoe UI"/>
+        <a:font script="Mymr" typeface="Myanmar Text"/>
+        <a:font script="Nkoo" typeface="Ebrima"/>
+        <a:font script="Olck" typeface="Nirmala UI"/>
+        <a:font script="Osma" typeface="Ebrima"/>
+        <a:font script="Phag" typeface="Phagspa"/>
+        <a:font script="Syrn" typeface="Estrangelo Edessa"/>
+        <a:font script="Syrj" typeface="Estrangelo Edessa"/>
+        <a:font script="Syre" typeface="Estrangelo Edessa"/>
+        <a:font script="Sora" typeface="Nirmala UI"/>
+        <a:font script="Tale" typeface="Microsoft Tai Le"/>
+        <a:font script="Talu" typeface="Microsoft New Tai Lue"/>
+        <a:font script="Tfng" typeface="Ebrima"/>
       </a:minorFont>
     </a:fontScheme>
     <a:fmtScheme name="Office">
@@ -3468,171 +8879,147 @@
           <a:gsLst>
             <a:gs pos="0">
               <a:schemeClr val="phClr">
-                <a:tint val="50000"/>
-                <a:satMod val="300000"/>
+                <a:lumMod val="110000"/>
+                <a:satMod val="105000"/>
+                <a:tint val="67000"/>
               </a:schemeClr>
             </a:gs>
-            <a:gs pos="35000">
+            <a:gs pos="50000">
               <a:schemeClr val="phClr">
-                <a:tint val="37000"/>
-                <a:satMod val="300000"/>
+                <a:lumMod val="105000"/>
+                <a:satMod val="103000"/>
+                <a:tint val="73000"/>
               </a:schemeClr>
             </a:gs>
             <a:gs pos="100000">
               <a:schemeClr val="phClr">
-                <a:tint val="15000"/>
-                <a:satMod val="350000"/>
+                <a:lumMod val="105000"/>
+                <a:satMod val="109000"/>
+                <a:tint val="81000"/>
               </a:schemeClr>
             </a:gs>
           </a:gsLst>
-          <a:lin ang="16200000" scaled="1"/>
+          <a:lin ang="5400000" scaled="0"/>
         </a:gradFill>
         <a:gradFill rotWithShape="1">
           <a:gsLst>
             <a:gs pos="0">
               <a:schemeClr val="phClr">
-                <a:shade val="51000"/>
-                <a:satMod val="130000"/>
+                <a:satMod val="103000"/>
+                <a:lumMod val="102000"/>
+                <a:tint val="94000"/>
               </a:schemeClr>
             </a:gs>
-            <a:gs pos="80000">
+            <a:gs pos="50000">
               <a:schemeClr val="phClr">
-                <a:shade val="93000"/>
-                <a:satMod val="130000"/>
+                <a:satMod val="110000"/>
+                <a:lumMod val="100000"/>
+                <a:shade val="100000"/>
               </a:schemeClr>
             </a:gs>
             <a:gs pos="100000">
               <a:schemeClr val="phClr">
-                <a:shade val="94000"/>
-                <a:satMod val="135000"/>
+                <a:lumMod val="99000"/>
+                <a:satMod val="120000"/>
+                <a:shade val="78000"/>
               </a:schemeClr>
             </a:gs>
           </a:gsLst>
-          <a:lin ang="16200000" scaled="0"/>
+          <a:lin ang="5400000" scaled="0"/>
         </a:gradFill>
       </a:fillStyleLst>
       <a:lnStyleLst>
-        <a:ln w="9525" cap="flat" cmpd="sng" algn="ctr">
-          <a:solidFill>
-            <a:schemeClr val="phClr">
-              <a:shade val="95000"/>
-              <a:satMod val="105000"/>
-            </a:schemeClr>
-          </a:solidFill>
-          <a:prstDash val="solid"/>
-        </a:ln>
-        <a:ln w="25400" cap="flat" cmpd="sng" algn="ctr">
+        <a:ln w="6350" cap="flat" cmpd="sng" algn="ctr">
           <a:solidFill>
             <a:schemeClr val="phClr"/>
           </a:solidFill>
           <a:prstDash val="solid"/>
+          <a:miter lim="800000"/>
         </a:ln>
-        <a:ln w="38100" cap="flat" cmpd="sng" algn="ctr">
+        <a:ln w="12700" cap="flat" cmpd="sng" algn="ctr">
           <a:solidFill>
             <a:schemeClr val="phClr"/>
           </a:solidFill>
           <a:prstDash val="solid"/>
+          <a:miter lim="800000"/>
+        </a:ln>
+        <a:ln w="19050" cap="flat" cmpd="sng" algn="ctr">
+          <a:solidFill>
+            <a:schemeClr val="phClr"/>
+          </a:solidFill>
+          <a:prstDash val="solid"/>
+          <a:miter lim="800000"/>
         </a:ln>
       </a:lnStyleLst>
       <a:effectStyleLst>
         <a:effectStyle>
+          <a:effectLst/>
+        </a:effectStyle>
+        <a:effectStyle>
+          <a:effectLst/>
+        </a:effectStyle>
+        <a:effectStyle>
           <a:effectLst>
-            <a:outerShdw blurRad="40000" dist="20000" dir="5400000" rotWithShape="0">
+            <a:outerShdw blurRad="57150" dist="19050" dir="5400000" algn="ctr" rotWithShape="0">
               <a:srgbClr val="000000">
-                <a:alpha val="38000"/>
+                <a:alpha val="63000"/>
               </a:srgbClr>
             </a:outerShdw>
           </a:effectLst>
-        </a:effectStyle>
-        <a:effectStyle>
-          <a:effectLst>
-            <a:outerShdw blurRad="40000" dist="23000" dir="5400000" rotWithShape="0">
-              <a:srgbClr val="000000">
-                <a:alpha val="35000"/>
-              </a:srgbClr>
-            </a:outerShdw>
-          </a:effectLst>
-        </a:effectStyle>
-        <a:effectStyle>
-          <a:effectLst>
-            <a:outerShdw blurRad="40000" dist="23000" dir="5400000" rotWithShape="0">
-              <a:srgbClr val="000000">
-                <a:alpha val="35000"/>
-              </a:srgbClr>
-            </a:outerShdw>
-          </a:effectLst>
-          <a:scene3d>
-            <a:camera prst="orthographicFront">
-              <a:rot lat="0" lon="0" rev="0"/>
-            </a:camera>
-            <a:lightRig rig="threePt" dir="t">
-              <a:rot lat="0" lon="0" rev="1200000"/>
-            </a:lightRig>
-          </a:scene3d>
-          <a:sp3d>
-            <a:bevelT w="63500" h="25400"/>
-          </a:sp3d>
         </a:effectStyle>
       </a:effectStyleLst>
       <a:bgFillStyleLst>
         <a:solidFill>
           <a:schemeClr val="phClr"/>
         </a:solidFill>
+        <a:solidFill>
+          <a:schemeClr val="phClr">
+            <a:tint val="95000"/>
+            <a:satMod val="170000"/>
+          </a:schemeClr>
+        </a:solidFill>
         <a:gradFill rotWithShape="1">
           <a:gsLst>
             <a:gs pos="0">
               <a:schemeClr val="phClr">
-                <a:tint val="40000"/>
-                <a:satMod val="350000"/>
+                <a:tint val="93000"/>
+                <a:satMod val="150000"/>
+                <a:shade val="98000"/>
+                <a:lumMod val="102000"/>
               </a:schemeClr>
             </a:gs>
-            <a:gs pos="40000">
+            <a:gs pos="50000">
               <a:schemeClr val="phClr">
-                <a:tint val="45000"/>
-                <a:shade val="99000"/>
-                <a:satMod val="350000"/>
+                <a:tint val="98000"/>
+                <a:satMod val="130000"/>
+                <a:shade val="90000"/>
+                <a:lumMod val="103000"/>
               </a:schemeClr>
             </a:gs>
             <a:gs pos="100000">
               <a:schemeClr val="phClr">
-                <a:shade val="20000"/>
-                <a:satMod val="255000"/>
+                <a:shade val="63000"/>
+                <a:satMod val="120000"/>
               </a:schemeClr>
             </a:gs>
           </a:gsLst>
-          <a:path path="circle">
-            <a:fillToRect l="50000" t="-80000" r="50000" b="180000"/>
-          </a:path>
-        </a:gradFill>
-        <a:gradFill rotWithShape="1">
-          <a:gsLst>
-            <a:gs pos="0">
-              <a:schemeClr val="phClr">
-                <a:tint val="80000"/>
-                <a:satMod val="300000"/>
-              </a:schemeClr>
-            </a:gs>
-            <a:gs pos="100000">
-              <a:schemeClr val="phClr">
-                <a:shade val="30000"/>
-                <a:satMod val="200000"/>
-              </a:schemeClr>
-            </a:gs>
-          </a:gsLst>
-          <a:path path="circle">
-            <a:fillToRect l="50000" t="50000" r="50000" b="50000"/>
-          </a:path>
+          <a:lin ang="5400000" scaled="0"/>
         </a:gradFill>
       </a:bgFillStyleLst>
     </a:fmtScheme>
   </a:themeElements>
   <a:objectDefaults/>
   <a:extraClrSchemeLst/>
+  <a:extLst>
+    <a:ext uri="{05A4C25C-085E-4340-85A3-A5531E510DB2}">
+      <thm15:themeFamily xmlns:thm15="http://schemas.microsoft.com/office/thememl/2012/main" name="ICP" id="{0C5A6D40-3701-184A-A333-F6DBD0453217}" vid="{E1061816-E28C-334E-A7D3-00ACB9E3D232}"/>
+    </a:ext>
+  </a:extLst>
 </a:theme>
 </file>
 
 <file path=ppt/theme/theme2.xml><?xml version="1.0" encoding="utf-8"?>
-<a:theme xmlns:a="http://schemas.openxmlformats.org/drawingml/2006/main" name="2_Office 테마">
+<a:theme xmlns:a="http://schemas.openxmlformats.org/drawingml/2006/main" name="Office Theme">
   <a:themeElements>
     <a:clrScheme name="Office">
       <a:dk1>
@@ -3642,44 +9029,44 @@
         <a:sysClr val="window" lastClr="FFFFFF"/>
       </a:lt1>
       <a:dk2>
-        <a:srgbClr val="1F497D"/>
+        <a:srgbClr val="0E2841"/>
       </a:dk2>
       <a:lt2>
-        <a:srgbClr val="EEECE1"/>
+        <a:srgbClr val="E8E8E8"/>
       </a:lt2>
       <a:accent1>
-        <a:srgbClr val="4F81BD"/>
+        <a:srgbClr val="156082"/>
       </a:accent1>
       <a:accent2>
-        <a:srgbClr val="C0504D"/>
+        <a:srgbClr val="E97132"/>
       </a:accent2>
       <a:accent3>
-        <a:srgbClr val="9BBB59"/>
+        <a:srgbClr val="196B24"/>
       </a:accent3>
       <a:accent4>
-        <a:srgbClr val="8064A2"/>
+        <a:srgbClr val="0F9ED5"/>
       </a:accent4>
       <a:accent5>
-        <a:srgbClr val="4BACC6"/>
+        <a:srgbClr val="A02B93"/>
       </a:accent5>
       <a:accent6>
-        <a:srgbClr val="F79646"/>
+        <a:srgbClr val="4EA72E"/>
       </a:accent6>
       <a:hlink>
-        <a:srgbClr val="0000FF"/>
+        <a:srgbClr val="467886"/>
       </a:hlink>
       <a:folHlink>
-        <a:srgbClr val="800080"/>
+        <a:srgbClr val="96607D"/>
       </a:folHlink>
     </a:clrScheme>
     <a:fontScheme name="Office">
       <a:majorFont>
-        <a:latin typeface="맑은 고딕"/>
+        <a:latin typeface="Aptos Display" panose="02110004020202020204"/>
         <a:ea typeface=""/>
         <a:cs typeface=""/>
-        <a:font script="Jpan" typeface="ＭＳ Ｐゴシック"/>
+        <a:font script="Jpan" typeface="游ゴシック Light"/>
         <a:font script="Hang" typeface="맑은 고딕"/>
-        <a:font script="Hans" typeface="宋体"/>
+        <a:font script="Hans" typeface="等线 Light"/>
         <a:font script="Hant" typeface="新細明體"/>
         <a:font script="Arab" typeface="Times New Roman"/>
         <a:font script="Hebr" typeface="Times New Roman"/>
@@ -3707,14 +9094,31 @@
         <a:font script="Viet" typeface="Times New Roman"/>
         <a:font script="Uigh" typeface="Microsoft Uighur"/>
         <a:font script="Geor" typeface="Sylfaen"/>
+        <a:font script="Armn" typeface="Arial"/>
+        <a:font script="Bugi" typeface="Leelawadee UI"/>
+        <a:font script="Bopo" typeface="Microsoft JhengHei"/>
+        <a:font script="Java" typeface="Javanese Text"/>
+        <a:font script="Lisu" typeface="Segoe UI"/>
+        <a:font script="Mymr" typeface="Myanmar Text"/>
+        <a:font script="Nkoo" typeface="Ebrima"/>
+        <a:font script="Olck" typeface="Nirmala UI"/>
+        <a:font script="Osma" typeface="Ebrima"/>
+        <a:font script="Phag" typeface="Phagspa"/>
+        <a:font script="Syrn" typeface="Estrangelo Edessa"/>
+        <a:font script="Syrj" typeface="Estrangelo Edessa"/>
+        <a:font script="Syre" typeface="Estrangelo Edessa"/>
+        <a:font script="Sora" typeface="Nirmala UI"/>
+        <a:font script="Tale" typeface="Microsoft Tai Le"/>
+        <a:font script="Talu" typeface="Microsoft New Tai Lue"/>
+        <a:font script="Tfng" typeface="Ebrima"/>
       </a:majorFont>
       <a:minorFont>
-        <a:latin typeface="맑은 고딕"/>
+        <a:latin typeface="Aptos" panose="02110004020202020204"/>
         <a:ea typeface=""/>
         <a:cs typeface=""/>
-        <a:font script="Jpan" typeface="ＭＳ Ｐゴシック"/>
+        <a:font script="Jpan" typeface="游ゴシック"/>
         <a:font script="Hang" typeface="맑은 고딕"/>
-        <a:font script="Hans" typeface="宋体"/>
+        <a:font script="Hans" typeface="等线"/>
         <a:font script="Hant" typeface="新細明體"/>
         <a:font script="Arab" typeface="Arial"/>
         <a:font script="Hebr" typeface="Arial"/>
@@ -3742,6 +9146,23 @@
         <a:font script="Viet" typeface="Arial"/>
         <a:font script="Uigh" typeface="Microsoft Uighur"/>
         <a:font script="Geor" typeface="Sylfaen"/>
+        <a:font script="Armn" typeface="Arial"/>
+        <a:font script="Bugi" typeface="Leelawadee UI"/>
+        <a:font script="Bopo" typeface="Microsoft JhengHei"/>
+        <a:font script="Java" typeface="Javanese Text"/>
+        <a:font script="Lisu" typeface="Segoe UI"/>
+        <a:font script="Mymr" typeface="Myanmar Text"/>
+        <a:font script="Nkoo" typeface="Ebrima"/>
+        <a:font script="Olck" typeface="Nirmala UI"/>
+        <a:font script="Osma" typeface="Ebrima"/>
+        <a:font script="Phag" typeface="Phagspa"/>
+        <a:font script="Syrn" typeface="Estrangelo Edessa"/>
+        <a:font script="Syrj" typeface="Estrangelo Edessa"/>
+        <a:font script="Syre" typeface="Estrangelo Edessa"/>
+        <a:font script="Sora" typeface="Nirmala UI"/>
+        <a:font script="Tale" typeface="Microsoft Tai Le"/>
+        <a:font script="Talu" typeface="Microsoft New Tai Lue"/>
+        <a:font script="Tfng" typeface="Ebrima"/>
       </a:minorFont>
     </a:fontScheme>
     <a:fmtScheme name="Office">
@@ -3753,166 +9174,162 @@
           <a:gsLst>
             <a:gs pos="0">
               <a:schemeClr val="phClr">
-                <a:tint val="50000"/>
-                <a:satMod val="300000"/>
+                <a:lumMod val="110000"/>
+                <a:satMod val="105000"/>
+                <a:tint val="67000"/>
               </a:schemeClr>
             </a:gs>
-            <a:gs pos="35000">
+            <a:gs pos="50000">
               <a:schemeClr val="phClr">
-                <a:tint val="37000"/>
-                <a:satMod val="300000"/>
+                <a:lumMod val="105000"/>
+                <a:satMod val="103000"/>
+                <a:tint val="73000"/>
               </a:schemeClr>
             </a:gs>
             <a:gs pos="100000">
               <a:schemeClr val="phClr">
-                <a:tint val="15000"/>
-                <a:satMod val="350000"/>
+                <a:lumMod val="105000"/>
+                <a:satMod val="109000"/>
+                <a:tint val="81000"/>
               </a:schemeClr>
             </a:gs>
           </a:gsLst>
-          <a:lin ang="16200000" scaled="1"/>
+          <a:lin ang="5400000" scaled="0"/>
         </a:gradFill>
         <a:gradFill rotWithShape="1">
           <a:gsLst>
             <a:gs pos="0">
               <a:schemeClr val="phClr">
-                <a:shade val="51000"/>
-                <a:satMod val="130000"/>
+                <a:satMod val="103000"/>
+                <a:lumMod val="102000"/>
+                <a:tint val="94000"/>
               </a:schemeClr>
             </a:gs>
-            <a:gs pos="80000">
+            <a:gs pos="50000">
               <a:schemeClr val="phClr">
-                <a:shade val="93000"/>
-                <a:satMod val="130000"/>
+                <a:satMod val="110000"/>
+                <a:lumMod val="100000"/>
+                <a:shade val="100000"/>
               </a:schemeClr>
             </a:gs>
             <a:gs pos="100000">
               <a:schemeClr val="phClr">
-                <a:shade val="94000"/>
-                <a:satMod val="135000"/>
+                <a:lumMod val="99000"/>
+                <a:satMod val="120000"/>
+                <a:shade val="78000"/>
               </a:schemeClr>
             </a:gs>
           </a:gsLst>
-          <a:lin ang="16200000" scaled="0"/>
+          <a:lin ang="5400000" scaled="0"/>
         </a:gradFill>
       </a:fillStyleLst>
       <a:lnStyleLst>
-        <a:ln w="9525" cap="flat" cmpd="sng" algn="ctr">
+        <a:ln w="12700" cap="flat" cmpd="sng" algn="ctr">
           <a:solidFill>
-            <a:schemeClr val="phClr">
-              <a:shade val="95000"/>
-              <a:satMod val="105000"/>
-            </a:schemeClr>
+            <a:schemeClr val="phClr"/>
           </a:solidFill>
           <a:prstDash val="solid"/>
+          <a:miter lim="800000"/>
+        </a:ln>
+        <a:ln w="19050" cap="flat" cmpd="sng" algn="ctr">
+          <a:solidFill>
+            <a:schemeClr val="phClr"/>
+          </a:solidFill>
+          <a:prstDash val="solid"/>
+          <a:miter lim="800000"/>
         </a:ln>
         <a:ln w="25400" cap="flat" cmpd="sng" algn="ctr">
           <a:solidFill>
             <a:schemeClr val="phClr"/>
           </a:solidFill>
           <a:prstDash val="solid"/>
-        </a:ln>
-        <a:ln w="38100" cap="flat" cmpd="sng" algn="ctr">
-          <a:solidFill>
-            <a:schemeClr val="phClr"/>
-          </a:solidFill>
-          <a:prstDash val="solid"/>
+          <a:miter lim="800000"/>
         </a:ln>
       </a:lnStyleLst>
       <a:effectStyleLst>
         <a:effectStyle>
+          <a:effectLst/>
+        </a:effectStyle>
+        <a:effectStyle>
+          <a:effectLst/>
+        </a:effectStyle>
+        <a:effectStyle>
           <a:effectLst>
-            <a:outerShdw blurRad="40000" dist="20000" dir="5400000" rotWithShape="0">
+            <a:outerShdw blurRad="57150" dist="19050" dir="5400000" algn="ctr" rotWithShape="0">
               <a:srgbClr val="000000">
-                <a:alpha val="38000"/>
+                <a:alpha val="63000"/>
               </a:srgbClr>
             </a:outerShdw>
           </a:effectLst>
-        </a:effectStyle>
-        <a:effectStyle>
-          <a:effectLst>
-            <a:outerShdw blurRad="40000" dist="23000" dir="5400000" rotWithShape="0">
-              <a:srgbClr val="000000">
-                <a:alpha val="35000"/>
-              </a:srgbClr>
-            </a:outerShdw>
-          </a:effectLst>
-        </a:effectStyle>
-        <a:effectStyle>
-          <a:effectLst>
-            <a:outerShdw blurRad="40000" dist="23000" dir="5400000" rotWithShape="0">
-              <a:srgbClr val="000000">
-                <a:alpha val="35000"/>
-              </a:srgbClr>
-            </a:outerShdw>
-          </a:effectLst>
-          <a:scene3d>
-            <a:camera prst="orthographicFront">
-              <a:rot lat="0" lon="0" rev="0"/>
-            </a:camera>
-            <a:lightRig rig="threePt" dir="t">
-              <a:rot lat="0" lon="0" rev="1200000"/>
-            </a:lightRig>
-          </a:scene3d>
-          <a:sp3d>
-            <a:bevelT w="63500" h="25400"/>
-          </a:sp3d>
         </a:effectStyle>
       </a:effectStyleLst>
       <a:bgFillStyleLst>
         <a:solidFill>
           <a:schemeClr val="phClr"/>
         </a:solidFill>
+        <a:solidFill>
+          <a:schemeClr val="phClr">
+            <a:tint val="95000"/>
+            <a:satMod val="170000"/>
+          </a:schemeClr>
+        </a:solidFill>
         <a:gradFill rotWithShape="1">
           <a:gsLst>
             <a:gs pos="0">
               <a:schemeClr val="phClr">
-                <a:tint val="40000"/>
-                <a:satMod val="350000"/>
+                <a:tint val="93000"/>
+                <a:satMod val="150000"/>
+                <a:shade val="98000"/>
+                <a:lumMod val="102000"/>
               </a:schemeClr>
             </a:gs>
-            <a:gs pos="40000">
+            <a:gs pos="50000">
               <a:schemeClr val="phClr">
-                <a:tint val="45000"/>
-                <a:shade val="99000"/>
-                <a:satMod val="350000"/>
+                <a:tint val="98000"/>
+                <a:satMod val="130000"/>
+                <a:shade val="90000"/>
+                <a:lumMod val="103000"/>
               </a:schemeClr>
             </a:gs>
             <a:gs pos="100000">
               <a:schemeClr val="phClr">
-                <a:shade val="20000"/>
-                <a:satMod val="255000"/>
+                <a:shade val="63000"/>
+                <a:satMod val="120000"/>
               </a:schemeClr>
             </a:gs>
           </a:gsLst>
-          <a:path path="circle">
-            <a:fillToRect l="50000" t="-80000" r="50000" b="180000"/>
-          </a:path>
-        </a:gradFill>
-        <a:gradFill rotWithShape="1">
-          <a:gsLst>
-            <a:gs pos="0">
-              <a:schemeClr val="phClr">
-                <a:tint val="80000"/>
-                <a:satMod val="300000"/>
-              </a:schemeClr>
-            </a:gs>
-            <a:gs pos="100000">
-              <a:schemeClr val="phClr">
-                <a:shade val="30000"/>
-                <a:satMod val="200000"/>
-              </a:schemeClr>
-            </a:gs>
-          </a:gsLst>
-          <a:path path="circle">
-            <a:fillToRect l="50000" t="50000" r="50000" b="50000"/>
-          </a:path>
+          <a:lin ang="5400000" scaled="0"/>
         </a:gradFill>
       </a:bgFillStyleLst>
     </a:fmtScheme>
   </a:themeElements>
-  <a:objectDefaults/>
+  <a:objectDefaults>
+    <a:lnDef>
+      <a:spPr/>
+      <a:bodyPr/>
+      <a:lstStyle/>
+      <a:style>
+        <a:lnRef idx="2">
+          <a:schemeClr val="accent1"/>
+        </a:lnRef>
+        <a:fillRef idx="0">
+          <a:schemeClr val="accent1"/>
+        </a:fillRef>
+        <a:effectRef idx="1">
+          <a:schemeClr val="accent1"/>
+        </a:effectRef>
+        <a:fontRef idx="minor">
+          <a:schemeClr val="tx1"/>
+        </a:fontRef>
+      </a:style>
+    </a:lnDef>
+  </a:objectDefaults>
   <a:extraClrSchemeLst/>
+  <a:extLst>
+    <a:ext uri="{05A4C25C-085E-4340-85A3-A5531E510DB2}">
+      <thm15:themeFamily xmlns:thm15="http://schemas.microsoft.com/office/thememl/2012/main" name="Office Theme" id="{2E142A2C-CD16-42D6-873A-C26D2A0506FA}" vid="{1BDDFF52-6CD6-40A5-AB3C-68EB2F1E4D0A}"/>
+    </a:ext>
+  </a:extLst>
 </a:theme>
 </file>
 
